--- a/UML/UML-1.pptx
+++ b/UML/UML-1.pptx
@@ -2,56 +2,61 @@
 <file path=ppt/presentation.xml><?xml version="1.0" encoding="utf-8"?>
 <p:presentation xmlns:a="http://schemas.openxmlformats.org/drawingml/2006/main" xmlns:r="http://schemas.openxmlformats.org/officeDocument/2006/relationships" xmlns:p="http://schemas.openxmlformats.org/presentationml/2006/main" removePersonalInfoOnSave="1" saveSubsetFonts="1">
   <p:sldMasterIdLst>
-    <p:sldMasterId id="2147483777" r:id="rId2"/>
+    <p:sldMasterId id="2147483777" r:id="rId4"/>
   </p:sldMasterIdLst>
   <p:notesMasterIdLst>
-    <p:notesMasterId r:id="rId44"/>
+    <p:notesMasterId r:id="rId51"/>
   </p:notesMasterIdLst>
   <p:handoutMasterIdLst>
-    <p:handoutMasterId r:id="rId45"/>
+    <p:handoutMasterId r:id="rId52"/>
   </p:handoutMasterIdLst>
   <p:sldIdLst>
-    <p:sldId id="256" r:id="rId3"/>
-    <p:sldId id="388" r:id="rId4"/>
-    <p:sldId id="387" r:id="rId5"/>
-    <p:sldId id="389" r:id="rId6"/>
-    <p:sldId id="348" r:id="rId7"/>
-    <p:sldId id="355" r:id="rId8"/>
-    <p:sldId id="356" r:id="rId9"/>
-    <p:sldId id="349" r:id="rId10"/>
-    <p:sldId id="350" r:id="rId11"/>
-    <p:sldId id="351" r:id="rId12"/>
-    <p:sldId id="352" r:id="rId13"/>
-    <p:sldId id="353" r:id="rId14"/>
-    <p:sldId id="354" r:id="rId15"/>
-    <p:sldId id="347" r:id="rId16"/>
-    <p:sldId id="357" r:id="rId17"/>
-    <p:sldId id="358" r:id="rId18"/>
-    <p:sldId id="359" r:id="rId19"/>
-    <p:sldId id="360" r:id="rId20"/>
-    <p:sldId id="361" r:id="rId21"/>
-    <p:sldId id="362" r:id="rId22"/>
-    <p:sldId id="363" r:id="rId23"/>
-    <p:sldId id="364" r:id="rId24"/>
-    <p:sldId id="365" r:id="rId25"/>
-    <p:sldId id="366" r:id="rId26"/>
-    <p:sldId id="367" r:id="rId27"/>
-    <p:sldId id="368" r:id="rId28"/>
-    <p:sldId id="369" r:id="rId29"/>
-    <p:sldId id="370" r:id="rId30"/>
-    <p:sldId id="371" r:id="rId31"/>
-    <p:sldId id="372" r:id="rId32"/>
-    <p:sldId id="373" r:id="rId33"/>
-    <p:sldId id="374" r:id="rId34"/>
-    <p:sldId id="375" r:id="rId35"/>
-    <p:sldId id="380" r:id="rId36"/>
-    <p:sldId id="379" r:id="rId37"/>
-    <p:sldId id="381" r:id="rId38"/>
-    <p:sldId id="382" r:id="rId39"/>
-    <p:sldId id="383" r:id="rId40"/>
-    <p:sldId id="384" r:id="rId41"/>
-    <p:sldId id="385" r:id="rId42"/>
-    <p:sldId id="386" r:id="rId43"/>
+    <p:sldId id="256" r:id="rId5"/>
+    <p:sldId id="388" r:id="rId6"/>
+    <p:sldId id="387" r:id="rId7"/>
+    <p:sldId id="389" r:id="rId8"/>
+    <p:sldId id="390" r:id="rId9"/>
+    <p:sldId id="391" r:id="rId10"/>
+    <p:sldId id="392" r:id="rId11"/>
+    <p:sldId id="348" r:id="rId12"/>
+    <p:sldId id="355" r:id="rId13"/>
+    <p:sldId id="356" r:id="rId14"/>
+    <p:sldId id="349" r:id="rId15"/>
+    <p:sldId id="350" r:id="rId16"/>
+    <p:sldId id="351" r:id="rId17"/>
+    <p:sldId id="352" r:id="rId18"/>
+    <p:sldId id="353" r:id="rId19"/>
+    <p:sldId id="354" r:id="rId20"/>
+    <p:sldId id="347" r:id="rId21"/>
+    <p:sldId id="394" r:id="rId22"/>
+    <p:sldId id="357" r:id="rId23"/>
+    <p:sldId id="358" r:id="rId24"/>
+    <p:sldId id="359" r:id="rId25"/>
+    <p:sldId id="360" r:id="rId26"/>
+    <p:sldId id="361" r:id="rId27"/>
+    <p:sldId id="362" r:id="rId28"/>
+    <p:sldId id="363" r:id="rId29"/>
+    <p:sldId id="364" r:id="rId30"/>
+    <p:sldId id="365" r:id="rId31"/>
+    <p:sldId id="366" r:id="rId32"/>
+    <p:sldId id="367" r:id="rId33"/>
+    <p:sldId id="368" r:id="rId34"/>
+    <p:sldId id="369" r:id="rId35"/>
+    <p:sldId id="370" r:id="rId36"/>
+    <p:sldId id="371" r:id="rId37"/>
+    <p:sldId id="372" r:id="rId38"/>
+    <p:sldId id="373" r:id="rId39"/>
+    <p:sldId id="374" r:id="rId40"/>
+    <p:sldId id="375" r:id="rId41"/>
+    <p:sldId id="380" r:id="rId42"/>
+    <p:sldId id="393" r:id="rId43"/>
+    <p:sldId id="379" r:id="rId44"/>
+    <p:sldId id="381" r:id="rId45"/>
+    <p:sldId id="382" r:id="rId46"/>
+    <p:sldId id="383" r:id="rId47"/>
+    <p:sldId id="384" r:id="rId48"/>
+    <p:sldId id="385" r:id="rId49"/>
+    <p:sldId id="386" r:id="rId50"/>
   </p:sldIdLst>
   <p:sldSz cx="12188825" cy="6858000"/>
   <p:notesSz cx="6858000" cy="9144000"/>
@@ -3533,7 +3538,7 @@
       <dgm:spPr/>
     </dgm:pt>
     <dgm:pt modelId="{BD3029F2-D34A-4AAE-942A-2C51AF596A9E}" type="pres">
-      <dgm:prSet presAssocID="{28DB9F14-34AE-4EF9-A2CD-A49D204B53EB}" presName="rect1" presStyleLbl="alignAcc1" presStyleIdx="0" presStyleCnt="4"/>
+      <dgm:prSet presAssocID="{28DB9F14-34AE-4EF9-A2CD-A49D204B53EB}" presName="rect1" presStyleLbl="alignAcc1" presStyleIdx="0" presStyleCnt="4" custLinFactNeighborX="24913" custLinFactNeighborY="-36"/>
       <dgm:spPr/>
       <dgm:t>
         <a:bodyPr/>
@@ -3863,11 +3868,7 @@
         <a:p>
           <a:r>
             <a:rPr lang="zh-CN" altLang="en-US" dirty="0" smtClean="0"/>
-            <a:t>相同：</a:t>
-          </a:r>
-          <a:r>
-            <a:rPr lang="zh-CN" altLang="en-US" dirty="0" smtClean="0"/>
-            <a:t>手拿</a:t>
+            <a:t>相同：手拿</a:t>
           </a:r>
           <a:endParaRPr lang="zh-CN" altLang="en-US" dirty="0"/>
         </a:p>
@@ -5490,11 +5491,7 @@
           </a:pPr>
           <a:r>
             <a:rPr lang="zh-CN" altLang="en-US" sz="1600" kern="1200" dirty="0" smtClean="0"/>
-            <a:t>相同：</a:t>
-          </a:r>
-          <a:r>
-            <a:rPr lang="zh-CN" altLang="en-US" sz="1600" kern="1200" dirty="0" smtClean="0"/>
-            <a:t>手拿</a:t>
+            <a:t>相同：手拿</a:t>
           </a:r>
           <a:endParaRPr lang="zh-CN" altLang="en-US" sz="1600" kern="1200" dirty="0"/>
         </a:p>
@@ -14019,7 +14016,7 @@
           <a:p>
             <a:fld id="{AC8CEC3D-96F7-401F-9673-3EE7F75C9C5B}" type="datetimeFigureOut">
               <a:rPr lang="en-US" altLang="zh-CN"/>
-              <a:t>1/20/2016</a:t>
+              <a:t>5/7/2018</a:t>
             </a:fld>
             <a:endParaRPr lang="zh-CN"/>
           </a:p>
@@ -14183,7 +14180,7 @@
           </a:lstStyle>
           <a:p>
             <a:fld id="{F032BCF4-D26D-4DAF-9F57-FE1E61FE7935}" type="datetimeFigureOut">
-              <a:t>2016/1/20</a:t>
+              <a:t>2018/5/7</a:t>
             </a:fld>
             <a:endParaRPr lang="zh-CN"/>
           </a:p>
@@ -14570,7 +14567,7 @@
             <a:fld id="{8EDDBD12-3C1C-4407-B728-8C285EE7343A}" type="slidenum">
               <a:rPr lang="en-US" altLang="zh-CN"/>
               <a:pPr/>
-              <a:t>23</a:t>
+              <a:t>27</a:t>
             </a:fld>
             <a:endParaRPr lang="en-US" altLang="zh-CN"/>
           </a:p>
@@ -14659,7 +14656,7 @@
             <a:fld id="{DDA2E944-833F-4669-8E90-5F92D9A5D4B8}" type="slidenum">
               <a:rPr lang="en-US" altLang="zh-CN"/>
               <a:pPr/>
-              <a:t>24</a:t>
+              <a:t>28</a:t>
             </a:fld>
             <a:endParaRPr lang="en-US" altLang="zh-CN"/>
           </a:p>
@@ -14748,7 +14745,7 @@
             <a:fld id="{12C4A288-4227-42A4-8FD2-E325CD9ECBA9}" type="slidenum">
               <a:rPr lang="en-US" altLang="zh-CN"/>
               <a:pPr/>
-              <a:t>25</a:t>
+              <a:t>29</a:t>
             </a:fld>
             <a:endParaRPr lang="en-US" altLang="zh-CN"/>
           </a:p>
@@ -14837,7 +14834,7 @@
             <a:fld id="{B26C6A35-4E92-4F11-9C95-000B37D409EB}" type="slidenum">
               <a:rPr lang="en-US" altLang="zh-CN"/>
               <a:pPr/>
-              <a:t>26</a:t>
+              <a:t>30</a:t>
             </a:fld>
             <a:endParaRPr lang="en-US" altLang="zh-CN"/>
           </a:p>
@@ -14926,7 +14923,7 @@
             <a:fld id="{91578C62-7349-41D3-A5C6-D7A276871EB6}" type="slidenum">
               <a:rPr lang="en-US" altLang="zh-CN"/>
               <a:pPr/>
-              <a:t>27</a:t>
+              <a:t>31</a:t>
             </a:fld>
             <a:endParaRPr lang="en-US" altLang="zh-CN"/>
           </a:p>
@@ -15015,7 +15012,7 @@
             <a:fld id="{79DCD1D6-2EF5-433F-9411-6B11E0DD93BE}" type="slidenum">
               <a:rPr lang="en-US" altLang="zh-CN"/>
               <a:pPr/>
-              <a:t>28</a:t>
+              <a:t>32</a:t>
             </a:fld>
             <a:endParaRPr lang="en-US" altLang="zh-CN"/>
           </a:p>
@@ -15104,7 +15101,7 @@
             <a:fld id="{D64F2D14-6101-4CE1-9E7D-C9E438BBF87C}" type="slidenum">
               <a:rPr lang="en-US" altLang="zh-CN"/>
               <a:pPr/>
-              <a:t>29</a:t>
+              <a:t>33</a:t>
             </a:fld>
             <a:endParaRPr lang="en-US" altLang="zh-CN"/>
           </a:p>
@@ -15193,7 +15190,7 @@
             <a:fld id="{02319F1E-BD8D-4DBD-9931-B6B1B9EEB335}" type="slidenum">
               <a:rPr lang="en-US" altLang="zh-CN"/>
               <a:pPr/>
-              <a:t>30</a:t>
+              <a:t>34</a:t>
             </a:fld>
             <a:endParaRPr lang="en-US" altLang="zh-CN"/>
           </a:p>
@@ -15282,7 +15279,7 @@
             <a:fld id="{02DE02FA-1D32-4F57-9328-E0F364E7C93F}" type="slidenum">
               <a:rPr lang="en-US" altLang="zh-CN"/>
               <a:pPr/>
-              <a:t>31</a:t>
+              <a:t>35</a:t>
             </a:fld>
             <a:endParaRPr lang="en-US" altLang="zh-CN"/>
           </a:p>
@@ -15371,7 +15368,7 @@
             <a:fld id="{EB865B8A-64B8-4BEA-8053-BBB47053756F}" type="slidenum">
               <a:rPr lang="en-US" altLang="zh-CN"/>
               <a:pPr/>
-              <a:t>32</a:t>
+              <a:t>36</a:t>
             </a:fld>
             <a:endParaRPr lang="en-US" altLang="zh-CN"/>
           </a:p>
@@ -15460,7 +15457,7 @@
             <a:fld id="{88BEC86B-8793-4E38-A369-FEE0184F5F69}" type="slidenum">
               <a:rPr lang="en-US" altLang="zh-CN"/>
               <a:pPr/>
-              <a:t>15</a:t>
+              <a:t>19</a:t>
             </a:fld>
             <a:endParaRPr lang="en-US" altLang="zh-CN"/>
           </a:p>
@@ -15549,7 +15546,7 @@
             <a:fld id="{727F34B8-24CE-41B5-BF12-68A7A8AC8CD3}" type="slidenum">
               <a:rPr lang="en-US" altLang="zh-CN"/>
               <a:pPr/>
-              <a:t>33</a:t>
+              <a:t>37</a:t>
             </a:fld>
             <a:endParaRPr lang="en-US" altLang="zh-CN"/>
           </a:p>
@@ -15638,7 +15635,7 @@
             <a:fld id="{97444C1D-57BF-46C4-8FEF-7CDA5E724E6A}" type="slidenum">
               <a:rPr lang="en-US" altLang="zh-CN"/>
               <a:pPr/>
-              <a:t>40</a:t>
+              <a:t>45</a:t>
             </a:fld>
             <a:endParaRPr lang="en-US" altLang="zh-CN"/>
           </a:p>
@@ -15648,7 +15645,7 @@
         <p:nvSpPr>
           <p:cNvPr id="228354" name="Rectangle 2"/>
           <p:cNvSpPr>
-            <a:spLocks noRot="1" noChangeArrowheads="1" noTextEdit="1"/>
+            <a:spLocks noGrp="1" noRot="1" noChangeAspect="1" noChangeArrowheads="1" noTextEdit="1"/>
           </p:cNvSpPr>
           <p:nvPr>
             <p:ph type="sldImg"/>
@@ -15727,7 +15724,7 @@
             <a:fld id="{006F52D7-2717-4FA6-BAD6-2C0F30797DF4}" type="slidenum">
               <a:rPr lang="en-US" altLang="zh-CN"/>
               <a:pPr/>
-              <a:t>41</a:t>
+              <a:t>46</a:t>
             </a:fld>
             <a:endParaRPr lang="en-US" altLang="zh-CN"/>
           </a:p>
@@ -15737,7 +15734,7 @@
         <p:nvSpPr>
           <p:cNvPr id="234498" name="Rectangle 2"/>
           <p:cNvSpPr>
-            <a:spLocks noRot="1" noChangeArrowheads="1" noTextEdit="1"/>
+            <a:spLocks noGrp="1" noRot="1" noChangeAspect="1" noChangeArrowheads="1" noTextEdit="1"/>
           </p:cNvSpPr>
           <p:nvPr>
             <p:ph type="sldImg"/>
@@ -15816,7 +15813,7 @@
             <a:fld id="{01AEFE1F-3D3B-438A-81EA-170CD0490D2E}" type="slidenum">
               <a:rPr lang="en-US" altLang="zh-CN"/>
               <a:pPr/>
-              <a:t>16</a:t>
+              <a:t>20</a:t>
             </a:fld>
             <a:endParaRPr lang="en-US" altLang="zh-CN"/>
           </a:p>
@@ -15905,7 +15902,7 @@
             <a:fld id="{57B15957-D9B6-43CC-8E0B-062C4B674DC8}" type="slidenum">
               <a:rPr lang="en-US" altLang="zh-CN"/>
               <a:pPr/>
-              <a:t>17</a:t>
+              <a:t>21</a:t>
             </a:fld>
             <a:endParaRPr lang="en-US" altLang="zh-CN"/>
           </a:p>
@@ -15994,7 +15991,7 @@
             <a:fld id="{701FCA7A-46DE-4879-96DD-B6F7A45AD3A7}" type="slidenum">
               <a:rPr lang="en-US" altLang="zh-CN"/>
               <a:pPr/>
-              <a:t>18</a:t>
+              <a:t>22</a:t>
             </a:fld>
             <a:endParaRPr lang="en-US" altLang="zh-CN"/>
           </a:p>
@@ -16083,7 +16080,7 @@
             <a:fld id="{CB8A04F3-6FAF-4F93-8981-45874D8C2134}" type="slidenum">
               <a:rPr lang="en-US" altLang="zh-CN"/>
               <a:pPr/>
-              <a:t>19</a:t>
+              <a:t>23</a:t>
             </a:fld>
             <a:endParaRPr lang="en-US" altLang="zh-CN"/>
           </a:p>
@@ -16172,7 +16169,7 @@
             <a:fld id="{DC13EB34-5112-482C-9534-A2642C148F53}" type="slidenum">
               <a:rPr lang="en-US" altLang="zh-CN"/>
               <a:pPr/>
-              <a:t>20</a:t>
+              <a:t>24</a:t>
             </a:fld>
             <a:endParaRPr lang="en-US" altLang="zh-CN"/>
           </a:p>
@@ -16261,7 +16258,7 @@
             <a:fld id="{2DFCCAEC-C6B3-4319-97D1-D1F33995B716}" type="slidenum">
               <a:rPr lang="en-US" altLang="zh-CN"/>
               <a:pPr/>
-              <a:t>21</a:t>
+              <a:t>25</a:t>
             </a:fld>
             <a:endParaRPr lang="en-US" altLang="zh-CN"/>
           </a:p>
@@ -16350,7 +16347,7 @@
             <a:fld id="{3249776F-A058-4A30-8C42-CF5D8E997567}" type="slidenum">
               <a:rPr lang="en-US" altLang="zh-CN"/>
               <a:pPr/>
-              <a:t>22</a:t>
+              <a:t>26</a:t>
             </a:fld>
             <a:endParaRPr lang="en-US" altLang="zh-CN"/>
           </a:p>
@@ -16806,7 +16803,7 @@
             <a:fld id="{81C93FC7-9D1A-468B-98DB-D1E8D74418D9}" type="datetimeFigureOut">
               <a:rPr lang="zh-CN" altLang="en-US" smtClean="0"/>
               <a:pPr/>
-              <a:t>2016/1/20</a:t>
+              <a:t>2018/5/7</a:t>
             </a:fld>
             <a:endParaRPr lang="zh-CN"/>
           </a:p>
@@ -17005,7 +17002,7 @@
           <a:p>
             <a:fld id="{81C93FC7-9D1A-468B-98DB-D1E8D74418D9}" type="datetimeFigureOut">
               <a:rPr lang="zh-CN" altLang="en-US" smtClean="0"/>
-              <a:t>2016/1/20</a:t>
+              <a:t>2018/5/7</a:t>
             </a:fld>
             <a:endParaRPr lang="zh-CN"/>
           </a:p>
@@ -17205,7 +17202,7 @@
             <a:fld id="{81C93FC7-9D1A-468B-98DB-D1E8D74418D9}" type="datetimeFigureOut">
               <a:rPr lang="en-US" altLang="zh-CN" smtClean="0"/>
               <a:pPr/>
-              <a:t>1/20/2016</a:t>
+              <a:t>5/7/2018</a:t>
             </a:fld>
             <a:endParaRPr lang="zh-CN" altLang="en-US"/>
           </a:p>
@@ -17383,7 +17380,7 @@
           <a:p>
             <a:fld id="{81C93FC7-9D1A-468B-98DB-D1E8D74418D9}" type="datetimeFigureOut">
               <a:rPr lang="zh-CN" altLang="en-US" smtClean="0"/>
-              <a:t>2016/1/20</a:t>
+              <a:t>2018/5/7</a:t>
             </a:fld>
             <a:endParaRPr lang="zh-CN"/>
           </a:p>
@@ -17716,7 +17713,7 @@
             <a:fld id="{81C93FC7-9D1A-468B-98DB-D1E8D74418D9}" type="datetimeFigureOut">
               <a:rPr lang="zh-CN" altLang="en-US" smtClean="0"/>
               <a:pPr/>
-              <a:t>2016/1/20</a:t>
+              <a:t>2018/5/7</a:t>
             </a:fld>
             <a:endParaRPr lang="zh-CN"/>
           </a:p>
@@ -18122,7 +18119,7 @@
           <a:p>
             <a:fld id="{81C93FC7-9D1A-468B-98DB-D1E8D74418D9}" type="datetimeFigureOut">
               <a:rPr lang="zh-CN" altLang="en-US" smtClean="0"/>
-              <a:t>2016/1/20</a:t>
+              <a:t>2018/5/7</a:t>
             </a:fld>
             <a:endParaRPr lang="zh-CN"/>
           </a:p>
@@ -18575,7 +18572,7 @@
           <a:p>
             <a:fld id="{81C93FC7-9D1A-468B-98DB-D1E8D74418D9}" type="datetimeFigureOut">
               <a:rPr lang="zh-CN" altLang="en-US" smtClean="0"/>
-              <a:t>2016/1/20</a:t>
+              <a:t>2018/5/7</a:t>
             </a:fld>
             <a:endParaRPr lang="zh-CN"/>
           </a:p>
@@ -18712,7 +18709,7 @@
           <a:p>
             <a:fld id="{81C93FC7-9D1A-468B-98DB-D1E8D74418D9}" type="datetimeFigureOut">
               <a:rPr lang="zh-CN" altLang="en-US" smtClean="0"/>
-              <a:t>2016/1/20</a:t>
+              <a:t>2018/5/7</a:t>
             </a:fld>
             <a:endParaRPr lang="zh-CN"/>
           </a:p>
@@ -18826,7 +18823,7 @@
           <a:p>
             <a:fld id="{81C93FC7-9D1A-468B-98DB-D1E8D74418D9}" type="datetimeFigureOut">
               <a:rPr lang="zh-CN" altLang="en-US" smtClean="0"/>
-              <a:t>2016/1/20</a:t>
+              <a:t>2018/5/7</a:t>
             </a:fld>
             <a:endParaRPr lang="zh-CN"/>
           </a:p>
@@ -19195,7 +19192,7 @@
           <a:p>
             <a:fld id="{81C93FC7-9D1A-468B-98DB-D1E8D74418D9}" type="datetimeFigureOut">
               <a:rPr lang="zh-CN" altLang="en-US" smtClean="0"/>
-              <a:t>2016/1/20</a:t>
+              <a:t>2018/5/7</a:t>
             </a:fld>
             <a:endParaRPr lang="zh-CN"/>
           </a:p>
@@ -19639,7 +19636,7 @@
           <a:p>
             <a:fld id="{81C93FC7-9D1A-468B-98DB-D1E8D74418D9}" type="datetimeFigureOut">
               <a:rPr lang="zh-CN" altLang="en-US" smtClean="0"/>
-              <a:t>2016/1/20</a:t>
+              <a:t>2018/5/7</a:t>
             </a:fld>
             <a:endParaRPr lang="zh-CN"/>
           </a:p>
@@ -19940,7 +19937,7 @@
             <a:fld id="{81C93FC7-9D1A-468B-98DB-D1E8D74418D9}" type="datetimeFigureOut">
               <a:rPr lang="en-US" altLang="zh-CN" smtClean="0"/>
               <a:pPr/>
-              <a:t>1/20/2016</a:t>
+              <a:t>5/7/2018</a:t>
             </a:fld>
             <a:endParaRPr lang="zh-CN" altLang="en-US"/>
           </a:p>
@@ -20585,8 +20582,20 @@
           <a:lstStyle/>
           <a:p>
             <a:r>
+              <a:rPr lang="en-US" altLang="zh-CN" dirty="0" smtClean="0"/>
+              <a:t>UML</a:t>
+            </a:r>
+            <a:r>
               <a:rPr lang="zh-CN" altLang="en-US" dirty="0" smtClean="0"/>
-              <a:t>概述与需求分析课程</a:t>
+              <a:t>概述</a:t>
+            </a:r>
+            <a:r>
+              <a:rPr lang="zh-CN" altLang="en-US" dirty="0" smtClean="0"/>
+              <a:t>与</a:t>
+            </a:r>
+            <a:r>
+              <a:rPr lang="zh-CN" altLang="en-US" dirty="0" smtClean="0"/>
+              <a:t>需求分析</a:t>
             </a:r>
             <a:endParaRPr lang="zh-CN" dirty="0"/>
           </a:p>
@@ -20625,6 +20634,1460 @@
 </file>
 
 <file path=ppt/slides/slide10.xml><?xml version="1.0" encoding="utf-8"?>
+<p:sld xmlns:a="http://schemas.openxmlformats.org/drawingml/2006/main" xmlns:r="http://schemas.openxmlformats.org/officeDocument/2006/relationships" xmlns:p="http://schemas.openxmlformats.org/presentationml/2006/main">
+  <p:cSld>
+    <p:spTree>
+      <p:nvGrpSpPr>
+        <p:cNvPr id="1" name=""/>
+        <p:cNvGrpSpPr/>
+        <p:nvPr/>
+      </p:nvGrpSpPr>
+      <p:grpSpPr>
+        <a:xfrm>
+          <a:off x="0" y="0"/>
+          <a:ext cx="0" cy="0"/>
+          <a:chOff x="0" y="0"/>
+          <a:chExt cx="0" cy="0"/>
+        </a:xfrm>
+      </p:grpSpPr>
+      <p:sp>
+        <p:nvSpPr>
+          <p:cNvPr id="2" name="标题 1"/>
+          <p:cNvSpPr>
+            <a:spLocks noGrp="1"/>
+          </p:cNvSpPr>
+          <p:nvPr>
+            <p:ph type="title"/>
+          </p:nvPr>
+        </p:nvSpPr>
+        <p:spPr/>
+        <p:txBody>
+          <a:bodyPr/>
+          <a:lstStyle/>
+          <a:p>
+            <a:r>
+              <a:rPr lang="en-US" altLang="zh-CN" dirty="0" smtClean="0"/>
+              <a:t>UML</a:t>
+            </a:r>
+            <a:r>
+              <a:rPr lang="zh-CN" altLang="en-US" dirty="0" smtClean="0"/>
+              <a:t>能做什么？</a:t>
+            </a:r>
+            <a:endParaRPr lang="zh-CN" altLang="en-US" dirty="0"/>
+          </a:p>
+        </p:txBody>
+      </p:sp>
+      <p:sp>
+        <p:nvSpPr>
+          <p:cNvPr id="3" name="内容占位符 2"/>
+          <p:cNvSpPr>
+            <a:spLocks noGrp="1"/>
+          </p:cNvSpPr>
+          <p:nvPr>
+            <p:ph idx="1"/>
+          </p:nvPr>
+        </p:nvSpPr>
+        <p:spPr/>
+        <p:txBody>
+          <a:bodyPr>
+            <a:normAutofit fontScale="92500" lnSpcReduction="10000"/>
+          </a:bodyPr>
+          <a:lstStyle/>
+          <a:p>
+            <a:pPr>
+              <a:lnSpc>
+                <a:spcPct val="80000"/>
+              </a:lnSpc>
+            </a:pPr>
+            <a:r>
+              <a:rPr lang="zh-CN" altLang="en-US" sz="2800" dirty="0"/>
+              <a:t>辅助进行需求调研、需求分析</a:t>
+            </a:r>
+          </a:p>
+          <a:p>
+            <a:pPr lvl="1">
+              <a:lnSpc>
+                <a:spcPct val="80000"/>
+              </a:lnSpc>
+            </a:pPr>
+            <a:r>
+              <a:rPr lang="zh-CN" altLang="en-US" sz="2300" b="1" dirty="0">
+                <a:solidFill>
+                  <a:schemeClr val="hlink"/>
+                </a:solidFill>
+              </a:rPr>
+              <a:t>类图（</a:t>
+            </a:r>
+            <a:r>
+              <a:rPr lang="en-US" altLang="zh-CN" sz="2300" b="1" dirty="0">
+                <a:solidFill>
+                  <a:schemeClr val="hlink"/>
+                </a:solidFill>
+              </a:rPr>
+              <a:t>Class Diagram</a:t>
+            </a:r>
+            <a:r>
+              <a:rPr lang="zh-CN" altLang="en-US" sz="2300" b="1" dirty="0">
+                <a:solidFill>
+                  <a:schemeClr val="hlink"/>
+                </a:solidFill>
+              </a:rPr>
+              <a:t>）</a:t>
+            </a:r>
+          </a:p>
+          <a:p>
+            <a:pPr lvl="1">
+              <a:lnSpc>
+                <a:spcPct val="80000"/>
+              </a:lnSpc>
+            </a:pPr>
+            <a:r>
+              <a:rPr lang="zh-CN" altLang="en-US" sz="2300" dirty="0"/>
+              <a:t>活动图（</a:t>
+            </a:r>
+            <a:r>
+              <a:rPr lang="en-US" altLang="zh-CN" sz="2300" dirty="0"/>
+              <a:t>Activity Diagram</a:t>
+            </a:r>
+            <a:r>
+              <a:rPr lang="zh-CN" altLang="en-US" sz="2300" dirty="0"/>
+              <a:t>）</a:t>
+            </a:r>
+          </a:p>
+          <a:p>
+            <a:pPr lvl="1">
+              <a:lnSpc>
+                <a:spcPct val="80000"/>
+              </a:lnSpc>
+            </a:pPr>
+            <a:r>
+              <a:rPr lang="zh-CN" altLang="en-US" sz="2300" b="1" dirty="0">
+                <a:solidFill>
+                  <a:schemeClr val="hlink"/>
+                </a:solidFill>
+              </a:rPr>
+              <a:t>序列图（</a:t>
+            </a:r>
+            <a:r>
+              <a:rPr lang="en-US" altLang="zh-CN" sz="2300" b="1" dirty="0">
+                <a:solidFill>
+                  <a:schemeClr val="hlink"/>
+                </a:solidFill>
+              </a:rPr>
+              <a:t>Sequence Diagram</a:t>
+            </a:r>
+            <a:r>
+              <a:rPr lang="zh-CN" altLang="en-US" sz="2300" b="1" dirty="0">
+                <a:solidFill>
+                  <a:schemeClr val="hlink"/>
+                </a:solidFill>
+              </a:rPr>
+              <a:t>）</a:t>
+            </a:r>
+          </a:p>
+          <a:p>
+            <a:pPr lvl="1">
+              <a:lnSpc>
+                <a:spcPct val="80000"/>
+              </a:lnSpc>
+            </a:pPr>
+            <a:r>
+              <a:rPr lang="zh-CN" altLang="en-US" sz="2300" dirty="0"/>
+              <a:t>用例图（</a:t>
+            </a:r>
+            <a:r>
+              <a:rPr lang="en-US" altLang="zh-CN" sz="2300" dirty="0"/>
+              <a:t>Use Case Diagram</a:t>
+            </a:r>
+            <a:r>
+              <a:rPr lang="zh-CN" altLang="en-US" sz="2300" dirty="0"/>
+              <a:t>）</a:t>
+            </a:r>
+          </a:p>
+          <a:p>
+            <a:pPr lvl="1">
+              <a:lnSpc>
+                <a:spcPct val="80000"/>
+              </a:lnSpc>
+            </a:pPr>
+            <a:r>
+              <a:rPr lang="en-US" altLang="zh-CN" sz="2300" dirty="0"/>
+              <a:t>……</a:t>
+            </a:r>
+          </a:p>
+          <a:p>
+            <a:pPr>
+              <a:lnSpc>
+                <a:spcPct val="80000"/>
+              </a:lnSpc>
+            </a:pPr>
+            <a:r>
+              <a:rPr lang="zh-CN" altLang="en-US" sz="2800" dirty="0"/>
+              <a:t>辅助进行设计</a:t>
+            </a:r>
+          </a:p>
+          <a:p>
+            <a:pPr lvl="1">
+              <a:lnSpc>
+                <a:spcPct val="80000"/>
+              </a:lnSpc>
+            </a:pPr>
+            <a:r>
+              <a:rPr lang="zh-CN" altLang="en-US" sz="2300" dirty="0"/>
+              <a:t>组件图（</a:t>
+            </a:r>
+            <a:r>
+              <a:rPr lang="en-US" altLang="zh-CN" sz="2300" dirty="0"/>
+              <a:t>Component Diagram</a:t>
+            </a:r>
+            <a:r>
+              <a:rPr lang="zh-CN" altLang="en-US" sz="2300" dirty="0"/>
+              <a:t>）</a:t>
+            </a:r>
+          </a:p>
+          <a:p>
+            <a:pPr lvl="1">
+              <a:lnSpc>
+                <a:spcPct val="80000"/>
+              </a:lnSpc>
+            </a:pPr>
+            <a:r>
+              <a:rPr lang="zh-CN" altLang="en-US" sz="2300" dirty="0"/>
+              <a:t>部署图（</a:t>
+            </a:r>
+            <a:r>
+              <a:rPr lang="en-US" altLang="zh-CN" sz="2300" dirty="0"/>
+              <a:t>Deployment Diagram</a:t>
+            </a:r>
+            <a:r>
+              <a:rPr lang="zh-CN" altLang="en-US" sz="2300" dirty="0"/>
+              <a:t>）</a:t>
+            </a:r>
+          </a:p>
+          <a:p>
+            <a:pPr lvl="1">
+              <a:lnSpc>
+                <a:spcPct val="80000"/>
+              </a:lnSpc>
+            </a:pPr>
+            <a:r>
+              <a:rPr lang="zh-CN" altLang="en-US" sz="2300" b="1" dirty="0">
+                <a:solidFill>
+                  <a:schemeClr val="hlink"/>
+                </a:solidFill>
+              </a:rPr>
+              <a:t>类图（</a:t>
+            </a:r>
+            <a:r>
+              <a:rPr lang="en-US" altLang="zh-CN" sz="2300" b="1" dirty="0">
+                <a:solidFill>
+                  <a:schemeClr val="hlink"/>
+                </a:solidFill>
+              </a:rPr>
+              <a:t>Class Diagram</a:t>
+            </a:r>
+            <a:r>
+              <a:rPr lang="zh-CN" altLang="en-US" sz="2300" b="1" dirty="0">
+                <a:solidFill>
+                  <a:schemeClr val="hlink"/>
+                </a:solidFill>
+              </a:rPr>
+              <a:t>）</a:t>
+            </a:r>
+          </a:p>
+          <a:p>
+            <a:pPr lvl="1">
+              <a:lnSpc>
+                <a:spcPct val="80000"/>
+              </a:lnSpc>
+            </a:pPr>
+            <a:r>
+              <a:rPr lang="zh-CN" altLang="en-US" sz="2300" b="1" dirty="0">
+                <a:solidFill>
+                  <a:schemeClr val="hlink"/>
+                </a:solidFill>
+              </a:rPr>
+              <a:t>序列图（</a:t>
+            </a:r>
+            <a:r>
+              <a:rPr lang="en-US" altLang="zh-CN" sz="2300" b="1" dirty="0">
+                <a:solidFill>
+                  <a:schemeClr val="hlink"/>
+                </a:solidFill>
+              </a:rPr>
+              <a:t>Sequence Diagram</a:t>
+            </a:r>
+            <a:r>
+              <a:rPr lang="zh-CN" altLang="en-US" sz="2300" b="1" dirty="0">
+                <a:solidFill>
+                  <a:schemeClr val="hlink"/>
+                </a:solidFill>
+              </a:rPr>
+              <a:t>）</a:t>
+            </a:r>
+          </a:p>
+          <a:p>
+            <a:pPr lvl="1">
+              <a:lnSpc>
+                <a:spcPct val="80000"/>
+              </a:lnSpc>
+            </a:pPr>
+            <a:r>
+              <a:rPr lang="en-US" altLang="zh-CN" sz="2300" dirty="0"/>
+              <a:t>……</a:t>
+            </a:r>
+          </a:p>
+          <a:p>
+            <a:endParaRPr lang="zh-CN" altLang="en-US" dirty="0"/>
+          </a:p>
+        </p:txBody>
+      </p:sp>
+    </p:spTree>
+    <p:extLst>
+      <p:ext uri="{BB962C8B-B14F-4D97-AF65-F5344CB8AC3E}">
+        <p14:creationId xmlns:p14="http://schemas.microsoft.com/office/powerpoint/2010/main" val="2692939264"/>
+      </p:ext>
+    </p:extLst>
+  </p:cSld>
+  <p:clrMapOvr>
+    <a:masterClrMapping/>
+  </p:clrMapOvr>
+  <mc:AlternateContent xmlns:mc="http://schemas.openxmlformats.org/markup-compatibility/2006" xmlns:p14="http://schemas.microsoft.com/office/powerpoint/2010/main">
+    <mc:Choice Requires="p14">
+      <p:transition spd="med" p14:dur="700">
+        <p:fade/>
+      </p:transition>
+    </mc:Choice>
+    <mc:Fallback xmlns="">
+      <p:transition spd="med">
+        <p:fade/>
+      </p:transition>
+    </mc:Fallback>
+  </mc:AlternateContent>
+  <p:timing>
+    <p:tnLst>
+      <p:par>
+        <p:cTn id="1" dur="indefinite" restart="never" nodeType="tmRoot"/>
+      </p:par>
+    </p:tnLst>
+  </p:timing>
+</p:sld>
+</file>
+
+<file path=ppt/slides/slide11.xml><?xml version="1.0" encoding="utf-8"?>
+<p:sld xmlns:a="http://schemas.openxmlformats.org/drawingml/2006/main" xmlns:r="http://schemas.openxmlformats.org/officeDocument/2006/relationships" xmlns:p="http://schemas.openxmlformats.org/presentationml/2006/main">
+  <p:cSld>
+    <p:spTree>
+      <p:nvGrpSpPr>
+        <p:cNvPr id="1" name=""/>
+        <p:cNvGrpSpPr/>
+        <p:nvPr/>
+      </p:nvGrpSpPr>
+      <p:grpSpPr>
+        <a:xfrm>
+          <a:off x="0" y="0"/>
+          <a:ext cx="0" cy="0"/>
+          <a:chOff x="0" y="0"/>
+          <a:chExt cx="0" cy="0"/>
+        </a:xfrm>
+      </p:grpSpPr>
+      <p:sp>
+        <p:nvSpPr>
+          <p:cNvPr id="2" name="标题 1"/>
+          <p:cNvSpPr>
+            <a:spLocks noGrp="1"/>
+          </p:cNvSpPr>
+          <p:nvPr>
+            <p:ph type="title"/>
+          </p:nvPr>
+        </p:nvSpPr>
+        <p:spPr/>
+        <p:txBody>
+          <a:bodyPr/>
+          <a:lstStyle/>
+          <a:p>
+            <a:r>
+              <a:rPr lang="zh-CN" altLang="en-US" dirty="0" smtClean="0"/>
+              <a:t>测试</a:t>
+            </a:r>
+            <a:endParaRPr lang="zh-CN" altLang="en-US" dirty="0"/>
+          </a:p>
+        </p:txBody>
+      </p:sp>
+      <p:sp>
+        <p:nvSpPr>
+          <p:cNvPr id="3" name="内容占位符 2"/>
+          <p:cNvSpPr>
+            <a:spLocks noGrp="1"/>
+          </p:cNvSpPr>
+          <p:nvPr>
+            <p:ph idx="1"/>
+          </p:nvPr>
+        </p:nvSpPr>
+        <p:spPr/>
+        <p:txBody>
+          <a:bodyPr/>
+          <a:lstStyle/>
+          <a:p>
+            <a:r>
+              <a:rPr lang="zh-CN" altLang="en-US" dirty="0"/>
+              <a:t>请在</a:t>
+            </a:r>
+            <a:r>
+              <a:rPr lang="en-US" altLang="zh-CN" dirty="0"/>
+              <a:t>30</a:t>
+            </a:r>
+            <a:r>
+              <a:rPr lang="zh-CN" altLang="en-US" dirty="0"/>
+              <a:t>秒内说出尽可能多的筷子、勺子、和盘子的相同点和不同点</a:t>
+            </a:r>
+            <a:endParaRPr lang="en-US" altLang="zh-CN" dirty="0"/>
+          </a:p>
+          <a:p>
+            <a:endParaRPr lang="en-US" altLang="zh-CN" dirty="0"/>
+          </a:p>
+          <a:p>
+            <a:endParaRPr lang="zh-CN" altLang="en-US" dirty="0"/>
+          </a:p>
+        </p:txBody>
+      </p:sp>
+    </p:spTree>
+    <p:extLst>
+      <p:ext uri="{BB962C8B-B14F-4D97-AF65-F5344CB8AC3E}">
+        <p14:creationId xmlns:p14="http://schemas.microsoft.com/office/powerpoint/2010/main" val="4169765248"/>
+      </p:ext>
+    </p:extLst>
+  </p:cSld>
+  <p:clrMapOvr>
+    <a:masterClrMapping/>
+  </p:clrMapOvr>
+  <mc:AlternateContent xmlns:mc="http://schemas.openxmlformats.org/markup-compatibility/2006" xmlns:p14="http://schemas.microsoft.com/office/powerpoint/2010/main">
+    <mc:Choice Requires="p14">
+      <p:transition spd="med" p14:dur="700">
+        <p:fade/>
+      </p:transition>
+    </mc:Choice>
+    <mc:Fallback xmlns="">
+      <p:transition spd="med">
+        <p:fade/>
+      </p:transition>
+    </mc:Fallback>
+  </mc:AlternateContent>
+  <p:timing>
+    <p:tnLst>
+      <p:par>
+        <p:cTn id="1" dur="indefinite" restart="never" nodeType="tmRoot">
+          <p:childTnLst>
+            <p:seq concurrent="1" nextAc="seek">
+              <p:cTn id="2" dur="indefinite" nodeType="mainSeq">
+                <p:childTnLst>
+                  <p:par>
+                    <p:cTn id="3" fill="hold">
+                      <p:stCondLst>
+                        <p:cond delay="indefinite"/>
+                      </p:stCondLst>
+                      <p:childTnLst>
+                        <p:par>
+                          <p:cTn id="4" fill="hold">
+                            <p:stCondLst>
+                              <p:cond delay="0"/>
+                            </p:stCondLst>
+                            <p:childTnLst>
+                              <p:par>
+                                <p:cTn id="5" presetID="2" presetClass="entr" presetSubtype="4" fill="hold" nodeType="clickEffect">
+                                  <p:stCondLst>
+                                    <p:cond delay="0"/>
+                                  </p:stCondLst>
+                                  <p:childTnLst>
+                                    <p:set>
+                                      <p:cBhvr>
+                                        <p:cTn id="6" dur="1" fill="hold">
+                                          <p:stCondLst>
+                                            <p:cond delay="0"/>
+                                          </p:stCondLst>
+                                        </p:cTn>
+                                        <p:tgtEl>
+                                          <p:spTgt spid="3">
+                                            <p:txEl>
+                                              <p:pRg st="0" end="0"/>
+                                            </p:txEl>
+                                          </p:spTgt>
+                                        </p:tgtEl>
+                                        <p:attrNameLst>
+                                          <p:attrName>style.visibility</p:attrName>
+                                        </p:attrNameLst>
+                                      </p:cBhvr>
+                                      <p:to>
+                                        <p:strVal val="visible"/>
+                                      </p:to>
+                                    </p:set>
+                                    <p:anim calcmode="lin" valueType="num">
+                                      <p:cBhvr additive="base">
+                                        <p:cTn id="7" dur="500" fill="hold"/>
+                                        <p:tgtEl>
+                                          <p:spTgt spid="3">
+                                            <p:txEl>
+                                              <p:pRg st="0" end="0"/>
+                                            </p:txEl>
+                                          </p:spTgt>
+                                        </p:tgtEl>
+                                        <p:attrNameLst>
+                                          <p:attrName>ppt_x</p:attrName>
+                                        </p:attrNameLst>
+                                      </p:cBhvr>
+                                      <p:tavLst>
+                                        <p:tav tm="0">
+                                          <p:val>
+                                            <p:strVal val="#ppt_x"/>
+                                          </p:val>
+                                        </p:tav>
+                                        <p:tav tm="100000">
+                                          <p:val>
+                                            <p:strVal val="#ppt_x"/>
+                                          </p:val>
+                                        </p:tav>
+                                      </p:tavLst>
+                                    </p:anim>
+                                    <p:anim calcmode="lin" valueType="num">
+                                      <p:cBhvr additive="base">
+                                        <p:cTn id="8" dur="500" fill="hold"/>
+                                        <p:tgtEl>
+                                          <p:spTgt spid="3">
+                                            <p:txEl>
+                                              <p:pRg st="0" end="0"/>
+                                            </p:txEl>
+                                          </p:spTgt>
+                                        </p:tgtEl>
+                                        <p:attrNameLst>
+                                          <p:attrName>ppt_y</p:attrName>
+                                        </p:attrNameLst>
+                                      </p:cBhvr>
+                                      <p:tavLst>
+                                        <p:tav tm="0">
+                                          <p:val>
+                                            <p:strVal val="1+#ppt_h/2"/>
+                                          </p:val>
+                                        </p:tav>
+                                        <p:tav tm="100000">
+                                          <p:val>
+                                            <p:strVal val="#ppt_y"/>
+                                          </p:val>
+                                        </p:tav>
+                                      </p:tavLst>
+                                    </p:anim>
+                                  </p:childTnLst>
+                                </p:cTn>
+                              </p:par>
+                            </p:childTnLst>
+                          </p:cTn>
+                        </p:par>
+                      </p:childTnLst>
+                    </p:cTn>
+                  </p:par>
+                </p:childTnLst>
+              </p:cTn>
+              <p:prevCondLst>
+                <p:cond evt="onPrev" delay="0">
+                  <p:tgtEl>
+                    <p:sldTgt/>
+                  </p:tgtEl>
+                </p:cond>
+              </p:prevCondLst>
+              <p:nextCondLst>
+                <p:cond evt="onNext" delay="0">
+                  <p:tgtEl>
+                    <p:sldTgt/>
+                  </p:tgtEl>
+                </p:cond>
+              </p:nextCondLst>
+            </p:seq>
+          </p:childTnLst>
+        </p:cTn>
+      </p:par>
+    </p:tnLst>
+  </p:timing>
+</p:sld>
+</file>
+
+<file path=ppt/slides/slide12.xml><?xml version="1.0" encoding="utf-8"?>
+<p:sld xmlns:a="http://schemas.openxmlformats.org/drawingml/2006/main" xmlns:r="http://schemas.openxmlformats.org/officeDocument/2006/relationships" xmlns:p="http://schemas.openxmlformats.org/presentationml/2006/main">
+  <p:cSld>
+    <p:spTree>
+      <p:nvGrpSpPr>
+        <p:cNvPr id="1" name=""/>
+        <p:cNvGrpSpPr/>
+        <p:nvPr/>
+      </p:nvGrpSpPr>
+      <p:grpSpPr>
+        <a:xfrm>
+          <a:off x="0" y="0"/>
+          <a:ext cx="0" cy="0"/>
+          <a:chOff x="0" y="0"/>
+          <a:chExt cx="0" cy="0"/>
+        </a:xfrm>
+      </p:grpSpPr>
+      <p:sp>
+        <p:nvSpPr>
+          <p:cNvPr id="2" name="标题 1"/>
+          <p:cNvSpPr>
+            <a:spLocks noGrp="1"/>
+          </p:cNvSpPr>
+          <p:nvPr>
+            <p:ph type="title"/>
+          </p:nvPr>
+        </p:nvSpPr>
+        <p:spPr/>
+        <p:txBody>
+          <a:bodyPr/>
+          <a:lstStyle/>
+          <a:p>
+            <a:r>
+              <a:rPr lang="zh-CN" altLang="en-US" dirty="0"/>
+              <a:t>测试</a:t>
+            </a:r>
+          </a:p>
+        </p:txBody>
+      </p:sp>
+      <p:sp>
+        <p:nvSpPr>
+          <p:cNvPr id="3" name="内容占位符 2"/>
+          <p:cNvSpPr>
+            <a:spLocks noGrp="1"/>
+          </p:cNvSpPr>
+          <p:nvPr>
+            <p:ph idx="1"/>
+          </p:nvPr>
+        </p:nvSpPr>
+        <p:spPr/>
+        <p:txBody>
+          <a:bodyPr/>
+          <a:lstStyle/>
+          <a:p>
+            <a:r>
+              <a:rPr lang="zh-CN" altLang="en-US" dirty="0"/>
+              <a:t>抽象的</a:t>
+            </a:r>
+            <a:r>
+              <a:rPr lang="zh-CN" altLang="en-US" dirty="0" smtClean="0"/>
+              <a:t>角度不同</a:t>
+            </a:r>
+            <a:r>
+              <a:rPr lang="zh-CN" altLang="en-US" dirty="0"/>
+              <a:t>决定了建模方向的不同</a:t>
+            </a:r>
+            <a:endParaRPr lang="en-US" altLang="zh-CN" dirty="0"/>
+          </a:p>
+          <a:p>
+            <a:endParaRPr lang="zh-CN" altLang="en-US" dirty="0"/>
+          </a:p>
+        </p:txBody>
+      </p:sp>
+      <p:graphicFrame>
+        <p:nvGraphicFramePr>
+          <p:cNvPr id="4" name="图示 3"/>
+          <p:cNvGraphicFramePr/>
+          <p:nvPr>
+            <p:extLst>
+              <p:ext uri="{D42A27DB-BD31-4B8C-83A1-F6EECF244321}">
+                <p14:modId xmlns:p14="http://schemas.microsoft.com/office/powerpoint/2010/main" val="135726647"/>
+              </p:ext>
+            </p:extLst>
+          </p:nvPr>
+        </p:nvGraphicFramePr>
+        <p:xfrm>
+          <a:off x="2494012" y="2492896"/>
+          <a:ext cx="6096000" cy="1887984"/>
+        </p:xfrm>
+        <a:graphic>
+          <a:graphicData uri="http://schemas.openxmlformats.org/drawingml/2006/diagram">
+            <dgm:relIds xmlns:dgm="http://schemas.openxmlformats.org/drawingml/2006/diagram" xmlns:r="http://schemas.openxmlformats.org/officeDocument/2006/relationships" r:dm="rId2" r:lo="rId3" r:qs="rId4" r:cs="rId5"/>
+          </a:graphicData>
+        </a:graphic>
+      </p:graphicFrame>
+    </p:spTree>
+    <p:extLst>
+      <p:ext uri="{BB962C8B-B14F-4D97-AF65-F5344CB8AC3E}">
+        <p14:creationId xmlns:p14="http://schemas.microsoft.com/office/powerpoint/2010/main" val="3494814035"/>
+      </p:ext>
+    </p:extLst>
+  </p:cSld>
+  <p:clrMapOvr>
+    <a:masterClrMapping/>
+  </p:clrMapOvr>
+  <mc:AlternateContent xmlns:mc="http://schemas.openxmlformats.org/markup-compatibility/2006" xmlns:p14="http://schemas.microsoft.com/office/powerpoint/2010/main">
+    <mc:Choice Requires="p14">
+      <p:transition spd="med" p14:dur="700">
+        <p:fade/>
+      </p:transition>
+    </mc:Choice>
+    <mc:Fallback xmlns="">
+      <p:transition spd="med">
+        <p:fade/>
+      </p:transition>
+    </mc:Fallback>
+  </mc:AlternateContent>
+  <p:timing>
+    <p:tnLst>
+      <p:par>
+        <p:cTn id="1" dur="indefinite" restart="never" nodeType="tmRoot">
+          <p:childTnLst>
+            <p:seq concurrent="1" nextAc="seek">
+              <p:cTn id="2" dur="indefinite" nodeType="mainSeq">
+                <p:childTnLst>
+                  <p:par>
+                    <p:cTn id="3" fill="hold">
+                      <p:stCondLst>
+                        <p:cond delay="indefinite"/>
+                      </p:stCondLst>
+                      <p:childTnLst>
+                        <p:par>
+                          <p:cTn id="4" fill="hold">
+                            <p:stCondLst>
+                              <p:cond delay="0"/>
+                            </p:stCondLst>
+                            <p:childTnLst>
+                              <p:par>
+                                <p:cTn id="5" presetID="2" presetClass="entr" presetSubtype="4" fill="hold" grpId="0" nodeType="clickEffect">
+                                  <p:stCondLst>
+                                    <p:cond delay="0"/>
+                                  </p:stCondLst>
+                                  <p:childTnLst>
+                                    <p:set>
+                                      <p:cBhvr>
+                                        <p:cTn id="6" dur="1" fill="hold">
+                                          <p:stCondLst>
+                                            <p:cond delay="0"/>
+                                          </p:stCondLst>
+                                        </p:cTn>
+                                        <p:tgtEl>
+                                          <p:spTgt spid="4">
+                                            <p:graphicEl>
+                                              <a:dgm id="{4A948E46-99F9-41D5-B89E-93D2B04F6CBA}"/>
+                                            </p:graphicEl>
+                                          </p:spTgt>
+                                        </p:tgtEl>
+                                        <p:attrNameLst>
+                                          <p:attrName>style.visibility</p:attrName>
+                                        </p:attrNameLst>
+                                      </p:cBhvr>
+                                      <p:to>
+                                        <p:strVal val="visible"/>
+                                      </p:to>
+                                    </p:set>
+                                    <p:anim calcmode="lin" valueType="num">
+                                      <p:cBhvr additive="base">
+                                        <p:cTn id="7" dur="500" fill="hold"/>
+                                        <p:tgtEl>
+                                          <p:spTgt spid="4">
+                                            <p:graphicEl>
+                                              <a:dgm id="{4A948E46-99F9-41D5-B89E-93D2B04F6CBA}"/>
+                                            </p:graphicEl>
+                                          </p:spTgt>
+                                        </p:tgtEl>
+                                        <p:attrNameLst>
+                                          <p:attrName>ppt_x</p:attrName>
+                                        </p:attrNameLst>
+                                      </p:cBhvr>
+                                      <p:tavLst>
+                                        <p:tav tm="0">
+                                          <p:val>
+                                            <p:strVal val="#ppt_x"/>
+                                          </p:val>
+                                        </p:tav>
+                                        <p:tav tm="100000">
+                                          <p:val>
+                                            <p:strVal val="#ppt_x"/>
+                                          </p:val>
+                                        </p:tav>
+                                      </p:tavLst>
+                                    </p:anim>
+                                    <p:anim calcmode="lin" valueType="num">
+                                      <p:cBhvr additive="base">
+                                        <p:cTn id="8" dur="500" fill="hold"/>
+                                        <p:tgtEl>
+                                          <p:spTgt spid="4">
+                                            <p:graphicEl>
+                                              <a:dgm id="{4A948E46-99F9-41D5-B89E-93D2B04F6CBA}"/>
+                                            </p:graphicEl>
+                                          </p:spTgt>
+                                        </p:tgtEl>
+                                        <p:attrNameLst>
+                                          <p:attrName>ppt_y</p:attrName>
+                                        </p:attrNameLst>
+                                      </p:cBhvr>
+                                      <p:tavLst>
+                                        <p:tav tm="0">
+                                          <p:val>
+                                            <p:strVal val="1+#ppt_h/2"/>
+                                          </p:val>
+                                        </p:tav>
+                                        <p:tav tm="100000">
+                                          <p:val>
+                                            <p:strVal val="#ppt_y"/>
+                                          </p:val>
+                                        </p:tav>
+                                      </p:tavLst>
+                                    </p:anim>
+                                  </p:childTnLst>
+                                </p:cTn>
+                              </p:par>
+                            </p:childTnLst>
+                          </p:cTn>
+                        </p:par>
+                      </p:childTnLst>
+                    </p:cTn>
+                  </p:par>
+                  <p:par>
+                    <p:cTn id="9" fill="hold">
+                      <p:stCondLst>
+                        <p:cond delay="indefinite"/>
+                      </p:stCondLst>
+                      <p:childTnLst>
+                        <p:par>
+                          <p:cTn id="10" fill="hold">
+                            <p:stCondLst>
+                              <p:cond delay="0"/>
+                            </p:stCondLst>
+                            <p:childTnLst>
+                              <p:par>
+                                <p:cTn id="11" presetID="2" presetClass="entr" presetSubtype="4" fill="hold" grpId="0" nodeType="clickEffect">
+                                  <p:stCondLst>
+                                    <p:cond delay="0"/>
+                                  </p:stCondLst>
+                                  <p:childTnLst>
+                                    <p:set>
+                                      <p:cBhvr>
+                                        <p:cTn id="12" dur="1" fill="hold">
+                                          <p:stCondLst>
+                                            <p:cond delay="0"/>
+                                          </p:stCondLst>
+                                        </p:cTn>
+                                        <p:tgtEl>
+                                          <p:spTgt spid="4">
+                                            <p:graphicEl>
+                                              <a:dgm id="{7EAF26CF-A33A-470A-8808-3842A304BDDA}"/>
+                                            </p:graphicEl>
+                                          </p:spTgt>
+                                        </p:tgtEl>
+                                        <p:attrNameLst>
+                                          <p:attrName>style.visibility</p:attrName>
+                                        </p:attrNameLst>
+                                      </p:cBhvr>
+                                      <p:to>
+                                        <p:strVal val="visible"/>
+                                      </p:to>
+                                    </p:set>
+                                    <p:anim calcmode="lin" valueType="num">
+                                      <p:cBhvr additive="base">
+                                        <p:cTn id="13" dur="500" fill="hold"/>
+                                        <p:tgtEl>
+                                          <p:spTgt spid="4">
+                                            <p:graphicEl>
+                                              <a:dgm id="{7EAF26CF-A33A-470A-8808-3842A304BDDA}"/>
+                                            </p:graphicEl>
+                                          </p:spTgt>
+                                        </p:tgtEl>
+                                        <p:attrNameLst>
+                                          <p:attrName>ppt_x</p:attrName>
+                                        </p:attrNameLst>
+                                      </p:cBhvr>
+                                      <p:tavLst>
+                                        <p:tav tm="0">
+                                          <p:val>
+                                            <p:strVal val="#ppt_x"/>
+                                          </p:val>
+                                        </p:tav>
+                                        <p:tav tm="100000">
+                                          <p:val>
+                                            <p:strVal val="#ppt_x"/>
+                                          </p:val>
+                                        </p:tav>
+                                      </p:tavLst>
+                                    </p:anim>
+                                    <p:anim calcmode="lin" valueType="num">
+                                      <p:cBhvr additive="base">
+                                        <p:cTn id="14" dur="500" fill="hold"/>
+                                        <p:tgtEl>
+                                          <p:spTgt spid="4">
+                                            <p:graphicEl>
+                                              <a:dgm id="{7EAF26CF-A33A-470A-8808-3842A304BDDA}"/>
+                                            </p:graphicEl>
+                                          </p:spTgt>
+                                        </p:tgtEl>
+                                        <p:attrNameLst>
+                                          <p:attrName>ppt_y</p:attrName>
+                                        </p:attrNameLst>
+                                      </p:cBhvr>
+                                      <p:tavLst>
+                                        <p:tav tm="0">
+                                          <p:val>
+                                            <p:strVal val="1+#ppt_h/2"/>
+                                          </p:val>
+                                        </p:tav>
+                                        <p:tav tm="100000">
+                                          <p:val>
+                                            <p:strVal val="#ppt_y"/>
+                                          </p:val>
+                                        </p:tav>
+                                      </p:tavLst>
+                                    </p:anim>
+                                  </p:childTnLst>
+                                </p:cTn>
+                              </p:par>
+                            </p:childTnLst>
+                          </p:cTn>
+                        </p:par>
+                      </p:childTnLst>
+                    </p:cTn>
+                  </p:par>
+                  <p:par>
+                    <p:cTn id="15" fill="hold">
+                      <p:stCondLst>
+                        <p:cond delay="indefinite"/>
+                      </p:stCondLst>
+                      <p:childTnLst>
+                        <p:par>
+                          <p:cTn id="16" fill="hold">
+                            <p:stCondLst>
+                              <p:cond delay="0"/>
+                            </p:stCondLst>
+                            <p:childTnLst>
+                              <p:par>
+                                <p:cTn id="17" presetID="2" presetClass="entr" presetSubtype="4" fill="hold" grpId="0" nodeType="clickEffect">
+                                  <p:stCondLst>
+                                    <p:cond delay="0"/>
+                                  </p:stCondLst>
+                                  <p:childTnLst>
+                                    <p:set>
+                                      <p:cBhvr>
+                                        <p:cTn id="18" dur="1" fill="hold">
+                                          <p:stCondLst>
+                                            <p:cond delay="0"/>
+                                          </p:stCondLst>
+                                        </p:cTn>
+                                        <p:tgtEl>
+                                          <p:spTgt spid="4">
+                                            <p:graphicEl>
+                                              <a:dgm id="{2F207A9A-DA03-4CCA-BD81-68643A9E5735}"/>
+                                            </p:graphicEl>
+                                          </p:spTgt>
+                                        </p:tgtEl>
+                                        <p:attrNameLst>
+                                          <p:attrName>style.visibility</p:attrName>
+                                        </p:attrNameLst>
+                                      </p:cBhvr>
+                                      <p:to>
+                                        <p:strVal val="visible"/>
+                                      </p:to>
+                                    </p:set>
+                                    <p:anim calcmode="lin" valueType="num">
+                                      <p:cBhvr additive="base">
+                                        <p:cTn id="19" dur="500" fill="hold"/>
+                                        <p:tgtEl>
+                                          <p:spTgt spid="4">
+                                            <p:graphicEl>
+                                              <a:dgm id="{2F207A9A-DA03-4CCA-BD81-68643A9E5735}"/>
+                                            </p:graphicEl>
+                                          </p:spTgt>
+                                        </p:tgtEl>
+                                        <p:attrNameLst>
+                                          <p:attrName>ppt_x</p:attrName>
+                                        </p:attrNameLst>
+                                      </p:cBhvr>
+                                      <p:tavLst>
+                                        <p:tav tm="0">
+                                          <p:val>
+                                            <p:strVal val="#ppt_x"/>
+                                          </p:val>
+                                        </p:tav>
+                                        <p:tav tm="100000">
+                                          <p:val>
+                                            <p:strVal val="#ppt_x"/>
+                                          </p:val>
+                                        </p:tav>
+                                      </p:tavLst>
+                                    </p:anim>
+                                    <p:anim calcmode="lin" valueType="num">
+                                      <p:cBhvr additive="base">
+                                        <p:cTn id="20" dur="500" fill="hold"/>
+                                        <p:tgtEl>
+                                          <p:spTgt spid="4">
+                                            <p:graphicEl>
+                                              <a:dgm id="{2F207A9A-DA03-4CCA-BD81-68643A9E5735}"/>
+                                            </p:graphicEl>
+                                          </p:spTgt>
+                                        </p:tgtEl>
+                                        <p:attrNameLst>
+                                          <p:attrName>ppt_y</p:attrName>
+                                        </p:attrNameLst>
+                                      </p:cBhvr>
+                                      <p:tavLst>
+                                        <p:tav tm="0">
+                                          <p:val>
+                                            <p:strVal val="1+#ppt_h/2"/>
+                                          </p:val>
+                                        </p:tav>
+                                        <p:tav tm="100000">
+                                          <p:val>
+                                            <p:strVal val="#ppt_y"/>
+                                          </p:val>
+                                        </p:tav>
+                                      </p:tavLst>
+                                    </p:anim>
+                                  </p:childTnLst>
+                                </p:cTn>
+                              </p:par>
+                            </p:childTnLst>
+                          </p:cTn>
+                        </p:par>
+                      </p:childTnLst>
+                    </p:cTn>
+                  </p:par>
+                  <p:par>
+                    <p:cTn id="21" fill="hold">
+                      <p:stCondLst>
+                        <p:cond delay="indefinite"/>
+                      </p:stCondLst>
+                      <p:childTnLst>
+                        <p:par>
+                          <p:cTn id="22" fill="hold">
+                            <p:stCondLst>
+                              <p:cond delay="0"/>
+                            </p:stCondLst>
+                            <p:childTnLst>
+                              <p:par>
+                                <p:cTn id="23" presetID="2" presetClass="entr" presetSubtype="4" fill="hold" grpId="0" nodeType="clickEffect">
+                                  <p:stCondLst>
+                                    <p:cond delay="0"/>
+                                  </p:stCondLst>
+                                  <p:childTnLst>
+                                    <p:set>
+                                      <p:cBhvr>
+                                        <p:cTn id="24" dur="1" fill="hold">
+                                          <p:stCondLst>
+                                            <p:cond delay="0"/>
+                                          </p:stCondLst>
+                                        </p:cTn>
+                                        <p:tgtEl>
+                                          <p:spTgt spid="4">
+                                            <p:graphicEl>
+                                              <a:dgm id="{71A77679-365D-4057-8C7F-E2955DC5D2FA}"/>
+                                            </p:graphicEl>
+                                          </p:spTgt>
+                                        </p:tgtEl>
+                                        <p:attrNameLst>
+                                          <p:attrName>style.visibility</p:attrName>
+                                        </p:attrNameLst>
+                                      </p:cBhvr>
+                                      <p:to>
+                                        <p:strVal val="visible"/>
+                                      </p:to>
+                                    </p:set>
+                                    <p:anim calcmode="lin" valueType="num">
+                                      <p:cBhvr additive="base">
+                                        <p:cTn id="25" dur="500" fill="hold"/>
+                                        <p:tgtEl>
+                                          <p:spTgt spid="4">
+                                            <p:graphicEl>
+                                              <a:dgm id="{71A77679-365D-4057-8C7F-E2955DC5D2FA}"/>
+                                            </p:graphicEl>
+                                          </p:spTgt>
+                                        </p:tgtEl>
+                                        <p:attrNameLst>
+                                          <p:attrName>ppt_x</p:attrName>
+                                        </p:attrNameLst>
+                                      </p:cBhvr>
+                                      <p:tavLst>
+                                        <p:tav tm="0">
+                                          <p:val>
+                                            <p:strVal val="#ppt_x"/>
+                                          </p:val>
+                                        </p:tav>
+                                        <p:tav tm="100000">
+                                          <p:val>
+                                            <p:strVal val="#ppt_x"/>
+                                          </p:val>
+                                        </p:tav>
+                                      </p:tavLst>
+                                    </p:anim>
+                                    <p:anim calcmode="lin" valueType="num">
+                                      <p:cBhvr additive="base">
+                                        <p:cTn id="26" dur="500" fill="hold"/>
+                                        <p:tgtEl>
+                                          <p:spTgt spid="4">
+                                            <p:graphicEl>
+                                              <a:dgm id="{71A77679-365D-4057-8C7F-E2955DC5D2FA}"/>
+                                            </p:graphicEl>
+                                          </p:spTgt>
+                                        </p:tgtEl>
+                                        <p:attrNameLst>
+                                          <p:attrName>ppt_y</p:attrName>
+                                        </p:attrNameLst>
+                                      </p:cBhvr>
+                                      <p:tavLst>
+                                        <p:tav tm="0">
+                                          <p:val>
+                                            <p:strVal val="1+#ppt_h/2"/>
+                                          </p:val>
+                                        </p:tav>
+                                        <p:tav tm="100000">
+                                          <p:val>
+                                            <p:strVal val="#ppt_y"/>
+                                          </p:val>
+                                        </p:tav>
+                                      </p:tavLst>
+                                    </p:anim>
+                                  </p:childTnLst>
+                                </p:cTn>
+                              </p:par>
+                            </p:childTnLst>
+                          </p:cTn>
+                        </p:par>
+                      </p:childTnLst>
+                    </p:cTn>
+                  </p:par>
+                  <p:par>
+                    <p:cTn id="27" fill="hold">
+                      <p:stCondLst>
+                        <p:cond delay="indefinite"/>
+                      </p:stCondLst>
+                      <p:childTnLst>
+                        <p:par>
+                          <p:cTn id="28" fill="hold">
+                            <p:stCondLst>
+                              <p:cond delay="0"/>
+                            </p:stCondLst>
+                            <p:childTnLst>
+                              <p:par>
+                                <p:cTn id="29" presetID="2" presetClass="entr" presetSubtype="4" fill="hold" grpId="0" nodeType="clickEffect">
+                                  <p:stCondLst>
+                                    <p:cond delay="0"/>
+                                  </p:stCondLst>
+                                  <p:childTnLst>
+                                    <p:set>
+                                      <p:cBhvr>
+                                        <p:cTn id="30" dur="1" fill="hold">
+                                          <p:stCondLst>
+                                            <p:cond delay="0"/>
+                                          </p:stCondLst>
+                                        </p:cTn>
+                                        <p:tgtEl>
+                                          <p:spTgt spid="4">
+                                            <p:graphicEl>
+                                              <a:dgm id="{C34C37A3-9A1B-47D6-8854-BED091282CB5}"/>
+                                            </p:graphicEl>
+                                          </p:spTgt>
+                                        </p:tgtEl>
+                                        <p:attrNameLst>
+                                          <p:attrName>style.visibility</p:attrName>
+                                        </p:attrNameLst>
+                                      </p:cBhvr>
+                                      <p:to>
+                                        <p:strVal val="visible"/>
+                                      </p:to>
+                                    </p:set>
+                                    <p:anim calcmode="lin" valueType="num">
+                                      <p:cBhvr additive="base">
+                                        <p:cTn id="31" dur="500" fill="hold"/>
+                                        <p:tgtEl>
+                                          <p:spTgt spid="4">
+                                            <p:graphicEl>
+                                              <a:dgm id="{C34C37A3-9A1B-47D6-8854-BED091282CB5}"/>
+                                            </p:graphicEl>
+                                          </p:spTgt>
+                                        </p:tgtEl>
+                                        <p:attrNameLst>
+                                          <p:attrName>ppt_x</p:attrName>
+                                        </p:attrNameLst>
+                                      </p:cBhvr>
+                                      <p:tavLst>
+                                        <p:tav tm="0">
+                                          <p:val>
+                                            <p:strVal val="#ppt_x"/>
+                                          </p:val>
+                                        </p:tav>
+                                        <p:tav tm="100000">
+                                          <p:val>
+                                            <p:strVal val="#ppt_x"/>
+                                          </p:val>
+                                        </p:tav>
+                                      </p:tavLst>
+                                    </p:anim>
+                                    <p:anim calcmode="lin" valueType="num">
+                                      <p:cBhvr additive="base">
+                                        <p:cTn id="32" dur="500" fill="hold"/>
+                                        <p:tgtEl>
+                                          <p:spTgt spid="4">
+                                            <p:graphicEl>
+                                              <a:dgm id="{C34C37A3-9A1B-47D6-8854-BED091282CB5}"/>
+                                            </p:graphicEl>
+                                          </p:spTgt>
+                                        </p:tgtEl>
+                                        <p:attrNameLst>
+                                          <p:attrName>ppt_y</p:attrName>
+                                        </p:attrNameLst>
+                                      </p:cBhvr>
+                                      <p:tavLst>
+                                        <p:tav tm="0">
+                                          <p:val>
+                                            <p:strVal val="1+#ppt_h/2"/>
+                                          </p:val>
+                                        </p:tav>
+                                        <p:tav tm="100000">
+                                          <p:val>
+                                            <p:strVal val="#ppt_y"/>
+                                          </p:val>
+                                        </p:tav>
+                                      </p:tavLst>
+                                    </p:anim>
+                                  </p:childTnLst>
+                                </p:cTn>
+                              </p:par>
+                            </p:childTnLst>
+                          </p:cTn>
+                        </p:par>
+                      </p:childTnLst>
+                    </p:cTn>
+                  </p:par>
+                  <p:par>
+                    <p:cTn id="33" fill="hold">
+                      <p:stCondLst>
+                        <p:cond delay="indefinite"/>
+                      </p:stCondLst>
+                      <p:childTnLst>
+                        <p:par>
+                          <p:cTn id="34" fill="hold">
+                            <p:stCondLst>
+                              <p:cond delay="0"/>
+                            </p:stCondLst>
+                            <p:childTnLst>
+                              <p:par>
+                                <p:cTn id="35" presetID="2" presetClass="entr" presetSubtype="4" fill="hold" grpId="0" nodeType="clickEffect">
+                                  <p:stCondLst>
+                                    <p:cond delay="0"/>
+                                  </p:stCondLst>
+                                  <p:childTnLst>
+                                    <p:set>
+                                      <p:cBhvr>
+                                        <p:cTn id="36" dur="1" fill="hold">
+                                          <p:stCondLst>
+                                            <p:cond delay="0"/>
+                                          </p:stCondLst>
+                                        </p:cTn>
+                                        <p:tgtEl>
+                                          <p:spTgt spid="4">
+                                            <p:graphicEl>
+                                              <a:dgm id="{735AC0E7-B5FE-4D94-8F7E-E66C00A926C1}"/>
+                                            </p:graphicEl>
+                                          </p:spTgt>
+                                        </p:tgtEl>
+                                        <p:attrNameLst>
+                                          <p:attrName>style.visibility</p:attrName>
+                                        </p:attrNameLst>
+                                      </p:cBhvr>
+                                      <p:to>
+                                        <p:strVal val="visible"/>
+                                      </p:to>
+                                    </p:set>
+                                    <p:anim calcmode="lin" valueType="num">
+                                      <p:cBhvr additive="base">
+                                        <p:cTn id="37" dur="500" fill="hold"/>
+                                        <p:tgtEl>
+                                          <p:spTgt spid="4">
+                                            <p:graphicEl>
+                                              <a:dgm id="{735AC0E7-B5FE-4D94-8F7E-E66C00A926C1}"/>
+                                            </p:graphicEl>
+                                          </p:spTgt>
+                                        </p:tgtEl>
+                                        <p:attrNameLst>
+                                          <p:attrName>ppt_x</p:attrName>
+                                        </p:attrNameLst>
+                                      </p:cBhvr>
+                                      <p:tavLst>
+                                        <p:tav tm="0">
+                                          <p:val>
+                                            <p:strVal val="#ppt_x"/>
+                                          </p:val>
+                                        </p:tav>
+                                        <p:tav tm="100000">
+                                          <p:val>
+                                            <p:strVal val="#ppt_x"/>
+                                          </p:val>
+                                        </p:tav>
+                                      </p:tavLst>
+                                    </p:anim>
+                                    <p:anim calcmode="lin" valueType="num">
+                                      <p:cBhvr additive="base">
+                                        <p:cTn id="38" dur="500" fill="hold"/>
+                                        <p:tgtEl>
+                                          <p:spTgt spid="4">
+                                            <p:graphicEl>
+                                              <a:dgm id="{735AC0E7-B5FE-4D94-8F7E-E66C00A926C1}"/>
+                                            </p:graphicEl>
+                                          </p:spTgt>
+                                        </p:tgtEl>
+                                        <p:attrNameLst>
+                                          <p:attrName>ppt_y</p:attrName>
+                                        </p:attrNameLst>
+                                      </p:cBhvr>
+                                      <p:tavLst>
+                                        <p:tav tm="0">
+                                          <p:val>
+                                            <p:strVal val="1+#ppt_h/2"/>
+                                          </p:val>
+                                        </p:tav>
+                                        <p:tav tm="100000">
+                                          <p:val>
+                                            <p:strVal val="#ppt_y"/>
+                                          </p:val>
+                                        </p:tav>
+                                      </p:tavLst>
+                                    </p:anim>
+                                  </p:childTnLst>
+                                </p:cTn>
+                              </p:par>
+                            </p:childTnLst>
+                          </p:cTn>
+                        </p:par>
+                      </p:childTnLst>
+                    </p:cTn>
+                  </p:par>
+                  <p:par>
+                    <p:cTn id="39" fill="hold">
+                      <p:stCondLst>
+                        <p:cond delay="indefinite"/>
+                      </p:stCondLst>
+                      <p:childTnLst>
+                        <p:par>
+                          <p:cTn id="40" fill="hold">
+                            <p:stCondLst>
+                              <p:cond delay="0"/>
+                            </p:stCondLst>
+                            <p:childTnLst>
+                              <p:par>
+                                <p:cTn id="41" presetID="2" presetClass="entr" presetSubtype="4" fill="hold" nodeType="clickEffect">
+                                  <p:stCondLst>
+                                    <p:cond delay="0"/>
+                                  </p:stCondLst>
+                                  <p:childTnLst>
+                                    <p:set>
+                                      <p:cBhvr>
+                                        <p:cTn id="42" dur="1" fill="hold">
+                                          <p:stCondLst>
+                                            <p:cond delay="0"/>
+                                          </p:stCondLst>
+                                        </p:cTn>
+                                        <p:tgtEl>
+                                          <p:spTgt spid="3">
+                                            <p:txEl>
+                                              <p:pRg st="0" end="0"/>
+                                            </p:txEl>
+                                          </p:spTgt>
+                                        </p:tgtEl>
+                                        <p:attrNameLst>
+                                          <p:attrName>style.visibility</p:attrName>
+                                        </p:attrNameLst>
+                                      </p:cBhvr>
+                                      <p:to>
+                                        <p:strVal val="visible"/>
+                                      </p:to>
+                                    </p:set>
+                                    <p:anim calcmode="lin" valueType="num">
+                                      <p:cBhvr additive="base">
+                                        <p:cTn id="43" dur="500" fill="hold"/>
+                                        <p:tgtEl>
+                                          <p:spTgt spid="3">
+                                            <p:txEl>
+                                              <p:pRg st="0" end="0"/>
+                                            </p:txEl>
+                                          </p:spTgt>
+                                        </p:tgtEl>
+                                        <p:attrNameLst>
+                                          <p:attrName>ppt_x</p:attrName>
+                                        </p:attrNameLst>
+                                      </p:cBhvr>
+                                      <p:tavLst>
+                                        <p:tav tm="0">
+                                          <p:val>
+                                            <p:strVal val="#ppt_x"/>
+                                          </p:val>
+                                        </p:tav>
+                                        <p:tav tm="100000">
+                                          <p:val>
+                                            <p:strVal val="#ppt_x"/>
+                                          </p:val>
+                                        </p:tav>
+                                      </p:tavLst>
+                                    </p:anim>
+                                    <p:anim calcmode="lin" valueType="num">
+                                      <p:cBhvr additive="base">
+                                        <p:cTn id="44" dur="500" fill="hold"/>
+                                        <p:tgtEl>
+                                          <p:spTgt spid="3">
+                                            <p:txEl>
+                                              <p:pRg st="0" end="0"/>
+                                            </p:txEl>
+                                          </p:spTgt>
+                                        </p:tgtEl>
+                                        <p:attrNameLst>
+                                          <p:attrName>ppt_y</p:attrName>
+                                        </p:attrNameLst>
+                                      </p:cBhvr>
+                                      <p:tavLst>
+                                        <p:tav tm="0">
+                                          <p:val>
+                                            <p:strVal val="1+#ppt_h/2"/>
+                                          </p:val>
+                                        </p:tav>
+                                        <p:tav tm="100000">
+                                          <p:val>
+                                            <p:strVal val="#ppt_y"/>
+                                          </p:val>
+                                        </p:tav>
+                                      </p:tavLst>
+                                    </p:anim>
+                                  </p:childTnLst>
+                                </p:cTn>
+                              </p:par>
+                            </p:childTnLst>
+                          </p:cTn>
+                        </p:par>
+                      </p:childTnLst>
+                    </p:cTn>
+                  </p:par>
+                </p:childTnLst>
+              </p:cTn>
+              <p:prevCondLst>
+                <p:cond evt="onPrev" delay="0">
+                  <p:tgtEl>
+                    <p:sldTgt/>
+                  </p:tgtEl>
+                </p:cond>
+              </p:prevCondLst>
+              <p:nextCondLst>
+                <p:cond evt="onNext" delay="0">
+                  <p:tgtEl>
+                    <p:sldTgt/>
+                  </p:tgtEl>
+                </p:cond>
+              </p:nextCondLst>
+            </p:seq>
+          </p:childTnLst>
+        </p:cTn>
+      </p:par>
+    </p:tnLst>
+    <p:bldLst>
+      <p:bldGraphic spid="4" grpId="0">
+        <p:bldSub>
+          <a:bldDgm bld="one"/>
+        </p:bldSub>
+      </p:bldGraphic>
+    </p:bldLst>
+  </p:timing>
+</p:sld>
+</file>
+
+<file path=ppt/slides/slide13.xml><?xml version="1.0" encoding="utf-8"?>
 <p:sld xmlns:a="http://schemas.openxmlformats.org/drawingml/2006/main" xmlns:r="http://schemas.openxmlformats.org/officeDocument/2006/relationships" xmlns:p="http://schemas.openxmlformats.org/presentationml/2006/main">
   <p:cSld>
     <p:spTree>
@@ -21006,7 +22469,7 @@
 </p:sld>
 </file>
 
-<file path=ppt/slides/slide11.xml><?xml version="1.0" encoding="utf-8"?>
+<file path=ppt/slides/slide14.xml><?xml version="1.0" encoding="utf-8"?>
 <p:sld xmlns:a="http://schemas.openxmlformats.org/drawingml/2006/main" xmlns:r="http://schemas.openxmlformats.org/officeDocument/2006/relationships" xmlns:p="http://schemas.openxmlformats.org/presentationml/2006/main">
   <p:cSld>
     <p:spTree>
@@ -21366,7 +22829,7 @@
 </p:sld>
 </file>
 
-<file path=ppt/slides/slide12.xml><?xml version="1.0" encoding="utf-8"?>
+<file path=ppt/slides/slide15.xml><?xml version="1.0" encoding="utf-8"?>
 <p:sld xmlns:a="http://schemas.openxmlformats.org/drawingml/2006/main" xmlns:r="http://schemas.openxmlformats.org/officeDocument/2006/relationships" xmlns:p="http://schemas.openxmlformats.org/presentationml/2006/main">
   <p:cSld>
     <p:spTree>
@@ -22574,7 +24037,7 @@
 </p:sld>
 </file>
 
-<file path=ppt/slides/slide13.xml><?xml version="1.0" encoding="utf-8"?>
+<file path=ppt/slides/slide16.xml><?xml version="1.0" encoding="utf-8"?>
 <p:sld xmlns:a="http://schemas.openxmlformats.org/drawingml/2006/main" xmlns:r="http://schemas.openxmlformats.org/officeDocument/2006/relationships" xmlns:p="http://schemas.openxmlformats.org/presentationml/2006/main">
   <p:cSld>
     <p:spTree>
@@ -22672,7 +24135,7 @@
 </p:sld>
 </file>
 
-<file path=ppt/slides/slide14.xml><?xml version="1.0" encoding="utf-8"?>
+<file path=ppt/slides/slide17.xml><?xml version="1.0" encoding="utf-8"?>
 <p:sld xmlns:a="http://schemas.openxmlformats.org/drawingml/2006/main" xmlns:r="http://schemas.openxmlformats.org/officeDocument/2006/relationships" xmlns:p="http://schemas.openxmlformats.org/presentationml/2006/main">
   <p:cSld>
     <p:spTree>
@@ -22749,7 +24212,170 @@
 </p:sld>
 </file>
 
-<file path=ppt/slides/slide15.xml><?xml version="1.0" encoding="utf-8"?>
+<file path=ppt/slides/slide18.xml><?xml version="1.0" encoding="utf-8"?>
+<p:sld xmlns:a="http://schemas.openxmlformats.org/drawingml/2006/main" xmlns:r="http://schemas.openxmlformats.org/officeDocument/2006/relationships" xmlns:p="http://schemas.openxmlformats.org/presentationml/2006/main">
+  <p:cSld>
+    <p:spTree>
+      <p:nvGrpSpPr>
+        <p:cNvPr id="1" name=""/>
+        <p:cNvGrpSpPr/>
+        <p:nvPr/>
+      </p:nvGrpSpPr>
+      <p:grpSpPr>
+        <a:xfrm>
+          <a:off x="0" y="0"/>
+          <a:ext cx="0" cy="0"/>
+          <a:chOff x="0" y="0"/>
+          <a:chExt cx="0" cy="0"/>
+        </a:xfrm>
+      </p:grpSpPr>
+      <p:sp>
+        <p:nvSpPr>
+          <p:cNvPr id="2" name="标题 1"/>
+          <p:cNvSpPr>
+            <a:spLocks noGrp="1"/>
+          </p:cNvSpPr>
+          <p:nvPr>
+            <p:ph type="title"/>
+          </p:nvPr>
+        </p:nvSpPr>
+        <p:spPr/>
+        <p:txBody>
+          <a:bodyPr/>
+          <a:lstStyle/>
+          <a:p>
+            <a:endParaRPr lang="zh-CN" altLang="en-US"/>
+          </a:p>
+        </p:txBody>
+      </p:sp>
+      <p:sp>
+        <p:nvSpPr>
+          <p:cNvPr id="5" name="AutoShape 4" descr="https://timgsa.baidu.com/timg?image&amp;quality=80&amp;size=b9999_10000&amp;sec=1525699091997&amp;di=106d36d86a5d9d47cadf2f4ccbe4ea5c&amp;imgtype=0&amp;src=http%3A%2F%2Fs4.sinaimg.cn%2Fmw690%2Fb769764agdf3c76cba553%26690"/>
+          <p:cNvSpPr>
+            <a:spLocks noChangeAspect="1" noChangeArrowheads="1"/>
+          </p:cNvSpPr>
+          <p:nvPr/>
+        </p:nvSpPr>
+        <p:spPr bwMode="auto">
+          <a:xfrm>
+            <a:off x="764769" y="3865329"/>
+            <a:ext cx="304800" cy="304801"/>
+          </a:xfrm>
+          <a:prstGeom prst="rect">
+            <a:avLst/>
+          </a:prstGeom>
+          <a:noFill/>
+          <a:extLst>
+            <a:ext uri="{909E8E84-426E-40DD-AFC4-6F175D3DCCD1}">
+              <a14:hiddenFill xmlns:a14="http://schemas.microsoft.com/office/drawing/2010/main">
+                <a:solidFill>
+                  <a:srgbClr val="FFFFFF"/>
+                </a:solidFill>
+              </a14:hiddenFill>
+            </a:ext>
+          </a:extLst>
+        </p:spPr>
+        <p:txBody>
+          <a:bodyPr vert="horz" wrap="square" lIns="91440" tIns="45720" rIns="91440" bIns="45720" numCol="1" anchor="t" anchorCtr="0" compatLnSpc="1">
+            <a:prstTxWarp prst="textNoShape">
+              <a:avLst/>
+            </a:prstTxWarp>
+          </a:bodyPr>
+          <a:lstStyle/>
+          <a:p>
+            <a:endParaRPr lang="zh-CN" altLang="en-US"/>
+          </a:p>
+        </p:txBody>
+      </p:sp>
+      <p:sp>
+        <p:nvSpPr>
+          <p:cNvPr id="8" name="AutoShape 6" descr="https://timgsa.baidu.com/timg?image&amp;quality=80&amp;size=b9999_10000&amp;sec=1525699091997&amp;di=106d36d86a5d9d47cadf2f4ccbe4ea5c&amp;imgtype=0&amp;src=http%3A%2F%2Fs4.sinaimg.cn%2Fmw690%2Fb769764agdf3c76cba553%26690"/>
+          <p:cNvSpPr>
+            <a:spLocks noChangeAspect="1" noChangeArrowheads="1"/>
+          </p:cNvSpPr>
+          <p:nvPr/>
+        </p:nvSpPr>
+        <p:spPr bwMode="auto">
+          <a:xfrm>
+            <a:off x="2205980" y="3068960"/>
+            <a:ext cx="304800" cy="304801"/>
+          </a:xfrm>
+          <a:prstGeom prst="rect">
+            <a:avLst/>
+          </a:prstGeom>
+          <a:noFill/>
+          <a:extLst>
+            <a:ext uri="{909E8E84-426E-40DD-AFC4-6F175D3DCCD1}">
+              <a14:hiddenFill xmlns:a14="http://schemas.microsoft.com/office/drawing/2010/main">
+                <a:solidFill>
+                  <a:srgbClr val="FFFFFF"/>
+                </a:solidFill>
+              </a14:hiddenFill>
+            </a:ext>
+          </a:extLst>
+        </p:spPr>
+        <p:txBody>
+          <a:bodyPr vert="horz" wrap="square" lIns="91440" tIns="45720" rIns="91440" bIns="45720" numCol="1" anchor="t" anchorCtr="0" compatLnSpc="1">
+            <a:prstTxWarp prst="textNoShape">
+              <a:avLst/>
+            </a:prstTxWarp>
+          </a:bodyPr>
+          <a:lstStyle/>
+          <a:p>
+            <a:endParaRPr lang="zh-CN" altLang="en-US"/>
+          </a:p>
+        </p:txBody>
+      </p:sp>
+      <p:pic>
+        <p:nvPicPr>
+          <p:cNvPr id="12" name="图片 11"/>
+          <p:cNvPicPr>
+            <a:picLocks noChangeAspect="1"/>
+          </p:cNvPicPr>
+          <p:nvPr/>
+        </p:nvPicPr>
+        <p:blipFill>
+          <a:blip r:embed="rId2"/>
+          <a:stretch>
+            <a:fillRect/>
+          </a:stretch>
+        </p:blipFill>
+        <p:spPr>
+          <a:xfrm>
+            <a:off x="2638028" y="2441938"/>
+            <a:ext cx="6669740" cy="3456384"/>
+          </a:xfrm>
+          <a:prstGeom prst="rect">
+            <a:avLst/>
+          </a:prstGeom>
+        </p:spPr>
+      </p:pic>
+    </p:spTree>
+    <p:extLst>
+      <p:ext uri="{BB962C8B-B14F-4D97-AF65-F5344CB8AC3E}">
+        <p14:creationId xmlns:p14="http://schemas.microsoft.com/office/powerpoint/2010/main" val="3444790415"/>
+      </p:ext>
+    </p:extLst>
+  </p:cSld>
+  <p:clrMapOvr>
+    <a:masterClrMapping/>
+  </p:clrMapOvr>
+  <mc:AlternateContent xmlns:mc="http://schemas.openxmlformats.org/markup-compatibility/2006" xmlns:p14="http://schemas.microsoft.com/office/powerpoint/2010/main">
+    <mc:Choice Requires="p14">
+      <p:transition spd="med" p14:dur="700">
+        <p:fade/>
+      </p:transition>
+    </mc:Choice>
+    <mc:Fallback xmlns="">
+      <p:transition spd="med">
+        <p:fade/>
+      </p:transition>
+    </mc:Fallback>
+  </mc:AlternateContent>
+</p:sld>
+</file>
+
+<file path=ppt/slides/slide19.xml><?xml version="1.0" encoding="utf-8"?>
 <p:sld xmlns:a="http://schemas.openxmlformats.org/drawingml/2006/main" xmlns:r="http://schemas.openxmlformats.org/officeDocument/2006/relationships" xmlns:p="http://schemas.openxmlformats.org/presentationml/2006/main" showMasterPhAnim="0">
   <p:cSld>
     <p:spTree>
@@ -22782,7 +24408,7 @@
           <a:lstStyle/>
           <a:p>
             <a:r>
-              <a:rPr lang="zh-CN" altLang="en-US"/>
+              <a:rPr lang="zh-CN" altLang="en-US" dirty="0"/>
               <a:t>什么是类图？（用于需求分析时）</a:t>
             </a:r>
           </a:p>
@@ -22804,44 +24430,44 @@
           <a:lstStyle/>
           <a:p>
             <a:r>
-              <a:rPr lang="zh-CN" altLang="en-US"/>
+              <a:rPr lang="zh-CN" altLang="en-US" dirty="0"/>
               <a:t>主要是用来描述人和物（类）以及他们之间关系的图</a:t>
             </a:r>
           </a:p>
           <a:p>
-            <a:endParaRPr lang="zh-CN" altLang="en-US"/>
+            <a:endParaRPr lang="zh-CN" altLang="en-US" dirty="0"/>
           </a:p>
           <a:p>
             <a:r>
-              <a:rPr lang="zh-CN" altLang="en-US"/>
+              <a:rPr lang="zh-CN" altLang="en-US" dirty="0"/>
               <a:t>用类图获取需求的大致步骤</a:t>
             </a:r>
           </a:p>
           <a:p>
             <a:pPr lvl="1"/>
             <a:r>
-              <a:rPr lang="zh-CN" altLang="en-US"/>
+              <a:rPr lang="zh-CN" altLang="en-US" dirty="0"/>
               <a:t>识别出类</a:t>
             </a:r>
           </a:p>
           <a:p>
             <a:pPr lvl="1"/>
             <a:r>
-              <a:rPr lang="zh-CN" altLang="en-US"/>
+              <a:rPr lang="zh-CN" altLang="en-US" dirty="0"/>
               <a:t>识别出类的主要属性</a:t>
             </a:r>
           </a:p>
           <a:p>
             <a:pPr lvl="1"/>
             <a:r>
-              <a:rPr lang="zh-CN" altLang="en-US"/>
+              <a:rPr lang="zh-CN" altLang="en-US" dirty="0"/>
               <a:t>描绘出类之间的关系</a:t>
             </a:r>
           </a:p>
           <a:p>
             <a:pPr lvl="1"/>
             <a:r>
-              <a:rPr lang="zh-CN" altLang="en-US"/>
+              <a:rPr lang="zh-CN" altLang="en-US" dirty="0"/>
               <a:t>对各类进行分析、抽象、整理</a:t>
             </a:r>
           </a:p>
@@ -23127,7 +24753,617 @@
 </p:sld>
 </file>
 
-<file path=ppt/slides/slide16.xml><?xml version="1.0" encoding="utf-8"?>
+<file path=ppt/slides/slide2.xml><?xml version="1.0" encoding="utf-8"?>
+<p:sld xmlns:a="http://schemas.openxmlformats.org/drawingml/2006/main" xmlns:r="http://schemas.openxmlformats.org/officeDocument/2006/relationships" xmlns:p="http://schemas.openxmlformats.org/presentationml/2006/main">
+  <p:cSld>
+    <p:spTree>
+      <p:nvGrpSpPr>
+        <p:cNvPr id="1" name=""/>
+        <p:cNvGrpSpPr/>
+        <p:nvPr/>
+      </p:nvGrpSpPr>
+      <p:grpSpPr>
+        <a:xfrm>
+          <a:off x="0" y="0"/>
+          <a:ext cx="0" cy="0"/>
+          <a:chOff x="0" y="0"/>
+          <a:chExt cx="0" cy="0"/>
+        </a:xfrm>
+      </p:grpSpPr>
+      <p:sp>
+        <p:nvSpPr>
+          <p:cNvPr id="2" name="标题 1"/>
+          <p:cNvSpPr>
+            <a:spLocks noGrp="1"/>
+          </p:cNvSpPr>
+          <p:nvPr>
+            <p:ph type="title"/>
+          </p:nvPr>
+        </p:nvSpPr>
+        <p:spPr/>
+        <p:txBody>
+          <a:bodyPr/>
+          <a:lstStyle/>
+          <a:p>
+            <a:r>
+              <a:rPr lang="zh-CN" altLang="en-US" dirty="0"/>
+              <a:t>课</a:t>
+            </a:r>
+            <a:r>
+              <a:rPr lang="zh-CN" altLang="en-US" dirty="0" smtClean="0"/>
+              <a:t>前问答</a:t>
+            </a:r>
+            <a:endParaRPr lang="zh-CN" altLang="en-US" dirty="0"/>
+          </a:p>
+        </p:txBody>
+      </p:sp>
+      <p:sp>
+        <p:nvSpPr>
+          <p:cNvPr id="3" name="内容占位符 2"/>
+          <p:cNvSpPr>
+            <a:spLocks noGrp="1"/>
+          </p:cNvSpPr>
+          <p:nvPr>
+            <p:ph idx="1"/>
+          </p:nvPr>
+        </p:nvSpPr>
+        <p:spPr/>
+        <p:txBody>
+          <a:bodyPr>
+            <a:normAutofit/>
+          </a:bodyPr>
+          <a:lstStyle/>
+          <a:p>
+            <a:r>
+              <a:rPr lang="zh-CN" altLang="en-US" sz="3200" dirty="0" smtClean="0"/>
+              <a:t>请问你的毕业设计或者是你参加的项目是如何做需求开发的了，使用了一些什么工具了？</a:t>
+            </a:r>
+            <a:endParaRPr lang="en-US" altLang="zh-CN" sz="3200" dirty="0" smtClean="0"/>
+          </a:p>
+          <a:p>
+            <a:pPr lvl="1"/>
+            <a:r>
+              <a:rPr lang="zh-CN" altLang="en-US" sz="3000" dirty="0" smtClean="0"/>
+              <a:t>请第一列 正数第三名同学回答</a:t>
+            </a:r>
+            <a:endParaRPr lang="en-US" altLang="zh-CN" sz="3000" dirty="0" smtClean="0"/>
+          </a:p>
+          <a:p>
+            <a:pPr lvl="1"/>
+            <a:r>
+              <a:rPr lang="zh-CN" altLang="en-US" sz="3000" dirty="0"/>
+              <a:t>请</a:t>
+            </a:r>
+            <a:r>
+              <a:rPr lang="zh-CN" altLang="en-US" sz="3000" dirty="0" smtClean="0"/>
+              <a:t>第二列 倒数第三</a:t>
+            </a:r>
+            <a:r>
+              <a:rPr lang="zh-CN" altLang="en-US" sz="3000" dirty="0"/>
+              <a:t>名</a:t>
+            </a:r>
+            <a:r>
+              <a:rPr lang="zh-CN" altLang="en-US" sz="3000" dirty="0" smtClean="0"/>
+              <a:t>同学</a:t>
+            </a:r>
+            <a:r>
+              <a:rPr lang="zh-CN" altLang="en-US" sz="3000" dirty="0"/>
+              <a:t>回答</a:t>
+            </a:r>
+          </a:p>
+          <a:p>
+            <a:pPr lvl="1"/>
+            <a:r>
+              <a:rPr lang="zh-CN" altLang="en-US" sz="3000" dirty="0"/>
+              <a:t>请</a:t>
+            </a:r>
+            <a:r>
+              <a:rPr lang="zh-CN" altLang="en-US" sz="3000" dirty="0" smtClean="0"/>
+              <a:t>第三列 </a:t>
+            </a:r>
+            <a:r>
+              <a:rPr lang="zh-CN" altLang="en-US" sz="3000" dirty="0"/>
+              <a:t>正数</a:t>
+            </a:r>
+            <a:r>
+              <a:rPr lang="zh-CN" altLang="en-US" sz="3000" dirty="0" smtClean="0"/>
+              <a:t>第二名同学</a:t>
+            </a:r>
+            <a:r>
+              <a:rPr lang="zh-CN" altLang="en-US" sz="3000" dirty="0"/>
+              <a:t>回答</a:t>
+            </a:r>
+            <a:endParaRPr lang="en-US" altLang="zh-CN" sz="3000" dirty="0" smtClean="0"/>
+          </a:p>
+          <a:p>
+            <a:pPr lvl="1"/>
+            <a:r>
+              <a:rPr lang="zh-CN" altLang="en-US" sz="3000" dirty="0"/>
+              <a:t>请</a:t>
+            </a:r>
+            <a:r>
+              <a:rPr lang="zh-CN" altLang="en-US" sz="3000" dirty="0" smtClean="0"/>
+              <a:t>第四列 倒数第一名同学</a:t>
+            </a:r>
+            <a:r>
+              <a:rPr lang="zh-CN" altLang="en-US" sz="3000" dirty="0"/>
+              <a:t>回答</a:t>
+            </a:r>
+          </a:p>
+          <a:p>
+            <a:pPr lvl="1"/>
+            <a:endParaRPr lang="zh-CN" altLang="en-US" sz="3000" dirty="0"/>
+          </a:p>
+        </p:txBody>
+      </p:sp>
+    </p:spTree>
+    <p:extLst>
+      <p:ext uri="{BB962C8B-B14F-4D97-AF65-F5344CB8AC3E}">
+        <p14:creationId xmlns:p14="http://schemas.microsoft.com/office/powerpoint/2010/main" val="2323250941"/>
+      </p:ext>
+    </p:extLst>
+  </p:cSld>
+  <p:clrMapOvr>
+    <a:masterClrMapping/>
+  </p:clrMapOvr>
+  <mc:AlternateContent xmlns:mc="http://schemas.openxmlformats.org/markup-compatibility/2006" xmlns:p14="http://schemas.microsoft.com/office/powerpoint/2010/main">
+    <mc:Choice Requires="p14">
+      <p:transition spd="med" p14:dur="700">
+        <p:fade/>
+      </p:transition>
+    </mc:Choice>
+    <mc:Fallback xmlns="">
+      <p:transition spd="med">
+        <p:fade/>
+      </p:transition>
+    </mc:Fallback>
+  </mc:AlternateContent>
+  <p:timing>
+    <p:tnLst>
+      <p:par>
+        <p:cTn id="1" dur="indefinite" restart="never" nodeType="tmRoot">
+          <p:childTnLst>
+            <p:seq concurrent="1" nextAc="seek">
+              <p:cTn id="2" dur="indefinite" nodeType="mainSeq">
+                <p:childTnLst>
+                  <p:par>
+                    <p:cTn id="3" fill="hold">
+                      <p:stCondLst>
+                        <p:cond delay="indefinite"/>
+                      </p:stCondLst>
+                      <p:childTnLst>
+                        <p:par>
+                          <p:cTn id="4" fill="hold">
+                            <p:stCondLst>
+                              <p:cond delay="0"/>
+                            </p:stCondLst>
+                            <p:childTnLst>
+                              <p:par>
+                                <p:cTn id="5" presetID="2" presetClass="entr" presetSubtype="4" fill="hold" nodeType="clickEffect">
+                                  <p:stCondLst>
+                                    <p:cond delay="0"/>
+                                  </p:stCondLst>
+                                  <p:childTnLst>
+                                    <p:set>
+                                      <p:cBhvr>
+                                        <p:cTn id="6" dur="1" fill="hold">
+                                          <p:stCondLst>
+                                            <p:cond delay="0"/>
+                                          </p:stCondLst>
+                                        </p:cTn>
+                                        <p:tgtEl>
+                                          <p:spTgt spid="3">
+                                            <p:txEl>
+                                              <p:pRg st="1" end="1"/>
+                                            </p:txEl>
+                                          </p:spTgt>
+                                        </p:tgtEl>
+                                        <p:attrNameLst>
+                                          <p:attrName>style.visibility</p:attrName>
+                                        </p:attrNameLst>
+                                      </p:cBhvr>
+                                      <p:to>
+                                        <p:strVal val="visible"/>
+                                      </p:to>
+                                    </p:set>
+                                    <p:anim calcmode="lin" valueType="num">
+                                      <p:cBhvr additive="base">
+                                        <p:cTn id="7" dur="500" fill="hold"/>
+                                        <p:tgtEl>
+                                          <p:spTgt spid="3">
+                                            <p:txEl>
+                                              <p:pRg st="1" end="1"/>
+                                            </p:txEl>
+                                          </p:spTgt>
+                                        </p:tgtEl>
+                                        <p:attrNameLst>
+                                          <p:attrName>ppt_x</p:attrName>
+                                        </p:attrNameLst>
+                                      </p:cBhvr>
+                                      <p:tavLst>
+                                        <p:tav tm="0">
+                                          <p:val>
+                                            <p:strVal val="#ppt_x"/>
+                                          </p:val>
+                                        </p:tav>
+                                        <p:tav tm="100000">
+                                          <p:val>
+                                            <p:strVal val="#ppt_x"/>
+                                          </p:val>
+                                        </p:tav>
+                                      </p:tavLst>
+                                    </p:anim>
+                                    <p:anim calcmode="lin" valueType="num">
+                                      <p:cBhvr additive="base">
+                                        <p:cTn id="8" dur="500" fill="hold"/>
+                                        <p:tgtEl>
+                                          <p:spTgt spid="3">
+                                            <p:txEl>
+                                              <p:pRg st="1" end="1"/>
+                                            </p:txEl>
+                                          </p:spTgt>
+                                        </p:tgtEl>
+                                        <p:attrNameLst>
+                                          <p:attrName>ppt_y</p:attrName>
+                                        </p:attrNameLst>
+                                      </p:cBhvr>
+                                      <p:tavLst>
+                                        <p:tav tm="0">
+                                          <p:val>
+                                            <p:strVal val="1+#ppt_h/2"/>
+                                          </p:val>
+                                        </p:tav>
+                                        <p:tav tm="100000">
+                                          <p:val>
+                                            <p:strVal val="#ppt_y"/>
+                                          </p:val>
+                                        </p:tav>
+                                      </p:tavLst>
+                                    </p:anim>
+                                  </p:childTnLst>
+                                </p:cTn>
+                              </p:par>
+                            </p:childTnLst>
+                          </p:cTn>
+                        </p:par>
+                      </p:childTnLst>
+                    </p:cTn>
+                  </p:par>
+                  <p:par>
+                    <p:cTn id="9" fill="hold">
+                      <p:stCondLst>
+                        <p:cond delay="indefinite"/>
+                      </p:stCondLst>
+                      <p:childTnLst>
+                        <p:par>
+                          <p:cTn id="10" fill="hold">
+                            <p:stCondLst>
+                              <p:cond delay="0"/>
+                            </p:stCondLst>
+                            <p:childTnLst>
+                              <p:par>
+                                <p:cTn id="11" presetID="2" presetClass="entr" presetSubtype="4" fill="hold" nodeType="clickEffect">
+                                  <p:stCondLst>
+                                    <p:cond delay="0"/>
+                                  </p:stCondLst>
+                                  <p:childTnLst>
+                                    <p:set>
+                                      <p:cBhvr>
+                                        <p:cTn id="12" dur="1" fill="hold">
+                                          <p:stCondLst>
+                                            <p:cond delay="0"/>
+                                          </p:stCondLst>
+                                        </p:cTn>
+                                        <p:tgtEl>
+                                          <p:spTgt spid="3">
+                                            <p:txEl>
+                                              <p:pRg st="2" end="2"/>
+                                            </p:txEl>
+                                          </p:spTgt>
+                                        </p:tgtEl>
+                                        <p:attrNameLst>
+                                          <p:attrName>style.visibility</p:attrName>
+                                        </p:attrNameLst>
+                                      </p:cBhvr>
+                                      <p:to>
+                                        <p:strVal val="visible"/>
+                                      </p:to>
+                                    </p:set>
+                                    <p:anim calcmode="lin" valueType="num">
+                                      <p:cBhvr additive="base">
+                                        <p:cTn id="13" dur="500" fill="hold"/>
+                                        <p:tgtEl>
+                                          <p:spTgt spid="3">
+                                            <p:txEl>
+                                              <p:pRg st="2" end="2"/>
+                                            </p:txEl>
+                                          </p:spTgt>
+                                        </p:tgtEl>
+                                        <p:attrNameLst>
+                                          <p:attrName>ppt_x</p:attrName>
+                                        </p:attrNameLst>
+                                      </p:cBhvr>
+                                      <p:tavLst>
+                                        <p:tav tm="0">
+                                          <p:val>
+                                            <p:strVal val="#ppt_x"/>
+                                          </p:val>
+                                        </p:tav>
+                                        <p:tav tm="100000">
+                                          <p:val>
+                                            <p:strVal val="#ppt_x"/>
+                                          </p:val>
+                                        </p:tav>
+                                      </p:tavLst>
+                                    </p:anim>
+                                    <p:anim calcmode="lin" valueType="num">
+                                      <p:cBhvr additive="base">
+                                        <p:cTn id="14" dur="500" fill="hold"/>
+                                        <p:tgtEl>
+                                          <p:spTgt spid="3">
+                                            <p:txEl>
+                                              <p:pRg st="2" end="2"/>
+                                            </p:txEl>
+                                          </p:spTgt>
+                                        </p:tgtEl>
+                                        <p:attrNameLst>
+                                          <p:attrName>ppt_y</p:attrName>
+                                        </p:attrNameLst>
+                                      </p:cBhvr>
+                                      <p:tavLst>
+                                        <p:tav tm="0">
+                                          <p:val>
+                                            <p:strVal val="1+#ppt_h/2"/>
+                                          </p:val>
+                                        </p:tav>
+                                        <p:tav tm="100000">
+                                          <p:val>
+                                            <p:strVal val="#ppt_y"/>
+                                          </p:val>
+                                        </p:tav>
+                                      </p:tavLst>
+                                    </p:anim>
+                                  </p:childTnLst>
+                                </p:cTn>
+                              </p:par>
+                            </p:childTnLst>
+                          </p:cTn>
+                        </p:par>
+                      </p:childTnLst>
+                    </p:cTn>
+                  </p:par>
+                  <p:par>
+                    <p:cTn id="15" fill="hold">
+                      <p:stCondLst>
+                        <p:cond delay="indefinite"/>
+                      </p:stCondLst>
+                      <p:childTnLst>
+                        <p:par>
+                          <p:cTn id="16" fill="hold">
+                            <p:stCondLst>
+                              <p:cond delay="0"/>
+                            </p:stCondLst>
+                            <p:childTnLst>
+                              <p:par>
+                                <p:cTn id="17" presetID="2" presetClass="entr" presetSubtype="4" fill="hold" nodeType="clickEffect">
+                                  <p:stCondLst>
+                                    <p:cond delay="0"/>
+                                  </p:stCondLst>
+                                  <p:childTnLst>
+                                    <p:set>
+                                      <p:cBhvr>
+                                        <p:cTn id="18" dur="1" fill="hold">
+                                          <p:stCondLst>
+                                            <p:cond delay="0"/>
+                                          </p:stCondLst>
+                                        </p:cTn>
+                                        <p:tgtEl>
+                                          <p:spTgt spid="3">
+                                            <p:txEl>
+                                              <p:pRg st="3" end="3"/>
+                                            </p:txEl>
+                                          </p:spTgt>
+                                        </p:tgtEl>
+                                        <p:attrNameLst>
+                                          <p:attrName>style.visibility</p:attrName>
+                                        </p:attrNameLst>
+                                      </p:cBhvr>
+                                      <p:to>
+                                        <p:strVal val="visible"/>
+                                      </p:to>
+                                    </p:set>
+                                    <p:anim calcmode="lin" valueType="num">
+                                      <p:cBhvr additive="base">
+                                        <p:cTn id="19" dur="500" fill="hold"/>
+                                        <p:tgtEl>
+                                          <p:spTgt spid="3">
+                                            <p:txEl>
+                                              <p:pRg st="3" end="3"/>
+                                            </p:txEl>
+                                          </p:spTgt>
+                                        </p:tgtEl>
+                                        <p:attrNameLst>
+                                          <p:attrName>ppt_x</p:attrName>
+                                        </p:attrNameLst>
+                                      </p:cBhvr>
+                                      <p:tavLst>
+                                        <p:tav tm="0">
+                                          <p:val>
+                                            <p:strVal val="#ppt_x"/>
+                                          </p:val>
+                                        </p:tav>
+                                        <p:tav tm="100000">
+                                          <p:val>
+                                            <p:strVal val="#ppt_x"/>
+                                          </p:val>
+                                        </p:tav>
+                                      </p:tavLst>
+                                    </p:anim>
+                                    <p:anim calcmode="lin" valueType="num">
+                                      <p:cBhvr additive="base">
+                                        <p:cTn id="20" dur="500" fill="hold"/>
+                                        <p:tgtEl>
+                                          <p:spTgt spid="3">
+                                            <p:txEl>
+                                              <p:pRg st="3" end="3"/>
+                                            </p:txEl>
+                                          </p:spTgt>
+                                        </p:tgtEl>
+                                        <p:attrNameLst>
+                                          <p:attrName>ppt_y</p:attrName>
+                                        </p:attrNameLst>
+                                      </p:cBhvr>
+                                      <p:tavLst>
+                                        <p:tav tm="0">
+                                          <p:val>
+                                            <p:strVal val="1+#ppt_h/2"/>
+                                          </p:val>
+                                        </p:tav>
+                                        <p:tav tm="100000">
+                                          <p:val>
+                                            <p:strVal val="#ppt_y"/>
+                                          </p:val>
+                                        </p:tav>
+                                      </p:tavLst>
+                                    </p:anim>
+                                  </p:childTnLst>
+                                </p:cTn>
+                              </p:par>
+                            </p:childTnLst>
+                          </p:cTn>
+                        </p:par>
+                      </p:childTnLst>
+                    </p:cTn>
+                  </p:par>
+                  <p:par>
+                    <p:cTn id="21" fill="hold">
+                      <p:stCondLst>
+                        <p:cond delay="indefinite"/>
+                      </p:stCondLst>
+                      <p:childTnLst>
+                        <p:par>
+                          <p:cTn id="22" fill="hold">
+                            <p:stCondLst>
+                              <p:cond delay="0"/>
+                            </p:stCondLst>
+                            <p:childTnLst>
+                              <p:par>
+                                <p:cTn id="23" presetID="2" presetClass="entr" presetSubtype="4" fill="hold" nodeType="clickEffect">
+                                  <p:stCondLst>
+                                    <p:cond delay="0"/>
+                                  </p:stCondLst>
+                                  <p:childTnLst>
+                                    <p:set>
+                                      <p:cBhvr>
+                                        <p:cTn id="24" dur="1" fill="hold">
+                                          <p:stCondLst>
+                                            <p:cond delay="0"/>
+                                          </p:stCondLst>
+                                        </p:cTn>
+                                        <p:tgtEl>
+                                          <p:spTgt spid="3">
+                                            <p:txEl>
+                                              <p:pRg st="4" end="4"/>
+                                            </p:txEl>
+                                          </p:spTgt>
+                                        </p:tgtEl>
+                                        <p:attrNameLst>
+                                          <p:attrName>style.visibility</p:attrName>
+                                        </p:attrNameLst>
+                                      </p:cBhvr>
+                                      <p:to>
+                                        <p:strVal val="visible"/>
+                                      </p:to>
+                                    </p:set>
+                                    <p:anim calcmode="lin" valueType="num">
+                                      <p:cBhvr additive="base">
+                                        <p:cTn id="25" dur="500" fill="hold"/>
+                                        <p:tgtEl>
+                                          <p:spTgt spid="3">
+                                            <p:txEl>
+                                              <p:pRg st="4" end="4"/>
+                                            </p:txEl>
+                                          </p:spTgt>
+                                        </p:tgtEl>
+                                        <p:attrNameLst>
+                                          <p:attrName>ppt_x</p:attrName>
+                                        </p:attrNameLst>
+                                      </p:cBhvr>
+                                      <p:tavLst>
+                                        <p:tav tm="0">
+                                          <p:val>
+                                            <p:strVal val="#ppt_x"/>
+                                          </p:val>
+                                        </p:tav>
+                                        <p:tav tm="100000">
+                                          <p:val>
+                                            <p:strVal val="#ppt_x"/>
+                                          </p:val>
+                                        </p:tav>
+                                      </p:tavLst>
+                                    </p:anim>
+                                    <p:anim calcmode="lin" valueType="num">
+                                      <p:cBhvr additive="base">
+                                        <p:cTn id="26" dur="500" fill="hold"/>
+                                        <p:tgtEl>
+                                          <p:spTgt spid="3">
+                                            <p:txEl>
+                                              <p:pRg st="4" end="4"/>
+                                            </p:txEl>
+                                          </p:spTgt>
+                                        </p:tgtEl>
+                                        <p:attrNameLst>
+                                          <p:attrName>ppt_y</p:attrName>
+                                        </p:attrNameLst>
+                                      </p:cBhvr>
+                                      <p:tavLst>
+                                        <p:tav tm="0">
+                                          <p:val>
+                                            <p:strVal val="1+#ppt_h/2"/>
+                                          </p:val>
+                                        </p:tav>
+                                        <p:tav tm="100000">
+                                          <p:val>
+                                            <p:strVal val="#ppt_y"/>
+                                          </p:val>
+                                        </p:tav>
+                                      </p:tavLst>
+                                    </p:anim>
+                                  </p:childTnLst>
+                                </p:cTn>
+                              </p:par>
+                            </p:childTnLst>
+                          </p:cTn>
+                        </p:par>
+                      </p:childTnLst>
+                    </p:cTn>
+                  </p:par>
+                </p:childTnLst>
+              </p:cTn>
+              <p:prevCondLst>
+                <p:cond evt="onPrev" delay="0">
+                  <p:tgtEl>
+                    <p:sldTgt/>
+                  </p:tgtEl>
+                </p:cond>
+              </p:prevCondLst>
+              <p:nextCondLst>
+                <p:cond evt="onNext" delay="0">
+                  <p:tgtEl>
+                    <p:sldTgt/>
+                  </p:tgtEl>
+                </p:cond>
+              </p:nextCondLst>
+            </p:seq>
+          </p:childTnLst>
+        </p:cTn>
+      </p:par>
+    </p:tnLst>
+  </p:timing>
+</p:sld>
+</file>
+
+<file path=ppt/slides/slide20.xml><?xml version="1.0" encoding="utf-8"?>
 <p:sld xmlns:a="http://schemas.openxmlformats.org/drawingml/2006/main" xmlns:r="http://schemas.openxmlformats.org/officeDocument/2006/relationships" xmlns:p="http://schemas.openxmlformats.org/presentationml/2006/main">
   <p:cSld>
     <p:spTree>
@@ -23182,22 +25418,22 @@
           <a:lstStyle/>
           <a:p>
             <a:r>
-              <a:rPr lang="zh-CN" altLang="en-US"/>
+              <a:rPr lang="zh-CN" altLang="en-US" dirty="0"/>
               <a:t>请描述课室中有哪些人</a:t>
             </a:r>
           </a:p>
           <a:p>
             <a:r>
-              <a:rPr lang="zh-CN" altLang="en-US"/>
+              <a:rPr lang="zh-CN" altLang="en-US" dirty="0"/>
               <a:t>描述课室中的人的关键属性</a:t>
             </a:r>
           </a:p>
           <a:p>
-            <a:endParaRPr lang="zh-CN" altLang="en-US"/>
+            <a:endParaRPr lang="zh-CN" altLang="en-US" dirty="0"/>
           </a:p>
           <a:p>
             <a:r>
-              <a:rPr lang="zh-CN" altLang="en-US"/>
+              <a:rPr lang="zh-CN" altLang="en-US" dirty="0"/>
               <a:t>注意：只需要描述与培训相关的内容</a:t>
             </a:r>
           </a:p>
@@ -23206,7 +25442,7 @@
               <a:buFont typeface="Wingdings" panose="05000000000000000000" pitchFamily="2" charset="2"/>
               <a:buNone/>
             </a:pPr>
-            <a:endParaRPr lang="en-US" altLang="zh-CN"/>
+            <a:endParaRPr lang="en-US" altLang="zh-CN" dirty="0"/>
           </a:p>
         </p:txBody>
       </p:sp>
@@ -23242,7 +25478,7 @@
 </p:sld>
 </file>
 
-<file path=ppt/slides/slide17.xml><?xml version="1.0" encoding="utf-8"?>
+<file path=ppt/slides/slide21.xml><?xml version="1.0" encoding="utf-8"?>
 <p:sld xmlns:a="http://schemas.openxmlformats.org/drawingml/2006/main" xmlns:r="http://schemas.openxmlformats.org/officeDocument/2006/relationships" xmlns:p="http://schemas.openxmlformats.org/presentationml/2006/main">
   <p:cSld>
     <p:spTree>
@@ -23299,7 +25535,7 @@
           <a:graphicData uri="http://schemas.openxmlformats.org/presentationml/2006/ole">
             <mc:AlternateContent xmlns:mc="http://schemas.openxmlformats.org/markup-compatibility/2006">
               <mc:Choice xmlns:v="urn:schemas-microsoft-com:vml" Requires="v">
-                <p:oleObj spid="_x0000_s12298" name="Visio" r:id="rId4" imgW="1653336" imgH="227223" progId="Visio.Drawing.11">
+                <p:oleObj spid="_x0000_s12434" name="Visio" r:id="rId4" imgW="1653336" imgH="227223" progId="Visio.Drawing.11">
                   <p:embed/>
                 </p:oleObj>
               </mc:Choice>
@@ -23394,7 +25630,7 @@
           <a:graphicData uri="http://schemas.openxmlformats.org/presentationml/2006/ole">
             <mc:AlternateContent xmlns:mc="http://schemas.openxmlformats.org/markup-compatibility/2006">
               <mc:Choice xmlns:v="urn:schemas-microsoft-com:vml" Requires="v">
-                <p:oleObj spid="_x0000_s12299" name="Visio" r:id="rId6" imgW="1653336" imgH="648073" progId="Visio.Drawing.11">
+                <p:oleObj spid="_x0000_s12435" name="Visio" r:id="rId6" imgW="1653336" imgH="648073" progId="Visio.Drawing.11">
                   <p:embed/>
                 </p:oleObj>
               </mc:Choice>
@@ -23503,7 +25739,7 @@
 </p:sld>
 </file>
 
-<file path=ppt/slides/slide18.xml><?xml version="1.0" encoding="utf-8"?>
+<file path=ppt/slides/slide22.xml><?xml version="1.0" encoding="utf-8"?>
 <p:sld xmlns:a="http://schemas.openxmlformats.org/drawingml/2006/main" xmlns:r="http://schemas.openxmlformats.org/officeDocument/2006/relationships" xmlns:p="http://schemas.openxmlformats.org/presentationml/2006/main">
   <p:cSld>
     <p:spTree>
@@ -24292,7 +26528,7 @@
 </p:sld>
 </file>
 
-<file path=ppt/slides/slide19.xml><?xml version="1.0" encoding="utf-8"?>
+<file path=ppt/slides/slide23.xml><?xml version="1.0" encoding="utf-8"?>
 <p:sld xmlns:a="http://schemas.openxmlformats.org/drawingml/2006/main" xmlns:r="http://schemas.openxmlformats.org/officeDocument/2006/relationships" xmlns:p="http://schemas.openxmlformats.org/presentationml/2006/main">
   <p:cSld>
     <p:spTree>
@@ -25228,617 +27464,7 @@
 </p:sld>
 </file>
 
-<file path=ppt/slides/slide2.xml><?xml version="1.0" encoding="utf-8"?>
-<p:sld xmlns:a="http://schemas.openxmlformats.org/drawingml/2006/main" xmlns:r="http://schemas.openxmlformats.org/officeDocument/2006/relationships" xmlns:p="http://schemas.openxmlformats.org/presentationml/2006/main">
-  <p:cSld>
-    <p:spTree>
-      <p:nvGrpSpPr>
-        <p:cNvPr id="1" name=""/>
-        <p:cNvGrpSpPr/>
-        <p:nvPr/>
-      </p:nvGrpSpPr>
-      <p:grpSpPr>
-        <a:xfrm>
-          <a:off x="0" y="0"/>
-          <a:ext cx="0" cy="0"/>
-          <a:chOff x="0" y="0"/>
-          <a:chExt cx="0" cy="0"/>
-        </a:xfrm>
-      </p:grpSpPr>
-      <p:sp>
-        <p:nvSpPr>
-          <p:cNvPr id="2" name="标题 1"/>
-          <p:cNvSpPr>
-            <a:spLocks noGrp="1"/>
-          </p:cNvSpPr>
-          <p:nvPr>
-            <p:ph type="title"/>
-          </p:nvPr>
-        </p:nvSpPr>
-        <p:spPr/>
-        <p:txBody>
-          <a:bodyPr/>
-          <a:lstStyle/>
-          <a:p>
-            <a:r>
-              <a:rPr lang="zh-CN" altLang="en-US" dirty="0"/>
-              <a:t>课</a:t>
-            </a:r>
-            <a:r>
-              <a:rPr lang="zh-CN" altLang="en-US" dirty="0" smtClean="0"/>
-              <a:t>前问答</a:t>
-            </a:r>
-            <a:endParaRPr lang="zh-CN" altLang="en-US" dirty="0"/>
-          </a:p>
-        </p:txBody>
-      </p:sp>
-      <p:sp>
-        <p:nvSpPr>
-          <p:cNvPr id="3" name="内容占位符 2"/>
-          <p:cNvSpPr>
-            <a:spLocks noGrp="1"/>
-          </p:cNvSpPr>
-          <p:nvPr>
-            <p:ph idx="1"/>
-          </p:nvPr>
-        </p:nvSpPr>
-        <p:spPr/>
-        <p:txBody>
-          <a:bodyPr>
-            <a:normAutofit/>
-          </a:bodyPr>
-          <a:lstStyle/>
-          <a:p>
-            <a:r>
-              <a:rPr lang="zh-CN" altLang="en-US" sz="3200" dirty="0" smtClean="0"/>
-              <a:t>请问你的毕业设计或者是你参加的项目是如何做需求开发的了，使用了一些什么工具了？</a:t>
-            </a:r>
-            <a:endParaRPr lang="en-US" altLang="zh-CN" sz="3200" dirty="0" smtClean="0"/>
-          </a:p>
-          <a:p>
-            <a:pPr lvl="1"/>
-            <a:r>
-              <a:rPr lang="zh-CN" altLang="en-US" sz="3000" dirty="0" smtClean="0"/>
-              <a:t>请第一列 正数第三名同学回答</a:t>
-            </a:r>
-            <a:endParaRPr lang="en-US" altLang="zh-CN" sz="3000" dirty="0" smtClean="0"/>
-          </a:p>
-          <a:p>
-            <a:pPr lvl="1"/>
-            <a:r>
-              <a:rPr lang="zh-CN" altLang="en-US" sz="3000" dirty="0"/>
-              <a:t>请</a:t>
-            </a:r>
-            <a:r>
-              <a:rPr lang="zh-CN" altLang="en-US" sz="3000" dirty="0" smtClean="0"/>
-              <a:t>第二列 倒数第三</a:t>
-            </a:r>
-            <a:r>
-              <a:rPr lang="zh-CN" altLang="en-US" sz="3000" dirty="0"/>
-              <a:t>名</a:t>
-            </a:r>
-            <a:r>
-              <a:rPr lang="zh-CN" altLang="en-US" sz="3000" dirty="0" smtClean="0"/>
-              <a:t>同学</a:t>
-            </a:r>
-            <a:r>
-              <a:rPr lang="zh-CN" altLang="en-US" sz="3000" dirty="0"/>
-              <a:t>回答</a:t>
-            </a:r>
-          </a:p>
-          <a:p>
-            <a:pPr lvl="1"/>
-            <a:r>
-              <a:rPr lang="zh-CN" altLang="en-US" sz="3000" dirty="0"/>
-              <a:t>请</a:t>
-            </a:r>
-            <a:r>
-              <a:rPr lang="zh-CN" altLang="en-US" sz="3000" dirty="0" smtClean="0"/>
-              <a:t>第三列 </a:t>
-            </a:r>
-            <a:r>
-              <a:rPr lang="zh-CN" altLang="en-US" sz="3000" dirty="0"/>
-              <a:t>正数</a:t>
-            </a:r>
-            <a:r>
-              <a:rPr lang="zh-CN" altLang="en-US" sz="3000" dirty="0" smtClean="0"/>
-              <a:t>第二名同学</a:t>
-            </a:r>
-            <a:r>
-              <a:rPr lang="zh-CN" altLang="en-US" sz="3000" dirty="0"/>
-              <a:t>回答</a:t>
-            </a:r>
-            <a:endParaRPr lang="en-US" altLang="zh-CN" sz="3000" dirty="0" smtClean="0"/>
-          </a:p>
-          <a:p>
-            <a:pPr lvl="1"/>
-            <a:r>
-              <a:rPr lang="zh-CN" altLang="en-US" sz="3000" dirty="0"/>
-              <a:t>请</a:t>
-            </a:r>
-            <a:r>
-              <a:rPr lang="zh-CN" altLang="en-US" sz="3000" dirty="0" smtClean="0"/>
-              <a:t>第四列 倒数第一名同学</a:t>
-            </a:r>
-            <a:r>
-              <a:rPr lang="zh-CN" altLang="en-US" sz="3000" dirty="0"/>
-              <a:t>回答</a:t>
-            </a:r>
-          </a:p>
-          <a:p>
-            <a:pPr lvl="1"/>
-            <a:endParaRPr lang="zh-CN" altLang="en-US" sz="3000" dirty="0"/>
-          </a:p>
-        </p:txBody>
-      </p:sp>
-    </p:spTree>
-    <p:extLst>
-      <p:ext uri="{BB962C8B-B14F-4D97-AF65-F5344CB8AC3E}">
-        <p14:creationId xmlns:p14="http://schemas.microsoft.com/office/powerpoint/2010/main" val="2323250941"/>
-      </p:ext>
-    </p:extLst>
-  </p:cSld>
-  <p:clrMapOvr>
-    <a:masterClrMapping/>
-  </p:clrMapOvr>
-  <mc:AlternateContent xmlns:mc="http://schemas.openxmlformats.org/markup-compatibility/2006">
-    <mc:Choice xmlns:p14="http://schemas.microsoft.com/office/powerpoint/2010/main" Requires="p14">
-      <p:transition spd="med" p14:dur="700">
-        <p:fade/>
-      </p:transition>
-    </mc:Choice>
-    <mc:Fallback>
-      <p:transition spd="med">
-        <p:fade/>
-      </p:transition>
-    </mc:Fallback>
-  </mc:AlternateContent>
-  <p:timing>
-    <p:tnLst>
-      <p:par>
-        <p:cTn id="1" dur="indefinite" restart="never" nodeType="tmRoot">
-          <p:childTnLst>
-            <p:seq concurrent="1" nextAc="seek">
-              <p:cTn id="2" dur="indefinite" nodeType="mainSeq">
-                <p:childTnLst>
-                  <p:par>
-                    <p:cTn id="3" fill="hold">
-                      <p:stCondLst>
-                        <p:cond delay="indefinite"/>
-                      </p:stCondLst>
-                      <p:childTnLst>
-                        <p:par>
-                          <p:cTn id="4" fill="hold">
-                            <p:stCondLst>
-                              <p:cond delay="0"/>
-                            </p:stCondLst>
-                            <p:childTnLst>
-                              <p:par>
-                                <p:cTn id="5" presetID="2" presetClass="entr" presetSubtype="4" fill="hold" nodeType="clickEffect">
-                                  <p:stCondLst>
-                                    <p:cond delay="0"/>
-                                  </p:stCondLst>
-                                  <p:childTnLst>
-                                    <p:set>
-                                      <p:cBhvr>
-                                        <p:cTn id="6" dur="1" fill="hold">
-                                          <p:stCondLst>
-                                            <p:cond delay="0"/>
-                                          </p:stCondLst>
-                                        </p:cTn>
-                                        <p:tgtEl>
-                                          <p:spTgt spid="3">
-                                            <p:txEl>
-                                              <p:pRg st="1" end="1"/>
-                                            </p:txEl>
-                                          </p:spTgt>
-                                        </p:tgtEl>
-                                        <p:attrNameLst>
-                                          <p:attrName>style.visibility</p:attrName>
-                                        </p:attrNameLst>
-                                      </p:cBhvr>
-                                      <p:to>
-                                        <p:strVal val="visible"/>
-                                      </p:to>
-                                    </p:set>
-                                    <p:anim calcmode="lin" valueType="num">
-                                      <p:cBhvr additive="base">
-                                        <p:cTn id="7" dur="500" fill="hold"/>
-                                        <p:tgtEl>
-                                          <p:spTgt spid="3">
-                                            <p:txEl>
-                                              <p:pRg st="1" end="1"/>
-                                            </p:txEl>
-                                          </p:spTgt>
-                                        </p:tgtEl>
-                                        <p:attrNameLst>
-                                          <p:attrName>ppt_x</p:attrName>
-                                        </p:attrNameLst>
-                                      </p:cBhvr>
-                                      <p:tavLst>
-                                        <p:tav tm="0">
-                                          <p:val>
-                                            <p:strVal val="#ppt_x"/>
-                                          </p:val>
-                                        </p:tav>
-                                        <p:tav tm="100000">
-                                          <p:val>
-                                            <p:strVal val="#ppt_x"/>
-                                          </p:val>
-                                        </p:tav>
-                                      </p:tavLst>
-                                    </p:anim>
-                                    <p:anim calcmode="lin" valueType="num">
-                                      <p:cBhvr additive="base">
-                                        <p:cTn id="8" dur="500" fill="hold"/>
-                                        <p:tgtEl>
-                                          <p:spTgt spid="3">
-                                            <p:txEl>
-                                              <p:pRg st="1" end="1"/>
-                                            </p:txEl>
-                                          </p:spTgt>
-                                        </p:tgtEl>
-                                        <p:attrNameLst>
-                                          <p:attrName>ppt_y</p:attrName>
-                                        </p:attrNameLst>
-                                      </p:cBhvr>
-                                      <p:tavLst>
-                                        <p:tav tm="0">
-                                          <p:val>
-                                            <p:strVal val="1+#ppt_h/2"/>
-                                          </p:val>
-                                        </p:tav>
-                                        <p:tav tm="100000">
-                                          <p:val>
-                                            <p:strVal val="#ppt_y"/>
-                                          </p:val>
-                                        </p:tav>
-                                      </p:tavLst>
-                                    </p:anim>
-                                  </p:childTnLst>
-                                </p:cTn>
-                              </p:par>
-                            </p:childTnLst>
-                          </p:cTn>
-                        </p:par>
-                      </p:childTnLst>
-                    </p:cTn>
-                  </p:par>
-                  <p:par>
-                    <p:cTn id="9" fill="hold">
-                      <p:stCondLst>
-                        <p:cond delay="indefinite"/>
-                      </p:stCondLst>
-                      <p:childTnLst>
-                        <p:par>
-                          <p:cTn id="10" fill="hold">
-                            <p:stCondLst>
-                              <p:cond delay="0"/>
-                            </p:stCondLst>
-                            <p:childTnLst>
-                              <p:par>
-                                <p:cTn id="11" presetID="2" presetClass="entr" presetSubtype="4" fill="hold" nodeType="clickEffect">
-                                  <p:stCondLst>
-                                    <p:cond delay="0"/>
-                                  </p:stCondLst>
-                                  <p:childTnLst>
-                                    <p:set>
-                                      <p:cBhvr>
-                                        <p:cTn id="12" dur="1" fill="hold">
-                                          <p:stCondLst>
-                                            <p:cond delay="0"/>
-                                          </p:stCondLst>
-                                        </p:cTn>
-                                        <p:tgtEl>
-                                          <p:spTgt spid="3">
-                                            <p:txEl>
-                                              <p:pRg st="2" end="2"/>
-                                            </p:txEl>
-                                          </p:spTgt>
-                                        </p:tgtEl>
-                                        <p:attrNameLst>
-                                          <p:attrName>style.visibility</p:attrName>
-                                        </p:attrNameLst>
-                                      </p:cBhvr>
-                                      <p:to>
-                                        <p:strVal val="visible"/>
-                                      </p:to>
-                                    </p:set>
-                                    <p:anim calcmode="lin" valueType="num">
-                                      <p:cBhvr additive="base">
-                                        <p:cTn id="13" dur="500" fill="hold"/>
-                                        <p:tgtEl>
-                                          <p:spTgt spid="3">
-                                            <p:txEl>
-                                              <p:pRg st="2" end="2"/>
-                                            </p:txEl>
-                                          </p:spTgt>
-                                        </p:tgtEl>
-                                        <p:attrNameLst>
-                                          <p:attrName>ppt_x</p:attrName>
-                                        </p:attrNameLst>
-                                      </p:cBhvr>
-                                      <p:tavLst>
-                                        <p:tav tm="0">
-                                          <p:val>
-                                            <p:strVal val="#ppt_x"/>
-                                          </p:val>
-                                        </p:tav>
-                                        <p:tav tm="100000">
-                                          <p:val>
-                                            <p:strVal val="#ppt_x"/>
-                                          </p:val>
-                                        </p:tav>
-                                      </p:tavLst>
-                                    </p:anim>
-                                    <p:anim calcmode="lin" valueType="num">
-                                      <p:cBhvr additive="base">
-                                        <p:cTn id="14" dur="500" fill="hold"/>
-                                        <p:tgtEl>
-                                          <p:spTgt spid="3">
-                                            <p:txEl>
-                                              <p:pRg st="2" end="2"/>
-                                            </p:txEl>
-                                          </p:spTgt>
-                                        </p:tgtEl>
-                                        <p:attrNameLst>
-                                          <p:attrName>ppt_y</p:attrName>
-                                        </p:attrNameLst>
-                                      </p:cBhvr>
-                                      <p:tavLst>
-                                        <p:tav tm="0">
-                                          <p:val>
-                                            <p:strVal val="1+#ppt_h/2"/>
-                                          </p:val>
-                                        </p:tav>
-                                        <p:tav tm="100000">
-                                          <p:val>
-                                            <p:strVal val="#ppt_y"/>
-                                          </p:val>
-                                        </p:tav>
-                                      </p:tavLst>
-                                    </p:anim>
-                                  </p:childTnLst>
-                                </p:cTn>
-                              </p:par>
-                            </p:childTnLst>
-                          </p:cTn>
-                        </p:par>
-                      </p:childTnLst>
-                    </p:cTn>
-                  </p:par>
-                  <p:par>
-                    <p:cTn id="15" fill="hold">
-                      <p:stCondLst>
-                        <p:cond delay="indefinite"/>
-                      </p:stCondLst>
-                      <p:childTnLst>
-                        <p:par>
-                          <p:cTn id="16" fill="hold">
-                            <p:stCondLst>
-                              <p:cond delay="0"/>
-                            </p:stCondLst>
-                            <p:childTnLst>
-                              <p:par>
-                                <p:cTn id="17" presetID="2" presetClass="entr" presetSubtype="4" fill="hold" nodeType="clickEffect">
-                                  <p:stCondLst>
-                                    <p:cond delay="0"/>
-                                  </p:stCondLst>
-                                  <p:childTnLst>
-                                    <p:set>
-                                      <p:cBhvr>
-                                        <p:cTn id="18" dur="1" fill="hold">
-                                          <p:stCondLst>
-                                            <p:cond delay="0"/>
-                                          </p:stCondLst>
-                                        </p:cTn>
-                                        <p:tgtEl>
-                                          <p:spTgt spid="3">
-                                            <p:txEl>
-                                              <p:pRg st="3" end="3"/>
-                                            </p:txEl>
-                                          </p:spTgt>
-                                        </p:tgtEl>
-                                        <p:attrNameLst>
-                                          <p:attrName>style.visibility</p:attrName>
-                                        </p:attrNameLst>
-                                      </p:cBhvr>
-                                      <p:to>
-                                        <p:strVal val="visible"/>
-                                      </p:to>
-                                    </p:set>
-                                    <p:anim calcmode="lin" valueType="num">
-                                      <p:cBhvr additive="base">
-                                        <p:cTn id="19" dur="500" fill="hold"/>
-                                        <p:tgtEl>
-                                          <p:spTgt spid="3">
-                                            <p:txEl>
-                                              <p:pRg st="3" end="3"/>
-                                            </p:txEl>
-                                          </p:spTgt>
-                                        </p:tgtEl>
-                                        <p:attrNameLst>
-                                          <p:attrName>ppt_x</p:attrName>
-                                        </p:attrNameLst>
-                                      </p:cBhvr>
-                                      <p:tavLst>
-                                        <p:tav tm="0">
-                                          <p:val>
-                                            <p:strVal val="#ppt_x"/>
-                                          </p:val>
-                                        </p:tav>
-                                        <p:tav tm="100000">
-                                          <p:val>
-                                            <p:strVal val="#ppt_x"/>
-                                          </p:val>
-                                        </p:tav>
-                                      </p:tavLst>
-                                    </p:anim>
-                                    <p:anim calcmode="lin" valueType="num">
-                                      <p:cBhvr additive="base">
-                                        <p:cTn id="20" dur="500" fill="hold"/>
-                                        <p:tgtEl>
-                                          <p:spTgt spid="3">
-                                            <p:txEl>
-                                              <p:pRg st="3" end="3"/>
-                                            </p:txEl>
-                                          </p:spTgt>
-                                        </p:tgtEl>
-                                        <p:attrNameLst>
-                                          <p:attrName>ppt_y</p:attrName>
-                                        </p:attrNameLst>
-                                      </p:cBhvr>
-                                      <p:tavLst>
-                                        <p:tav tm="0">
-                                          <p:val>
-                                            <p:strVal val="1+#ppt_h/2"/>
-                                          </p:val>
-                                        </p:tav>
-                                        <p:tav tm="100000">
-                                          <p:val>
-                                            <p:strVal val="#ppt_y"/>
-                                          </p:val>
-                                        </p:tav>
-                                      </p:tavLst>
-                                    </p:anim>
-                                  </p:childTnLst>
-                                </p:cTn>
-                              </p:par>
-                            </p:childTnLst>
-                          </p:cTn>
-                        </p:par>
-                      </p:childTnLst>
-                    </p:cTn>
-                  </p:par>
-                  <p:par>
-                    <p:cTn id="21" fill="hold">
-                      <p:stCondLst>
-                        <p:cond delay="indefinite"/>
-                      </p:stCondLst>
-                      <p:childTnLst>
-                        <p:par>
-                          <p:cTn id="22" fill="hold">
-                            <p:stCondLst>
-                              <p:cond delay="0"/>
-                            </p:stCondLst>
-                            <p:childTnLst>
-                              <p:par>
-                                <p:cTn id="23" presetID="2" presetClass="entr" presetSubtype="4" fill="hold" nodeType="clickEffect">
-                                  <p:stCondLst>
-                                    <p:cond delay="0"/>
-                                  </p:stCondLst>
-                                  <p:childTnLst>
-                                    <p:set>
-                                      <p:cBhvr>
-                                        <p:cTn id="24" dur="1" fill="hold">
-                                          <p:stCondLst>
-                                            <p:cond delay="0"/>
-                                          </p:stCondLst>
-                                        </p:cTn>
-                                        <p:tgtEl>
-                                          <p:spTgt spid="3">
-                                            <p:txEl>
-                                              <p:pRg st="4" end="4"/>
-                                            </p:txEl>
-                                          </p:spTgt>
-                                        </p:tgtEl>
-                                        <p:attrNameLst>
-                                          <p:attrName>style.visibility</p:attrName>
-                                        </p:attrNameLst>
-                                      </p:cBhvr>
-                                      <p:to>
-                                        <p:strVal val="visible"/>
-                                      </p:to>
-                                    </p:set>
-                                    <p:anim calcmode="lin" valueType="num">
-                                      <p:cBhvr additive="base">
-                                        <p:cTn id="25" dur="500" fill="hold"/>
-                                        <p:tgtEl>
-                                          <p:spTgt spid="3">
-                                            <p:txEl>
-                                              <p:pRg st="4" end="4"/>
-                                            </p:txEl>
-                                          </p:spTgt>
-                                        </p:tgtEl>
-                                        <p:attrNameLst>
-                                          <p:attrName>ppt_x</p:attrName>
-                                        </p:attrNameLst>
-                                      </p:cBhvr>
-                                      <p:tavLst>
-                                        <p:tav tm="0">
-                                          <p:val>
-                                            <p:strVal val="#ppt_x"/>
-                                          </p:val>
-                                        </p:tav>
-                                        <p:tav tm="100000">
-                                          <p:val>
-                                            <p:strVal val="#ppt_x"/>
-                                          </p:val>
-                                        </p:tav>
-                                      </p:tavLst>
-                                    </p:anim>
-                                    <p:anim calcmode="lin" valueType="num">
-                                      <p:cBhvr additive="base">
-                                        <p:cTn id="26" dur="500" fill="hold"/>
-                                        <p:tgtEl>
-                                          <p:spTgt spid="3">
-                                            <p:txEl>
-                                              <p:pRg st="4" end="4"/>
-                                            </p:txEl>
-                                          </p:spTgt>
-                                        </p:tgtEl>
-                                        <p:attrNameLst>
-                                          <p:attrName>ppt_y</p:attrName>
-                                        </p:attrNameLst>
-                                      </p:cBhvr>
-                                      <p:tavLst>
-                                        <p:tav tm="0">
-                                          <p:val>
-                                            <p:strVal val="1+#ppt_h/2"/>
-                                          </p:val>
-                                        </p:tav>
-                                        <p:tav tm="100000">
-                                          <p:val>
-                                            <p:strVal val="#ppt_y"/>
-                                          </p:val>
-                                        </p:tav>
-                                      </p:tavLst>
-                                    </p:anim>
-                                  </p:childTnLst>
-                                </p:cTn>
-                              </p:par>
-                            </p:childTnLst>
-                          </p:cTn>
-                        </p:par>
-                      </p:childTnLst>
-                    </p:cTn>
-                  </p:par>
-                </p:childTnLst>
-              </p:cTn>
-              <p:prevCondLst>
-                <p:cond evt="onPrev" delay="0">
-                  <p:tgtEl>
-                    <p:sldTgt/>
-                  </p:tgtEl>
-                </p:cond>
-              </p:prevCondLst>
-              <p:nextCondLst>
-                <p:cond evt="onNext" delay="0">
-                  <p:tgtEl>
-                    <p:sldTgt/>
-                  </p:tgtEl>
-                </p:cond>
-              </p:nextCondLst>
-            </p:seq>
-          </p:childTnLst>
-        </p:cTn>
-      </p:par>
-    </p:tnLst>
-  </p:timing>
-</p:sld>
-</file>
-
-<file path=ppt/slides/slide20.xml><?xml version="1.0" encoding="utf-8"?>
+<file path=ppt/slides/slide24.xml><?xml version="1.0" encoding="utf-8"?>
 <p:sld xmlns:a="http://schemas.openxmlformats.org/drawingml/2006/main" xmlns:r="http://schemas.openxmlformats.org/officeDocument/2006/relationships" xmlns:p="http://schemas.openxmlformats.org/presentationml/2006/main">
   <p:cSld>
     <p:spTree>
@@ -25899,7 +27525,7 @@
           <a:graphicData uri="http://schemas.openxmlformats.org/presentationml/2006/ole">
             <mc:AlternateContent xmlns:mc="http://schemas.openxmlformats.org/markup-compatibility/2006">
               <mc:Choice xmlns:v="urn:schemas-microsoft-com:vml" Requires="v">
-                <p:oleObj spid="_x0000_s13318" name="Visio" r:id="rId4" imgW="1653336" imgH="648073" progId="Visio.Drawing.11">
+                <p:oleObj spid="_x0000_s13386" name="Visio" r:id="rId4" imgW="1653336" imgH="648073" progId="Visio.Drawing.11">
                   <p:embed/>
                 </p:oleObj>
               </mc:Choice>
@@ -26501,7 +28127,7 @@
 </p:sld>
 </file>
 
-<file path=ppt/slides/slide21.xml><?xml version="1.0" encoding="utf-8"?>
+<file path=ppt/slides/slide25.xml><?xml version="1.0" encoding="utf-8"?>
 <p:sld xmlns:a="http://schemas.openxmlformats.org/drawingml/2006/main" xmlns:r="http://schemas.openxmlformats.org/officeDocument/2006/relationships" xmlns:p="http://schemas.openxmlformats.org/presentationml/2006/main">
   <p:cSld>
     <p:spTree>
@@ -27069,7 +28695,7 @@
 </p:sld>
 </file>
 
-<file path=ppt/slides/slide22.xml><?xml version="1.0" encoding="utf-8"?>
+<file path=ppt/slides/slide26.xml><?xml version="1.0" encoding="utf-8"?>
 <p:sld xmlns:a="http://schemas.openxmlformats.org/drawingml/2006/main" xmlns:r="http://schemas.openxmlformats.org/officeDocument/2006/relationships" xmlns:p="http://schemas.openxmlformats.org/presentationml/2006/main">
   <p:cSld>
     <p:spTree>
@@ -27780,7 +29406,7 @@
 </p:sld>
 </file>
 
-<file path=ppt/slides/slide23.xml><?xml version="1.0" encoding="utf-8"?>
+<file path=ppt/slides/slide27.xml><?xml version="1.0" encoding="utf-8"?>
 <p:sld xmlns:a="http://schemas.openxmlformats.org/drawingml/2006/main" xmlns:r="http://schemas.openxmlformats.org/officeDocument/2006/relationships" xmlns:p="http://schemas.openxmlformats.org/presentationml/2006/main" showMasterPhAnim="0">
   <p:cSld>
     <p:spTree>
@@ -27965,7 +29591,7 @@
 </p:sld>
 </file>
 
-<file path=ppt/slides/slide24.xml><?xml version="1.0" encoding="utf-8"?>
+<file path=ppt/slides/slide28.xml><?xml version="1.0" encoding="utf-8"?>
 <p:sld xmlns:a="http://schemas.openxmlformats.org/drawingml/2006/main" xmlns:r="http://schemas.openxmlformats.org/officeDocument/2006/relationships" xmlns:p="http://schemas.openxmlformats.org/presentationml/2006/main">
   <p:cSld>
     <p:spTree>
@@ -28540,7 +30166,7 @@
 </p:sld>
 </file>
 
-<file path=ppt/slides/slide25.xml><?xml version="1.0" encoding="utf-8"?>
+<file path=ppt/slides/slide29.xml><?xml version="1.0" encoding="utf-8"?>
 <p:sld xmlns:a="http://schemas.openxmlformats.org/drawingml/2006/main" xmlns:r="http://schemas.openxmlformats.org/officeDocument/2006/relationships" xmlns:p="http://schemas.openxmlformats.org/presentationml/2006/main" showMasterPhAnim="0">
   <p:cSld>
     <p:spTree>
@@ -28712,780 +30338,6 @@
 </p:sld>
 </file>
 
-<file path=ppt/slides/slide26.xml><?xml version="1.0" encoding="utf-8"?>
-<p:sld xmlns:a="http://schemas.openxmlformats.org/drawingml/2006/main" xmlns:r="http://schemas.openxmlformats.org/officeDocument/2006/relationships" xmlns:p="http://schemas.openxmlformats.org/presentationml/2006/main" showMasterPhAnim="0">
-  <p:cSld>
-    <p:spTree>
-      <p:nvGrpSpPr>
-        <p:cNvPr id="1" name=""/>
-        <p:cNvGrpSpPr/>
-        <p:nvPr/>
-      </p:nvGrpSpPr>
-      <p:grpSpPr>
-        <a:xfrm>
-          <a:off x="0" y="0"/>
-          <a:ext cx="0" cy="0"/>
-          <a:chOff x="0" y="0"/>
-          <a:chExt cx="0" cy="0"/>
-        </a:xfrm>
-      </p:grpSpPr>
-      <p:sp>
-        <p:nvSpPr>
-          <p:cNvPr id="49154" name="Rectangle 2"/>
-          <p:cNvSpPr>
-            <a:spLocks noGrp="1" noChangeArrowheads="1"/>
-          </p:cNvSpPr>
-          <p:nvPr>
-            <p:ph type="title"/>
-          </p:nvPr>
-        </p:nvSpPr>
-        <p:spPr/>
-        <p:txBody>
-          <a:bodyPr/>
-          <a:lstStyle/>
-          <a:p>
-            <a:r>
-              <a:rPr lang="zh-CN" altLang="en-US"/>
-              <a:t>公司、雇员的关系</a:t>
-            </a:r>
-          </a:p>
-        </p:txBody>
-      </p:sp>
-      <p:pic>
-        <p:nvPicPr>
-          <p:cNvPr id="49157" name="Picture 5"/>
-          <p:cNvPicPr>
-            <a:picLocks noChangeAspect="1" noChangeArrowheads="1"/>
-          </p:cNvPicPr>
-          <p:nvPr/>
-        </p:nvPicPr>
-        <p:blipFill>
-          <a:blip r:embed="rId3">
-            <a:extLst>
-              <a:ext uri="{28A0092B-C50C-407E-A947-70E740481C1C}">
-                <a14:useLocalDpi xmlns:a14="http://schemas.microsoft.com/office/drawing/2010/main" val="0"/>
-              </a:ext>
-            </a:extLst>
-          </a:blip>
-          <a:srcRect/>
-          <a:stretch>
-            <a:fillRect/>
-          </a:stretch>
-        </p:blipFill>
-        <p:spPr bwMode="auto">
-          <a:xfrm>
-            <a:off x="2284412" y="2514600"/>
-            <a:ext cx="7467600" cy="1720850"/>
-          </a:xfrm>
-          <a:prstGeom prst="rect">
-            <a:avLst/>
-          </a:prstGeom>
-          <a:noFill/>
-          <a:ln>
-            <a:noFill/>
-          </a:ln>
-          <a:effectLst/>
-          <a:extLst>
-            <a:ext uri="{909E8E84-426E-40DD-AFC4-6F175D3DCCD1}">
-              <a14:hiddenFill xmlns:a14="http://schemas.microsoft.com/office/drawing/2010/main">
-                <a:solidFill>
-                  <a:schemeClr val="accent1"/>
-                </a:solidFill>
-              </a14:hiddenFill>
-            </a:ext>
-            <a:ext uri="{91240B29-F687-4F45-9708-019B960494DF}">
-              <a14:hiddenLine xmlns:a14="http://schemas.microsoft.com/office/drawing/2010/main" w="9525">
-                <a:solidFill>
-                  <a:schemeClr val="tx1"/>
-                </a:solidFill>
-                <a:miter lim="800000"/>
-                <a:headEnd/>
-                <a:tailEnd/>
-              </a14:hiddenLine>
-            </a:ext>
-            <a:ext uri="{AF507438-7753-43E0-B8FC-AC1667EBCBE1}">
-              <a14:hiddenEffects xmlns:a14="http://schemas.microsoft.com/office/drawing/2010/main">
-                <a:effectLst>
-                  <a:outerShdw dist="35921" dir="2700000" algn="ctr" rotWithShape="0">
-                    <a:schemeClr val="bg2"/>
-                  </a:outerShdw>
-                </a:effectLst>
-              </a14:hiddenEffects>
-            </a:ext>
-          </a:extLst>
-        </p:spPr>
-      </p:pic>
-    </p:spTree>
-    <p:extLst>
-      <p:ext uri="{BB962C8B-B14F-4D97-AF65-F5344CB8AC3E}">
-        <p14:creationId xmlns:p14="http://schemas.microsoft.com/office/powerpoint/2010/main" val="3914451096"/>
-      </p:ext>
-    </p:extLst>
-  </p:cSld>
-  <p:clrMapOvr>
-    <a:masterClrMapping/>
-  </p:clrMapOvr>
-  <mc:AlternateContent xmlns:mc="http://schemas.openxmlformats.org/markup-compatibility/2006" xmlns:p14="http://schemas.microsoft.com/office/powerpoint/2010/main">
-    <mc:Choice Requires="p14">
-      <p:transition spd="med" p14:dur="700">
-        <p:fade/>
-      </p:transition>
-    </mc:Choice>
-    <mc:Fallback xmlns="">
-      <p:transition spd="med">
-        <p:fade/>
-      </p:transition>
-    </mc:Fallback>
-  </mc:AlternateContent>
-  <p:timing>
-    <p:tnLst>
-      <p:par>
-        <p:cTn id="1" dur="indefinite" restart="never" nodeType="tmRoot">
-          <p:childTnLst>
-            <p:seq concurrent="1" nextAc="seek">
-              <p:cTn id="2" dur="indefinite" nodeType="mainSeq">
-                <p:childTnLst>
-                  <p:par>
-                    <p:cTn id="3" fill="hold" nodeType="clickPar">
-                      <p:stCondLst>
-                        <p:cond delay="indefinite"/>
-                      </p:stCondLst>
-                      <p:childTnLst>
-                        <p:par>
-                          <p:cTn id="4" fill="hold" nodeType="withGroup">
-                            <p:stCondLst>
-                              <p:cond delay="0"/>
-                            </p:stCondLst>
-                            <p:childTnLst>
-                              <p:par>
-                                <p:cTn id="5" presetID="3" presetClass="entr" presetSubtype="10" fill="hold" nodeType="clickEffect">
-                                  <p:stCondLst>
-                                    <p:cond delay="0"/>
-                                  </p:stCondLst>
-                                  <p:childTnLst>
-                                    <p:set>
-                                      <p:cBhvr>
-                                        <p:cTn id="6" dur="1" fill="hold">
-                                          <p:stCondLst>
-                                            <p:cond delay="0"/>
-                                          </p:stCondLst>
-                                        </p:cTn>
-                                        <p:tgtEl>
-                                          <p:spTgt spid="49157"/>
-                                        </p:tgtEl>
-                                        <p:attrNameLst>
-                                          <p:attrName>style.visibility</p:attrName>
-                                        </p:attrNameLst>
-                                      </p:cBhvr>
-                                      <p:to>
-                                        <p:strVal val="visible"/>
-                                      </p:to>
-                                    </p:set>
-                                    <p:animEffect transition="in" filter="blinds(horizontal)">
-                                      <p:cBhvr>
-                                        <p:cTn id="7" dur="500"/>
-                                        <p:tgtEl>
-                                          <p:spTgt spid="49157"/>
-                                        </p:tgtEl>
-                                      </p:cBhvr>
-                                    </p:animEffect>
-                                  </p:childTnLst>
-                                </p:cTn>
-                              </p:par>
-                            </p:childTnLst>
-                          </p:cTn>
-                        </p:par>
-                      </p:childTnLst>
-                    </p:cTn>
-                  </p:par>
-                </p:childTnLst>
-              </p:cTn>
-              <p:prevCondLst>
-                <p:cond evt="onPrev" delay="0">
-                  <p:tgtEl>
-                    <p:sldTgt/>
-                  </p:tgtEl>
-                </p:cond>
-              </p:prevCondLst>
-              <p:nextCondLst>
-                <p:cond evt="onNext" delay="0">
-                  <p:tgtEl>
-                    <p:sldTgt/>
-                  </p:tgtEl>
-                </p:cond>
-              </p:nextCondLst>
-            </p:seq>
-          </p:childTnLst>
-        </p:cTn>
-      </p:par>
-    </p:tnLst>
-  </p:timing>
-</p:sld>
-</file>
-
-<file path=ppt/slides/slide27.xml><?xml version="1.0" encoding="utf-8"?>
-<p:sld xmlns:a="http://schemas.openxmlformats.org/drawingml/2006/main" xmlns:r="http://schemas.openxmlformats.org/officeDocument/2006/relationships" xmlns:p="http://schemas.openxmlformats.org/presentationml/2006/main" showMasterPhAnim="0">
-  <p:cSld>
-    <p:spTree>
-      <p:nvGrpSpPr>
-        <p:cNvPr id="1" name=""/>
-        <p:cNvGrpSpPr/>
-        <p:nvPr/>
-      </p:nvGrpSpPr>
-      <p:grpSpPr>
-        <a:xfrm>
-          <a:off x="0" y="0"/>
-          <a:ext cx="0" cy="0"/>
-          <a:chOff x="0" y="0"/>
-          <a:chExt cx="0" cy="0"/>
-        </a:xfrm>
-      </p:grpSpPr>
-      <p:sp>
-        <p:nvSpPr>
-          <p:cNvPr id="65538" name="Rectangle 2"/>
-          <p:cNvSpPr>
-            <a:spLocks noGrp="1" noChangeArrowheads="1"/>
-          </p:cNvSpPr>
-          <p:nvPr>
-            <p:ph type="title"/>
-          </p:nvPr>
-        </p:nvSpPr>
-        <p:spPr/>
-        <p:txBody>
-          <a:bodyPr/>
-          <a:lstStyle/>
-          <a:p>
-            <a:r>
-              <a:rPr lang="zh-CN" altLang="en-US"/>
-              <a:t>练习</a:t>
-            </a:r>
-            <a:r>
-              <a:rPr lang="en-US" altLang="zh-CN"/>
-              <a:t>3</a:t>
-            </a:r>
-          </a:p>
-        </p:txBody>
-      </p:sp>
-      <p:sp>
-        <p:nvSpPr>
-          <p:cNvPr id="65539" name="Rectangle 3"/>
-          <p:cNvSpPr>
-            <a:spLocks noGrp="1" noChangeArrowheads="1"/>
-          </p:cNvSpPr>
-          <p:nvPr>
-            <p:ph type="body" idx="1"/>
-          </p:nvPr>
-        </p:nvSpPr>
-        <p:spPr/>
-        <p:txBody>
-          <a:bodyPr/>
-          <a:lstStyle/>
-          <a:p>
-            <a:r>
-              <a:rPr lang="zh-CN" altLang="en-US"/>
-              <a:t>请用类图描述香蕉、苹果、梨子的关系</a:t>
-            </a:r>
-          </a:p>
-        </p:txBody>
-      </p:sp>
-    </p:spTree>
-    <p:extLst>
-      <p:ext uri="{BB962C8B-B14F-4D97-AF65-F5344CB8AC3E}">
-        <p14:creationId xmlns:p14="http://schemas.microsoft.com/office/powerpoint/2010/main" val="1878989995"/>
-      </p:ext>
-    </p:extLst>
-  </p:cSld>
-  <p:clrMapOvr>
-    <a:masterClrMapping/>
-  </p:clrMapOvr>
-  <mc:AlternateContent xmlns:mc="http://schemas.openxmlformats.org/markup-compatibility/2006" xmlns:p14="http://schemas.microsoft.com/office/powerpoint/2010/main">
-    <mc:Choice Requires="p14">
-      <p:transition spd="med" p14:dur="700">
-        <p:fade/>
-      </p:transition>
-    </mc:Choice>
-    <mc:Fallback xmlns="">
-      <p:transition spd="med">
-        <p:fade/>
-      </p:transition>
-    </mc:Fallback>
-  </mc:AlternateContent>
-  <p:timing>
-    <p:tnLst>
-      <p:par>
-        <p:cTn id="1" dur="indefinite" restart="never" nodeType="tmRoot">
-          <p:childTnLst>
-            <p:seq concurrent="1" nextAc="seek">
-              <p:cTn id="2" dur="indefinite" nodeType="mainSeq">
-                <p:childTnLst>
-                  <p:par>
-                    <p:cTn id="3" fill="hold" nodeType="clickPar">
-                      <p:stCondLst>
-                        <p:cond delay="indefinite"/>
-                      </p:stCondLst>
-                      <p:childTnLst>
-                        <p:par>
-                          <p:cTn id="4" fill="hold" nodeType="withGroup">
-                            <p:stCondLst>
-                              <p:cond delay="0"/>
-                            </p:stCondLst>
-                            <p:childTnLst>
-                              <p:par>
-                                <p:cTn id="5" presetID="1" presetClass="entr" presetSubtype="0" fill="hold" grpId="0" nodeType="clickEffect">
-                                  <p:stCondLst>
-                                    <p:cond delay="0"/>
-                                  </p:stCondLst>
-                                  <p:childTnLst>
-                                    <p:set>
-                                      <p:cBhvr>
-                                        <p:cTn id="6" dur="1" fill="hold">
-                                          <p:stCondLst>
-                                            <p:cond delay="0"/>
-                                          </p:stCondLst>
-                                        </p:cTn>
-                                        <p:tgtEl>
-                                          <p:spTgt spid="65539">
-                                            <p:txEl>
-                                              <p:pRg st="0" end="0"/>
-                                            </p:txEl>
-                                          </p:spTgt>
-                                        </p:tgtEl>
-                                        <p:attrNameLst>
-                                          <p:attrName>style.visibility</p:attrName>
-                                        </p:attrNameLst>
-                                      </p:cBhvr>
-                                      <p:to>
-                                        <p:strVal val="visible"/>
-                                      </p:to>
-                                    </p:set>
-                                  </p:childTnLst>
-                                </p:cTn>
-                              </p:par>
-                            </p:childTnLst>
-                          </p:cTn>
-                        </p:par>
-                      </p:childTnLst>
-                    </p:cTn>
-                  </p:par>
-                </p:childTnLst>
-              </p:cTn>
-              <p:prevCondLst>
-                <p:cond evt="onPrev" delay="0">
-                  <p:tgtEl>
-                    <p:sldTgt/>
-                  </p:tgtEl>
-                </p:cond>
-              </p:prevCondLst>
-              <p:nextCondLst>
-                <p:cond evt="onNext" delay="0">
-                  <p:tgtEl>
-                    <p:sldTgt/>
-                  </p:tgtEl>
-                </p:cond>
-              </p:nextCondLst>
-            </p:seq>
-          </p:childTnLst>
-        </p:cTn>
-      </p:par>
-    </p:tnLst>
-    <p:bldLst>
-      <p:bldP spid="65539" grpId="0" build="p"/>
-    </p:bldLst>
-  </p:timing>
-</p:sld>
-</file>
-
-<file path=ppt/slides/slide28.xml><?xml version="1.0" encoding="utf-8"?>
-<p:sld xmlns:a="http://schemas.openxmlformats.org/drawingml/2006/main" xmlns:r="http://schemas.openxmlformats.org/officeDocument/2006/relationships" xmlns:p="http://schemas.openxmlformats.org/presentationml/2006/main" showMasterPhAnim="0">
-  <p:cSld>
-    <p:spTree>
-      <p:nvGrpSpPr>
-        <p:cNvPr id="1" name=""/>
-        <p:cNvGrpSpPr/>
-        <p:nvPr/>
-      </p:nvGrpSpPr>
-      <p:grpSpPr>
-        <a:xfrm>
-          <a:off x="0" y="0"/>
-          <a:ext cx="0" cy="0"/>
-          <a:chOff x="0" y="0"/>
-          <a:chExt cx="0" cy="0"/>
-        </a:xfrm>
-      </p:grpSpPr>
-      <p:sp>
-        <p:nvSpPr>
-          <p:cNvPr id="50178" name="Rectangle 2"/>
-          <p:cNvSpPr>
-            <a:spLocks noGrp="1" noChangeArrowheads="1"/>
-          </p:cNvSpPr>
-          <p:nvPr>
-            <p:ph type="title"/>
-          </p:nvPr>
-        </p:nvSpPr>
-        <p:spPr/>
-        <p:txBody>
-          <a:bodyPr/>
-          <a:lstStyle/>
-          <a:p>
-            <a:r>
-              <a:rPr lang="zh-CN" altLang="en-US"/>
-              <a:t>香蕉、苹果、梨子的关系</a:t>
-            </a:r>
-          </a:p>
-        </p:txBody>
-      </p:sp>
-      <p:pic>
-        <p:nvPicPr>
-          <p:cNvPr id="50180" name="Picture 4"/>
-          <p:cNvPicPr>
-            <a:picLocks noChangeAspect="1" noChangeArrowheads="1"/>
-          </p:cNvPicPr>
-          <p:nvPr/>
-        </p:nvPicPr>
-        <p:blipFill>
-          <a:blip r:embed="rId3">
-            <a:extLst>
-              <a:ext uri="{28A0092B-C50C-407E-A947-70E740481C1C}">
-                <a14:useLocalDpi xmlns:a14="http://schemas.microsoft.com/office/drawing/2010/main" val="0"/>
-              </a:ext>
-            </a:extLst>
-          </a:blip>
-          <a:srcRect/>
-          <a:stretch>
-            <a:fillRect/>
-          </a:stretch>
-        </p:blipFill>
-        <p:spPr bwMode="auto">
-          <a:xfrm>
-            <a:off x="2132012" y="2057400"/>
-            <a:ext cx="7543800" cy="3087688"/>
-          </a:xfrm>
-          <a:prstGeom prst="rect">
-            <a:avLst/>
-          </a:prstGeom>
-          <a:noFill/>
-          <a:ln>
-            <a:noFill/>
-          </a:ln>
-          <a:effectLst/>
-          <a:extLst>
-            <a:ext uri="{909E8E84-426E-40DD-AFC4-6F175D3DCCD1}">
-              <a14:hiddenFill xmlns:a14="http://schemas.microsoft.com/office/drawing/2010/main">
-                <a:solidFill>
-                  <a:schemeClr val="accent1"/>
-                </a:solidFill>
-              </a14:hiddenFill>
-            </a:ext>
-            <a:ext uri="{91240B29-F687-4F45-9708-019B960494DF}">
-              <a14:hiddenLine xmlns:a14="http://schemas.microsoft.com/office/drawing/2010/main" w="9525">
-                <a:solidFill>
-                  <a:schemeClr val="tx1"/>
-                </a:solidFill>
-                <a:miter lim="800000"/>
-                <a:headEnd/>
-                <a:tailEnd/>
-              </a14:hiddenLine>
-            </a:ext>
-            <a:ext uri="{AF507438-7753-43E0-B8FC-AC1667EBCBE1}">
-              <a14:hiddenEffects xmlns:a14="http://schemas.microsoft.com/office/drawing/2010/main">
-                <a:effectLst>
-                  <a:outerShdw dist="35921" dir="2700000" algn="ctr" rotWithShape="0">
-                    <a:schemeClr val="bg2"/>
-                  </a:outerShdw>
-                </a:effectLst>
-              </a14:hiddenEffects>
-            </a:ext>
-          </a:extLst>
-        </p:spPr>
-      </p:pic>
-    </p:spTree>
-    <p:extLst>
-      <p:ext uri="{BB962C8B-B14F-4D97-AF65-F5344CB8AC3E}">
-        <p14:creationId xmlns:p14="http://schemas.microsoft.com/office/powerpoint/2010/main" val="1624846802"/>
-      </p:ext>
-    </p:extLst>
-  </p:cSld>
-  <p:clrMapOvr>
-    <a:masterClrMapping/>
-  </p:clrMapOvr>
-  <mc:AlternateContent xmlns:mc="http://schemas.openxmlformats.org/markup-compatibility/2006" xmlns:p14="http://schemas.microsoft.com/office/powerpoint/2010/main">
-    <mc:Choice Requires="p14">
-      <p:transition spd="med" p14:dur="700">
-        <p:fade/>
-      </p:transition>
-    </mc:Choice>
-    <mc:Fallback xmlns="">
-      <p:transition spd="med">
-        <p:fade/>
-      </p:transition>
-    </mc:Fallback>
-  </mc:AlternateContent>
-  <p:timing>
-    <p:tnLst>
-      <p:par>
-        <p:cTn id="1" dur="indefinite" restart="never" nodeType="tmRoot">
-          <p:childTnLst>
-            <p:seq concurrent="1" nextAc="seek">
-              <p:cTn id="2" dur="indefinite" nodeType="mainSeq">
-                <p:childTnLst>
-                  <p:par>
-                    <p:cTn id="3" fill="hold" nodeType="clickPar">
-                      <p:stCondLst>
-                        <p:cond delay="indefinite"/>
-                      </p:stCondLst>
-                      <p:childTnLst>
-                        <p:par>
-                          <p:cTn id="4" fill="hold" nodeType="withGroup">
-                            <p:stCondLst>
-                              <p:cond delay="0"/>
-                            </p:stCondLst>
-                            <p:childTnLst>
-                              <p:par>
-                                <p:cTn id="5" presetID="3" presetClass="entr" presetSubtype="10" fill="hold" nodeType="clickEffect">
-                                  <p:stCondLst>
-                                    <p:cond delay="0"/>
-                                  </p:stCondLst>
-                                  <p:childTnLst>
-                                    <p:set>
-                                      <p:cBhvr>
-                                        <p:cTn id="6" dur="1" fill="hold">
-                                          <p:stCondLst>
-                                            <p:cond delay="0"/>
-                                          </p:stCondLst>
-                                        </p:cTn>
-                                        <p:tgtEl>
-                                          <p:spTgt spid="50180"/>
-                                        </p:tgtEl>
-                                        <p:attrNameLst>
-                                          <p:attrName>style.visibility</p:attrName>
-                                        </p:attrNameLst>
-                                      </p:cBhvr>
-                                      <p:to>
-                                        <p:strVal val="visible"/>
-                                      </p:to>
-                                    </p:set>
-                                    <p:animEffect transition="in" filter="blinds(horizontal)">
-                                      <p:cBhvr>
-                                        <p:cTn id="7" dur="500"/>
-                                        <p:tgtEl>
-                                          <p:spTgt spid="50180"/>
-                                        </p:tgtEl>
-                                      </p:cBhvr>
-                                    </p:animEffect>
-                                  </p:childTnLst>
-                                </p:cTn>
-                              </p:par>
-                            </p:childTnLst>
-                          </p:cTn>
-                        </p:par>
-                      </p:childTnLst>
-                    </p:cTn>
-                  </p:par>
-                </p:childTnLst>
-              </p:cTn>
-              <p:prevCondLst>
-                <p:cond evt="onPrev" delay="0">
-                  <p:tgtEl>
-                    <p:sldTgt/>
-                  </p:tgtEl>
-                </p:cond>
-              </p:prevCondLst>
-              <p:nextCondLst>
-                <p:cond evt="onNext" delay="0">
-                  <p:tgtEl>
-                    <p:sldTgt/>
-                  </p:tgtEl>
-                </p:cond>
-              </p:nextCondLst>
-            </p:seq>
-          </p:childTnLst>
-        </p:cTn>
-      </p:par>
-    </p:tnLst>
-  </p:timing>
-</p:sld>
-</file>
-
-<file path=ppt/slides/slide29.xml><?xml version="1.0" encoding="utf-8"?>
-<p:sld xmlns:a="http://schemas.openxmlformats.org/drawingml/2006/main" xmlns:r="http://schemas.openxmlformats.org/officeDocument/2006/relationships" xmlns:p="http://schemas.openxmlformats.org/presentationml/2006/main" showMasterPhAnim="0">
-  <p:cSld>
-    <p:spTree>
-      <p:nvGrpSpPr>
-        <p:cNvPr id="1" name=""/>
-        <p:cNvGrpSpPr/>
-        <p:nvPr/>
-      </p:nvGrpSpPr>
-      <p:grpSpPr>
-        <a:xfrm>
-          <a:off x="0" y="0"/>
-          <a:ext cx="0" cy="0"/>
-          <a:chOff x="0" y="0"/>
-          <a:chExt cx="0" cy="0"/>
-        </a:xfrm>
-      </p:grpSpPr>
-      <p:sp>
-        <p:nvSpPr>
-          <p:cNvPr id="67586" name="Rectangle 2"/>
-          <p:cNvSpPr>
-            <a:spLocks noGrp="1" noChangeArrowheads="1"/>
-          </p:cNvSpPr>
-          <p:nvPr>
-            <p:ph type="title"/>
-          </p:nvPr>
-        </p:nvSpPr>
-        <p:spPr/>
-        <p:txBody>
-          <a:bodyPr/>
-          <a:lstStyle/>
-          <a:p>
-            <a:r>
-              <a:rPr lang="zh-CN" altLang="en-US"/>
-              <a:t>练习</a:t>
-            </a:r>
-            <a:r>
-              <a:rPr lang="en-US" altLang="zh-CN"/>
-              <a:t>4</a:t>
-            </a:r>
-          </a:p>
-        </p:txBody>
-      </p:sp>
-      <p:sp>
-        <p:nvSpPr>
-          <p:cNvPr id="67587" name="Rectangle 3"/>
-          <p:cNvSpPr>
-            <a:spLocks noGrp="1" noChangeArrowheads="1"/>
-          </p:cNvSpPr>
-          <p:nvPr>
-            <p:ph type="body" idx="1"/>
-          </p:nvPr>
-        </p:nvSpPr>
-        <p:spPr/>
-        <p:txBody>
-          <a:bodyPr/>
-          <a:lstStyle/>
-          <a:p>
-            <a:r>
-              <a:rPr lang="zh-CN" altLang="en-US" dirty="0"/>
-              <a:t>请用类图描述</a:t>
-            </a:r>
-            <a:r>
-              <a:rPr lang="zh-CN" altLang="en-US" dirty="0" smtClean="0"/>
-              <a:t>我们你们学院的组织</a:t>
-            </a:r>
-            <a:r>
-              <a:rPr lang="zh-CN" altLang="en-US" dirty="0"/>
-              <a:t>架构</a:t>
-            </a:r>
-          </a:p>
-        </p:txBody>
-      </p:sp>
-    </p:spTree>
-    <p:extLst>
-      <p:ext uri="{BB962C8B-B14F-4D97-AF65-F5344CB8AC3E}">
-        <p14:creationId xmlns:p14="http://schemas.microsoft.com/office/powerpoint/2010/main" val="3659220316"/>
-      </p:ext>
-    </p:extLst>
-  </p:cSld>
-  <p:clrMapOvr>
-    <a:masterClrMapping/>
-  </p:clrMapOvr>
-  <mc:AlternateContent xmlns:mc="http://schemas.openxmlformats.org/markup-compatibility/2006" xmlns:p14="http://schemas.microsoft.com/office/powerpoint/2010/main">
-    <mc:Choice Requires="p14">
-      <p:transition spd="med" p14:dur="700">
-        <p:fade/>
-      </p:transition>
-    </mc:Choice>
-    <mc:Fallback xmlns="">
-      <p:transition spd="med">
-        <p:fade/>
-      </p:transition>
-    </mc:Fallback>
-  </mc:AlternateContent>
-  <p:timing>
-    <p:tnLst>
-      <p:par>
-        <p:cTn id="1" dur="indefinite" restart="never" nodeType="tmRoot">
-          <p:childTnLst>
-            <p:seq concurrent="1" nextAc="seek">
-              <p:cTn id="2" dur="indefinite" nodeType="mainSeq">
-                <p:childTnLst>
-                  <p:par>
-                    <p:cTn id="3" fill="hold" nodeType="clickPar">
-                      <p:stCondLst>
-                        <p:cond delay="indefinite"/>
-                      </p:stCondLst>
-                      <p:childTnLst>
-                        <p:par>
-                          <p:cTn id="4" fill="hold" nodeType="withGroup">
-                            <p:stCondLst>
-                              <p:cond delay="0"/>
-                            </p:stCondLst>
-                            <p:childTnLst>
-                              <p:par>
-                                <p:cTn id="5" presetID="1" presetClass="entr" presetSubtype="0" fill="hold" grpId="0" nodeType="clickEffect">
-                                  <p:stCondLst>
-                                    <p:cond delay="0"/>
-                                  </p:stCondLst>
-                                  <p:childTnLst>
-                                    <p:set>
-                                      <p:cBhvr>
-                                        <p:cTn id="6" dur="1" fill="hold">
-                                          <p:stCondLst>
-                                            <p:cond delay="0"/>
-                                          </p:stCondLst>
-                                        </p:cTn>
-                                        <p:tgtEl>
-                                          <p:spTgt spid="67587">
-                                            <p:txEl>
-                                              <p:pRg st="0" end="0"/>
-                                            </p:txEl>
-                                          </p:spTgt>
-                                        </p:tgtEl>
-                                        <p:attrNameLst>
-                                          <p:attrName>style.visibility</p:attrName>
-                                        </p:attrNameLst>
-                                      </p:cBhvr>
-                                      <p:to>
-                                        <p:strVal val="visible"/>
-                                      </p:to>
-                                    </p:set>
-                                  </p:childTnLst>
-                                </p:cTn>
-                              </p:par>
-                            </p:childTnLst>
-                          </p:cTn>
-                        </p:par>
-                      </p:childTnLst>
-                    </p:cTn>
-                  </p:par>
-                </p:childTnLst>
-              </p:cTn>
-              <p:prevCondLst>
-                <p:cond evt="onPrev" delay="0">
-                  <p:tgtEl>
-                    <p:sldTgt/>
-                  </p:tgtEl>
-                </p:cond>
-              </p:prevCondLst>
-              <p:nextCondLst>
-                <p:cond evt="onNext" delay="0">
-                  <p:tgtEl>
-                    <p:sldTgt/>
-                  </p:tgtEl>
-                </p:cond>
-              </p:nextCondLst>
-            </p:seq>
-          </p:childTnLst>
-        </p:cTn>
-      </p:par>
-    </p:tnLst>
-    <p:bldLst>
-      <p:bldP spid="67587" grpId="0" build="p"/>
-    </p:bldLst>
-  </p:timing>
-</p:sld>
-</file>
-
 <file path=ppt/slides/slide3.xml><?xml version="1.0" encoding="utf-8"?>
 <p:sld xmlns:a="http://schemas.openxmlformats.org/drawingml/2006/main" xmlns:r="http://schemas.openxmlformats.org/officeDocument/2006/relationships" xmlns:p="http://schemas.openxmlformats.org/presentationml/2006/main">
   <p:cSld>
@@ -29542,43 +30394,165 @@
           <a:lstStyle/>
           <a:p>
             <a:r>
-              <a:rPr lang="zh-CN" altLang="en-US" dirty="0" smtClean="0"/>
-              <a:t>需求调研</a:t>
+              <a:rPr lang="zh-CN" altLang="en-US" dirty="0"/>
+              <a:t>这里假设是去做一个</a:t>
+            </a:r>
+            <a:r>
+              <a:rPr lang="en-US" altLang="zh-CN" dirty="0"/>
+              <a:t>B2C</a:t>
+            </a:r>
+            <a:r>
+              <a:rPr lang="zh-CN" altLang="en-US" dirty="0"/>
+              <a:t>商城</a:t>
             </a:r>
             <a:endParaRPr lang="en-US" altLang="zh-CN" dirty="0" smtClean="0"/>
           </a:p>
           <a:p>
             <a:r>
               <a:rPr lang="zh-CN" altLang="en-US" dirty="0" smtClean="0"/>
-              <a:t>分析用户现状</a:t>
+              <a:t>需求调研</a:t>
+            </a:r>
+            <a:r>
+              <a:rPr lang="en-US" altLang="zh-CN" dirty="0" smtClean="0"/>
+              <a:t>(</a:t>
+            </a:r>
+            <a:r>
+              <a:rPr lang="zh-CN" altLang="en-US" dirty="0"/>
+              <a:t>收集需求的时候要和客户或相关部门一一</a:t>
+            </a:r>
+            <a:r>
+              <a:rPr lang="zh-CN" altLang="en-US" dirty="0" smtClean="0"/>
+              <a:t>确认</a:t>
+            </a:r>
+            <a:r>
+              <a:rPr lang="en-US" altLang="zh-CN" dirty="0" smtClean="0"/>
+              <a:t>,</a:t>
+            </a:r>
+            <a:r>
+              <a:rPr lang="zh-CN" altLang="en-US" dirty="0" smtClean="0"/>
+              <a:t>并形成正式的文件或其它记录</a:t>
+            </a:r>
+            <a:r>
+              <a:rPr lang="en-US" altLang="zh-CN" dirty="0" smtClean="0"/>
+              <a:t>)</a:t>
+            </a:r>
+          </a:p>
+          <a:p>
+            <a:r>
+              <a:rPr lang="zh-CN" altLang="en-US" dirty="0" smtClean="0"/>
+              <a:t>分析用户现状（用户购物的习惯</a:t>
+            </a:r>
+            <a:r>
+              <a:rPr lang="en-US" altLang="zh-CN" dirty="0" smtClean="0"/>
+              <a:t>,</a:t>
+            </a:r>
+            <a:r>
+              <a:rPr lang="zh-CN" altLang="en-US" dirty="0" smtClean="0"/>
+              <a:t>使用的终端，</a:t>
+            </a:r>
+            <a:r>
+              <a:rPr lang="zh-CN" altLang="en-US" dirty="0"/>
+              <a:t>侧重</a:t>
+            </a:r>
+            <a:r>
+              <a:rPr lang="zh-CN" altLang="en-US" dirty="0" smtClean="0"/>
+              <a:t>网站还是</a:t>
+            </a:r>
+            <a:r>
+              <a:rPr lang="en-US" altLang="zh-CN" dirty="0" smtClean="0"/>
+              <a:t>App</a:t>
+            </a:r>
+            <a:r>
+              <a:rPr lang="zh-CN" altLang="en-US" dirty="0" smtClean="0"/>
+              <a:t>）</a:t>
             </a:r>
             <a:endParaRPr lang="en-US" altLang="zh-CN" dirty="0" smtClean="0"/>
           </a:p>
           <a:p>
             <a:r>
+              <a:rPr lang="zh-CN" altLang="en-US" dirty="0" smtClean="0"/>
+              <a:t>分析</a:t>
+            </a:r>
+            <a:r>
               <a:rPr lang="zh-CN" altLang="en-US" dirty="0"/>
-              <a:t>分析业务模型、核心对象</a:t>
+              <a:t>业务模型、核心</a:t>
+            </a:r>
+            <a:r>
+              <a:rPr lang="zh-CN" altLang="en-US" dirty="0" smtClean="0"/>
+              <a:t>对象（</a:t>
+            </a:r>
+            <a:r>
+              <a:rPr lang="zh-CN" altLang="en-US" dirty="0"/>
+              <a:t>客户、商品、购物车</a:t>
+            </a:r>
+            <a:r>
+              <a:rPr lang="zh-CN" altLang="en-US" dirty="0" smtClean="0"/>
+              <a:t>、订单</a:t>
+            </a:r>
+            <a:r>
+              <a:rPr lang="zh-CN" altLang="en-US" dirty="0" smtClean="0"/>
+              <a:t>）</a:t>
             </a:r>
             <a:endParaRPr lang="en-US" altLang="zh-CN" dirty="0"/>
           </a:p>
           <a:p>
             <a:r>
               <a:rPr lang="zh-CN" altLang="en-US" dirty="0" smtClean="0"/>
-              <a:t>分析业务流程</a:t>
+              <a:t>分析业务</a:t>
+            </a:r>
+            <a:r>
+              <a:rPr lang="zh-CN" altLang="en-US" dirty="0" smtClean="0"/>
+              <a:t>流程（浏览商品</a:t>
+            </a:r>
+            <a:r>
+              <a:rPr lang="en-US" altLang="zh-CN" dirty="0" smtClean="0"/>
+              <a:t>-</a:t>
+            </a:r>
+            <a:r>
+              <a:rPr lang="zh-CN" altLang="en-US" dirty="0" smtClean="0"/>
+              <a:t>加入购物车</a:t>
+            </a:r>
+            <a:r>
+              <a:rPr lang="en-US" altLang="zh-CN" dirty="0" smtClean="0"/>
+              <a:t>-</a:t>
+            </a:r>
+            <a:r>
+              <a:rPr lang="zh-CN" altLang="en-US" dirty="0" smtClean="0"/>
+              <a:t>创建订单</a:t>
+            </a:r>
+            <a:r>
+              <a:rPr lang="en-US" altLang="zh-CN" dirty="0" smtClean="0"/>
+              <a:t>-</a:t>
+            </a:r>
+            <a:r>
+              <a:rPr lang="zh-CN" altLang="en-US" dirty="0" smtClean="0"/>
+              <a:t>支付）</a:t>
             </a:r>
             <a:endParaRPr lang="en-US" altLang="zh-CN" dirty="0" smtClean="0"/>
           </a:p>
           <a:p>
             <a:r>
               <a:rPr lang="zh-CN" altLang="en-US" dirty="0" smtClean="0"/>
-              <a:t>分析功能模块</a:t>
+              <a:t>分析功能</a:t>
+            </a:r>
+            <a:r>
+              <a:rPr lang="zh-CN" altLang="en-US" dirty="0" smtClean="0"/>
+              <a:t>模块（订单管理）</a:t>
             </a:r>
             <a:endParaRPr lang="en-US" altLang="zh-CN" dirty="0" smtClean="0"/>
           </a:p>
           <a:p>
             <a:r>
               <a:rPr lang="zh-CN" altLang="en-US" dirty="0" smtClean="0"/>
-              <a:t>分析功能点</a:t>
+              <a:t>分析功能</a:t>
+            </a:r>
+            <a:r>
+              <a:rPr lang="zh-CN" altLang="en-US" dirty="0" smtClean="0"/>
+              <a:t>点（创建订单，</a:t>
+            </a:r>
+            <a:r>
+              <a:rPr lang="zh-CN" altLang="en-US" dirty="0"/>
+              <a:t>删除订单，订单查看，订单支付）</a:t>
             </a:r>
             <a:endParaRPr lang="en-US" altLang="zh-CN" dirty="0" smtClean="0"/>
           </a:p>
@@ -29613,13 +30587,13 @@
   <p:clrMapOvr>
     <a:masterClrMapping/>
   </p:clrMapOvr>
-  <mc:AlternateContent xmlns:mc="http://schemas.openxmlformats.org/markup-compatibility/2006">
-    <mc:Choice xmlns:p14="http://schemas.microsoft.com/office/powerpoint/2010/main" Requires="p14">
+  <mc:AlternateContent xmlns:mc="http://schemas.openxmlformats.org/markup-compatibility/2006" xmlns:p14="http://schemas.microsoft.com/office/powerpoint/2010/main">
+    <mc:Choice Requires="p14">
       <p:transition spd="med" p14:dur="700">
         <p:fade/>
       </p:transition>
     </mc:Choice>
-    <mc:Fallback>
+    <mc:Fallback xmlns="">
       <p:transition spd="med">
         <p:fade/>
       </p:transition>
@@ -29661,7 +30635,7 @@
                                         <p:tgtEl>
                                           <p:spTgt spid="3">
                                             <p:txEl>
-                                              <p:pRg st="0" end="0"/>
+                                              <p:pRg st="1" end="1"/>
                                             </p:txEl>
                                           </p:spTgt>
                                         </p:tgtEl>
@@ -29679,7 +30653,7 @@
                                         <p:tgtEl>
                                           <p:spTgt spid="3">
                                             <p:txEl>
-                                              <p:pRg st="0" end="0"/>
+                                              <p:pRg st="1" end="1"/>
                                             </p:txEl>
                                           </p:spTgt>
                                         </p:tgtEl>
@@ -29706,7 +30680,7 @@
                                         <p:tgtEl>
                                           <p:spTgt spid="3">
                                             <p:txEl>
-                                              <p:pRg st="0" end="0"/>
+                                              <p:pRg st="1" end="1"/>
                                             </p:txEl>
                                           </p:spTgt>
                                         </p:tgtEl>
@@ -29764,7 +30738,7 @@
                                         <p:tgtEl>
                                           <p:spTgt spid="3">
                                             <p:txEl>
-                                              <p:pRg st="1" end="1"/>
+                                              <p:pRg st="0" end="0"/>
                                             </p:txEl>
                                           </p:spTgt>
                                         </p:tgtEl>
@@ -29782,7 +30756,7 @@
                                         <p:tgtEl>
                                           <p:spTgt spid="3">
                                             <p:txEl>
-                                              <p:pRg st="1" end="1"/>
+                                              <p:pRg st="0" end="0"/>
                                             </p:txEl>
                                           </p:spTgt>
                                         </p:tgtEl>
@@ -29809,7 +30783,7 @@
                                         <p:tgtEl>
                                           <p:spTgt spid="3">
                                             <p:txEl>
-                                              <p:pRg st="1" end="1"/>
+                                              <p:pRg st="0" end="0"/>
                                             </p:txEl>
                                           </p:spTgt>
                                         </p:tgtEl>
@@ -30354,6 +31328,109 @@
                       </p:childTnLst>
                     </p:cTn>
                   </p:par>
+                  <p:par>
+                    <p:cTn id="45" fill="hold">
+                      <p:stCondLst>
+                        <p:cond delay="indefinite"/>
+                      </p:stCondLst>
+                      <p:childTnLst>
+                        <p:par>
+                          <p:cTn id="46" fill="hold">
+                            <p:stCondLst>
+                              <p:cond delay="0"/>
+                            </p:stCondLst>
+                            <p:childTnLst>
+                              <p:par>
+                                <p:cTn id="47" presetID="2" presetClass="entr" presetSubtype="4" fill="hold" nodeType="clickEffect">
+                                  <p:stCondLst>
+                                    <p:cond delay="0"/>
+                                  </p:stCondLst>
+                                  <p:childTnLst>
+                                    <p:set>
+                                      <p:cBhvr>
+                                        <p:cTn id="48" dur="1" fill="hold">
+                                          <p:stCondLst>
+                                            <p:cond delay="0"/>
+                                          </p:stCondLst>
+                                        </p:cTn>
+                                        <p:tgtEl>
+                                          <p:spTgt spid="3">
+                                            <p:txEl>
+                                              <p:pRg st="7" end="7"/>
+                                            </p:txEl>
+                                          </p:spTgt>
+                                        </p:tgtEl>
+                                        <p:attrNameLst>
+                                          <p:attrName>style.visibility</p:attrName>
+                                        </p:attrNameLst>
+                                      </p:cBhvr>
+                                      <p:to>
+                                        <p:strVal val="visible"/>
+                                      </p:to>
+                                    </p:set>
+                                    <p:anim calcmode="lin" valueType="num">
+                                      <p:cBhvr additive="base">
+                                        <p:cTn id="49" dur="500" fill="hold"/>
+                                        <p:tgtEl>
+                                          <p:spTgt spid="3">
+                                            <p:txEl>
+                                              <p:pRg st="7" end="7"/>
+                                            </p:txEl>
+                                          </p:spTgt>
+                                        </p:tgtEl>
+                                        <p:attrNameLst>
+                                          <p:attrName>ppt_x</p:attrName>
+                                        </p:attrNameLst>
+                                      </p:cBhvr>
+                                      <p:tavLst>
+                                        <p:tav tm="0">
+                                          <p:val>
+                                            <p:strVal val="#ppt_x"/>
+                                          </p:val>
+                                        </p:tav>
+                                        <p:tav tm="100000">
+                                          <p:val>
+                                            <p:strVal val="#ppt_x"/>
+                                          </p:val>
+                                        </p:tav>
+                                      </p:tavLst>
+                                    </p:anim>
+                                    <p:anim calcmode="lin" valueType="num">
+                                      <p:cBhvr additive="base">
+                                        <p:cTn id="50" dur="500" fill="hold"/>
+                                        <p:tgtEl>
+                                          <p:spTgt spid="3">
+                                            <p:txEl>
+                                              <p:pRg st="7" end="7"/>
+                                            </p:txEl>
+                                          </p:spTgt>
+                                        </p:tgtEl>
+                                        <p:attrNameLst>
+                                          <p:attrName>ppt_y</p:attrName>
+                                        </p:attrNameLst>
+                                      </p:cBhvr>
+                                      <p:tavLst>
+                                        <p:tav tm="0">
+                                          <p:val>
+                                            <p:strVal val="1+#ppt_h/2"/>
+                                          </p:val>
+                                        </p:tav>
+                                        <p:tav tm="100000">
+                                          <p:val>
+                                            <p:strVal val="#ppt_y"/>
+                                          </p:val>
+                                        </p:tav>
+                                      </p:tavLst>
+                                    </p:anim>
+                                  </p:childTnLst>
+                                </p:cTn>
+                              </p:par>
+                            </p:childTnLst>
+                          </p:cTn>
+                        </p:par>
+                      </p:childTnLst>
+                    </p:cTn>
+                  </p:par>
                 </p:childTnLst>
               </p:cTn>
               <p:prevCondLst>
@@ -30380,6 +31457,780 @@
 </file>
 
 <file path=ppt/slides/slide30.xml><?xml version="1.0" encoding="utf-8"?>
+<p:sld xmlns:a="http://schemas.openxmlformats.org/drawingml/2006/main" xmlns:r="http://schemas.openxmlformats.org/officeDocument/2006/relationships" xmlns:p="http://schemas.openxmlformats.org/presentationml/2006/main" showMasterPhAnim="0">
+  <p:cSld>
+    <p:spTree>
+      <p:nvGrpSpPr>
+        <p:cNvPr id="1" name=""/>
+        <p:cNvGrpSpPr/>
+        <p:nvPr/>
+      </p:nvGrpSpPr>
+      <p:grpSpPr>
+        <a:xfrm>
+          <a:off x="0" y="0"/>
+          <a:ext cx="0" cy="0"/>
+          <a:chOff x="0" y="0"/>
+          <a:chExt cx="0" cy="0"/>
+        </a:xfrm>
+      </p:grpSpPr>
+      <p:sp>
+        <p:nvSpPr>
+          <p:cNvPr id="49154" name="Rectangle 2"/>
+          <p:cNvSpPr>
+            <a:spLocks noGrp="1" noChangeArrowheads="1"/>
+          </p:cNvSpPr>
+          <p:nvPr>
+            <p:ph type="title"/>
+          </p:nvPr>
+        </p:nvSpPr>
+        <p:spPr/>
+        <p:txBody>
+          <a:bodyPr/>
+          <a:lstStyle/>
+          <a:p>
+            <a:r>
+              <a:rPr lang="zh-CN" altLang="en-US"/>
+              <a:t>公司、雇员的关系</a:t>
+            </a:r>
+          </a:p>
+        </p:txBody>
+      </p:sp>
+      <p:pic>
+        <p:nvPicPr>
+          <p:cNvPr id="49157" name="Picture 5"/>
+          <p:cNvPicPr>
+            <a:picLocks noChangeAspect="1" noChangeArrowheads="1"/>
+          </p:cNvPicPr>
+          <p:nvPr/>
+        </p:nvPicPr>
+        <p:blipFill>
+          <a:blip r:embed="rId3">
+            <a:extLst>
+              <a:ext uri="{28A0092B-C50C-407E-A947-70E740481C1C}">
+                <a14:useLocalDpi xmlns:a14="http://schemas.microsoft.com/office/drawing/2010/main" val="0"/>
+              </a:ext>
+            </a:extLst>
+          </a:blip>
+          <a:srcRect/>
+          <a:stretch>
+            <a:fillRect/>
+          </a:stretch>
+        </p:blipFill>
+        <p:spPr bwMode="auto">
+          <a:xfrm>
+            <a:off x="2284412" y="2514600"/>
+            <a:ext cx="7467600" cy="1720850"/>
+          </a:xfrm>
+          <a:prstGeom prst="rect">
+            <a:avLst/>
+          </a:prstGeom>
+          <a:noFill/>
+          <a:ln>
+            <a:noFill/>
+          </a:ln>
+          <a:effectLst/>
+          <a:extLst>
+            <a:ext uri="{909E8E84-426E-40DD-AFC4-6F175D3DCCD1}">
+              <a14:hiddenFill xmlns:a14="http://schemas.microsoft.com/office/drawing/2010/main">
+                <a:solidFill>
+                  <a:schemeClr val="accent1"/>
+                </a:solidFill>
+              </a14:hiddenFill>
+            </a:ext>
+            <a:ext uri="{91240B29-F687-4F45-9708-019B960494DF}">
+              <a14:hiddenLine xmlns:a14="http://schemas.microsoft.com/office/drawing/2010/main" w="9525">
+                <a:solidFill>
+                  <a:schemeClr val="tx1"/>
+                </a:solidFill>
+                <a:miter lim="800000"/>
+                <a:headEnd/>
+                <a:tailEnd/>
+              </a14:hiddenLine>
+            </a:ext>
+            <a:ext uri="{AF507438-7753-43E0-B8FC-AC1667EBCBE1}">
+              <a14:hiddenEffects xmlns:a14="http://schemas.microsoft.com/office/drawing/2010/main">
+                <a:effectLst>
+                  <a:outerShdw dist="35921" dir="2700000" algn="ctr" rotWithShape="0">
+                    <a:schemeClr val="bg2"/>
+                  </a:outerShdw>
+                </a:effectLst>
+              </a14:hiddenEffects>
+            </a:ext>
+          </a:extLst>
+        </p:spPr>
+      </p:pic>
+    </p:spTree>
+    <p:extLst>
+      <p:ext uri="{BB962C8B-B14F-4D97-AF65-F5344CB8AC3E}">
+        <p14:creationId xmlns:p14="http://schemas.microsoft.com/office/powerpoint/2010/main" val="3914451096"/>
+      </p:ext>
+    </p:extLst>
+  </p:cSld>
+  <p:clrMapOvr>
+    <a:masterClrMapping/>
+  </p:clrMapOvr>
+  <mc:AlternateContent xmlns:mc="http://schemas.openxmlformats.org/markup-compatibility/2006" xmlns:p14="http://schemas.microsoft.com/office/powerpoint/2010/main">
+    <mc:Choice Requires="p14">
+      <p:transition spd="med" p14:dur="700">
+        <p:fade/>
+      </p:transition>
+    </mc:Choice>
+    <mc:Fallback xmlns="">
+      <p:transition spd="med">
+        <p:fade/>
+      </p:transition>
+    </mc:Fallback>
+  </mc:AlternateContent>
+  <p:timing>
+    <p:tnLst>
+      <p:par>
+        <p:cTn id="1" dur="indefinite" restart="never" nodeType="tmRoot">
+          <p:childTnLst>
+            <p:seq concurrent="1" nextAc="seek">
+              <p:cTn id="2" dur="indefinite" nodeType="mainSeq">
+                <p:childTnLst>
+                  <p:par>
+                    <p:cTn id="3" fill="hold" nodeType="clickPar">
+                      <p:stCondLst>
+                        <p:cond delay="indefinite"/>
+                      </p:stCondLst>
+                      <p:childTnLst>
+                        <p:par>
+                          <p:cTn id="4" fill="hold" nodeType="withGroup">
+                            <p:stCondLst>
+                              <p:cond delay="0"/>
+                            </p:stCondLst>
+                            <p:childTnLst>
+                              <p:par>
+                                <p:cTn id="5" presetID="3" presetClass="entr" presetSubtype="10" fill="hold" nodeType="clickEffect">
+                                  <p:stCondLst>
+                                    <p:cond delay="0"/>
+                                  </p:stCondLst>
+                                  <p:childTnLst>
+                                    <p:set>
+                                      <p:cBhvr>
+                                        <p:cTn id="6" dur="1" fill="hold">
+                                          <p:stCondLst>
+                                            <p:cond delay="0"/>
+                                          </p:stCondLst>
+                                        </p:cTn>
+                                        <p:tgtEl>
+                                          <p:spTgt spid="49157"/>
+                                        </p:tgtEl>
+                                        <p:attrNameLst>
+                                          <p:attrName>style.visibility</p:attrName>
+                                        </p:attrNameLst>
+                                      </p:cBhvr>
+                                      <p:to>
+                                        <p:strVal val="visible"/>
+                                      </p:to>
+                                    </p:set>
+                                    <p:animEffect transition="in" filter="blinds(horizontal)">
+                                      <p:cBhvr>
+                                        <p:cTn id="7" dur="500"/>
+                                        <p:tgtEl>
+                                          <p:spTgt spid="49157"/>
+                                        </p:tgtEl>
+                                      </p:cBhvr>
+                                    </p:animEffect>
+                                  </p:childTnLst>
+                                </p:cTn>
+                              </p:par>
+                            </p:childTnLst>
+                          </p:cTn>
+                        </p:par>
+                      </p:childTnLst>
+                    </p:cTn>
+                  </p:par>
+                </p:childTnLst>
+              </p:cTn>
+              <p:prevCondLst>
+                <p:cond evt="onPrev" delay="0">
+                  <p:tgtEl>
+                    <p:sldTgt/>
+                  </p:tgtEl>
+                </p:cond>
+              </p:prevCondLst>
+              <p:nextCondLst>
+                <p:cond evt="onNext" delay="0">
+                  <p:tgtEl>
+                    <p:sldTgt/>
+                  </p:tgtEl>
+                </p:cond>
+              </p:nextCondLst>
+            </p:seq>
+          </p:childTnLst>
+        </p:cTn>
+      </p:par>
+    </p:tnLst>
+  </p:timing>
+</p:sld>
+</file>
+
+<file path=ppt/slides/slide31.xml><?xml version="1.0" encoding="utf-8"?>
+<p:sld xmlns:a="http://schemas.openxmlformats.org/drawingml/2006/main" xmlns:r="http://schemas.openxmlformats.org/officeDocument/2006/relationships" xmlns:p="http://schemas.openxmlformats.org/presentationml/2006/main" showMasterPhAnim="0">
+  <p:cSld>
+    <p:spTree>
+      <p:nvGrpSpPr>
+        <p:cNvPr id="1" name=""/>
+        <p:cNvGrpSpPr/>
+        <p:nvPr/>
+      </p:nvGrpSpPr>
+      <p:grpSpPr>
+        <a:xfrm>
+          <a:off x="0" y="0"/>
+          <a:ext cx="0" cy="0"/>
+          <a:chOff x="0" y="0"/>
+          <a:chExt cx="0" cy="0"/>
+        </a:xfrm>
+      </p:grpSpPr>
+      <p:sp>
+        <p:nvSpPr>
+          <p:cNvPr id="65538" name="Rectangle 2"/>
+          <p:cNvSpPr>
+            <a:spLocks noGrp="1" noChangeArrowheads="1"/>
+          </p:cNvSpPr>
+          <p:nvPr>
+            <p:ph type="title"/>
+          </p:nvPr>
+        </p:nvSpPr>
+        <p:spPr/>
+        <p:txBody>
+          <a:bodyPr/>
+          <a:lstStyle/>
+          <a:p>
+            <a:r>
+              <a:rPr lang="zh-CN" altLang="en-US"/>
+              <a:t>练习</a:t>
+            </a:r>
+            <a:r>
+              <a:rPr lang="en-US" altLang="zh-CN"/>
+              <a:t>3</a:t>
+            </a:r>
+          </a:p>
+        </p:txBody>
+      </p:sp>
+      <p:sp>
+        <p:nvSpPr>
+          <p:cNvPr id="65539" name="Rectangle 3"/>
+          <p:cNvSpPr>
+            <a:spLocks noGrp="1" noChangeArrowheads="1"/>
+          </p:cNvSpPr>
+          <p:nvPr>
+            <p:ph type="body" idx="1"/>
+          </p:nvPr>
+        </p:nvSpPr>
+        <p:spPr/>
+        <p:txBody>
+          <a:bodyPr/>
+          <a:lstStyle/>
+          <a:p>
+            <a:r>
+              <a:rPr lang="zh-CN" altLang="en-US"/>
+              <a:t>请用类图描述香蕉、苹果、梨子的关系</a:t>
+            </a:r>
+          </a:p>
+        </p:txBody>
+      </p:sp>
+    </p:spTree>
+    <p:extLst>
+      <p:ext uri="{BB962C8B-B14F-4D97-AF65-F5344CB8AC3E}">
+        <p14:creationId xmlns:p14="http://schemas.microsoft.com/office/powerpoint/2010/main" val="1878989995"/>
+      </p:ext>
+    </p:extLst>
+  </p:cSld>
+  <p:clrMapOvr>
+    <a:masterClrMapping/>
+  </p:clrMapOvr>
+  <mc:AlternateContent xmlns:mc="http://schemas.openxmlformats.org/markup-compatibility/2006" xmlns:p14="http://schemas.microsoft.com/office/powerpoint/2010/main">
+    <mc:Choice Requires="p14">
+      <p:transition spd="med" p14:dur="700">
+        <p:fade/>
+      </p:transition>
+    </mc:Choice>
+    <mc:Fallback xmlns="">
+      <p:transition spd="med">
+        <p:fade/>
+      </p:transition>
+    </mc:Fallback>
+  </mc:AlternateContent>
+  <p:timing>
+    <p:tnLst>
+      <p:par>
+        <p:cTn id="1" dur="indefinite" restart="never" nodeType="tmRoot">
+          <p:childTnLst>
+            <p:seq concurrent="1" nextAc="seek">
+              <p:cTn id="2" dur="indefinite" nodeType="mainSeq">
+                <p:childTnLst>
+                  <p:par>
+                    <p:cTn id="3" fill="hold" nodeType="clickPar">
+                      <p:stCondLst>
+                        <p:cond delay="indefinite"/>
+                      </p:stCondLst>
+                      <p:childTnLst>
+                        <p:par>
+                          <p:cTn id="4" fill="hold" nodeType="withGroup">
+                            <p:stCondLst>
+                              <p:cond delay="0"/>
+                            </p:stCondLst>
+                            <p:childTnLst>
+                              <p:par>
+                                <p:cTn id="5" presetID="1" presetClass="entr" presetSubtype="0" fill="hold" grpId="0" nodeType="clickEffect">
+                                  <p:stCondLst>
+                                    <p:cond delay="0"/>
+                                  </p:stCondLst>
+                                  <p:childTnLst>
+                                    <p:set>
+                                      <p:cBhvr>
+                                        <p:cTn id="6" dur="1" fill="hold">
+                                          <p:stCondLst>
+                                            <p:cond delay="0"/>
+                                          </p:stCondLst>
+                                        </p:cTn>
+                                        <p:tgtEl>
+                                          <p:spTgt spid="65539">
+                                            <p:txEl>
+                                              <p:pRg st="0" end="0"/>
+                                            </p:txEl>
+                                          </p:spTgt>
+                                        </p:tgtEl>
+                                        <p:attrNameLst>
+                                          <p:attrName>style.visibility</p:attrName>
+                                        </p:attrNameLst>
+                                      </p:cBhvr>
+                                      <p:to>
+                                        <p:strVal val="visible"/>
+                                      </p:to>
+                                    </p:set>
+                                  </p:childTnLst>
+                                </p:cTn>
+                              </p:par>
+                            </p:childTnLst>
+                          </p:cTn>
+                        </p:par>
+                      </p:childTnLst>
+                    </p:cTn>
+                  </p:par>
+                </p:childTnLst>
+              </p:cTn>
+              <p:prevCondLst>
+                <p:cond evt="onPrev" delay="0">
+                  <p:tgtEl>
+                    <p:sldTgt/>
+                  </p:tgtEl>
+                </p:cond>
+              </p:prevCondLst>
+              <p:nextCondLst>
+                <p:cond evt="onNext" delay="0">
+                  <p:tgtEl>
+                    <p:sldTgt/>
+                  </p:tgtEl>
+                </p:cond>
+              </p:nextCondLst>
+            </p:seq>
+          </p:childTnLst>
+        </p:cTn>
+      </p:par>
+    </p:tnLst>
+    <p:bldLst>
+      <p:bldP spid="65539" grpId="0" build="p"/>
+    </p:bldLst>
+  </p:timing>
+</p:sld>
+</file>
+
+<file path=ppt/slides/slide32.xml><?xml version="1.0" encoding="utf-8"?>
+<p:sld xmlns:a="http://schemas.openxmlformats.org/drawingml/2006/main" xmlns:r="http://schemas.openxmlformats.org/officeDocument/2006/relationships" xmlns:p="http://schemas.openxmlformats.org/presentationml/2006/main" showMasterPhAnim="0">
+  <p:cSld>
+    <p:spTree>
+      <p:nvGrpSpPr>
+        <p:cNvPr id="1" name=""/>
+        <p:cNvGrpSpPr/>
+        <p:nvPr/>
+      </p:nvGrpSpPr>
+      <p:grpSpPr>
+        <a:xfrm>
+          <a:off x="0" y="0"/>
+          <a:ext cx="0" cy="0"/>
+          <a:chOff x="0" y="0"/>
+          <a:chExt cx="0" cy="0"/>
+        </a:xfrm>
+      </p:grpSpPr>
+      <p:sp>
+        <p:nvSpPr>
+          <p:cNvPr id="50178" name="Rectangle 2"/>
+          <p:cNvSpPr>
+            <a:spLocks noGrp="1" noChangeArrowheads="1"/>
+          </p:cNvSpPr>
+          <p:nvPr>
+            <p:ph type="title"/>
+          </p:nvPr>
+        </p:nvSpPr>
+        <p:spPr/>
+        <p:txBody>
+          <a:bodyPr/>
+          <a:lstStyle/>
+          <a:p>
+            <a:r>
+              <a:rPr lang="zh-CN" altLang="en-US"/>
+              <a:t>香蕉、苹果、梨子的关系</a:t>
+            </a:r>
+          </a:p>
+        </p:txBody>
+      </p:sp>
+      <p:pic>
+        <p:nvPicPr>
+          <p:cNvPr id="50180" name="Picture 4"/>
+          <p:cNvPicPr>
+            <a:picLocks noChangeAspect="1" noChangeArrowheads="1"/>
+          </p:cNvPicPr>
+          <p:nvPr/>
+        </p:nvPicPr>
+        <p:blipFill>
+          <a:blip r:embed="rId3">
+            <a:extLst>
+              <a:ext uri="{28A0092B-C50C-407E-A947-70E740481C1C}">
+                <a14:useLocalDpi xmlns:a14="http://schemas.microsoft.com/office/drawing/2010/main" val="0"/>
+              </a:ext>
+            </a:extLst>
+          </a:blip>
+          <a:srcRect/>
+          <a:stretch>
+            <a:fillRect/>
+          </a:stretch>
+        </p:blipFill>
+        <p:spPr bwMode="auto">
+          <a:xfrm>
+            <a:off x="2132012" y="2057400"/>
+            <a:ext cx="7543800" cy="3087688"/>
+          </a:xfrm>
+          <a:prstGeom prst="rect">
+            <a:avLst/>
+          </a:prstGeom>
+          <a:noFill/>
+          <a:ln>
+            <a:noFill/>
+          </a:ln>
+          <a:effectLst/>
+          <a:extLst>
+            <a:ext uri="{909E8E84-426E-40DD-AFC4-6F175D3DCCD1}">
+              <a14:hiddenFill xmlns:a14="http://schemas.microsoft.com/office/drawing/2010/main">
+                <a:solidFill>
+                  <a:schemeClr val="accent1"/>
+                </a:solidFill>
+              </a14:hiddenFill>
+            </a:ext>
+            <a:ext uri="{91240B29-F687-4F45-9708-019B960494DF}">
+              <a14:hiddenLine xmlns:a14="http://schemas.microsoft.com/office/drawing/2010/main" w="9525">
+                <a:solidFill>
+                  <a:schemeClr val="tx1"/>
+                </a:solidFill>
+                <a:miter lim="800000"/>
+                <a:headEnd/>
+                <a:tailEnd/>
+              </a14:hiddenLine>
+            </a:ext>
+            <a:ext uri="{AF507438-7753-43E0-B8FC-AC1667EBCBE1}">
+              <a14:hiddenEffects xmlns:a14="http://schemas.microsoft.com/office/drawing/2010/main">
+                <a:effectLst>
+                  <a:outerShdw dist="35921" dir="2700000" algn="ctr" rotWithShape="0">
+                    <a:schemeClr val="bg2"/>
+                  </a:outerShdw>
+                </a:effectLst>
+              </a14:hiddenEffects>
+            </a:ext>
+          </a:extLst>
+        </p:spPr>
+      </p:pic>
+    </p:spTree>
+    <p:extLst>
+      <p:ext uri="{BB962C8B-B14F-4D97-AF65-F5344CB8AC3E}">
+        <p14:creationId xmlns:p14="http://schemas.microsoft.com/office/powerpoint/2010/main" val="1624846802"/>
+      </p:ext>
+    </p:extLst>
+  </p:cSld>
+  <p:clrMapOvr>
+    <a:masterClrMapping/>
+  </p:clrMapOvr>
+  <mc:AlternateContent xmlns:mc="http://schemas.openxmlformats.org/markup-compatibility/2006" xmlns:p14="http://schemas.microsoft.com/office/powerpoint/2010/main">
+    <mc:Choice Requires="p14">
+      <p:transition spd="med" p14:dur="700">
+        <p:fade/>
+      </p:transition>
+    </mc:Choice>
+    <mc:Fallback xmlns="">
+      <p:transition spd="med">
+        <p:fade/>
+      </p:transition>
+    </mc:Fallback>
+  </mc:AlternateContent>
+  <p:timing>
+    <p:tnLst>
+      <p:par>
+        <p:cTn id="1" dur="indefinite" restart="never" nodeType="tmRoot">
+          <p:childTnLst>
+            <p:seq concurrent="1" nextAc="seek">
+              <p:cTn id="2" dur="indefinite" nodeType="mainSeq">
+                <p:childTnLst>
+                  <p:par>
+                    <p:cTn id="3" fill="hold" nodeType="clickPar">
+                      <p:stCondLst>
+                        <p:cond delay="indefinite"/>
+                      </p:stCondLst>
+                      <p:childTnLst>
+                        <p:par>
+                          <p:cTn id="4" fill="hold" nodeType="withGroup">
+                            <p:stCondLst>
+                              <p:cond delay="0"/>
+                            </p:stCondLst>
+                            <p:childTnLst>
+                              <p:par>
+                                <p:cTn id="5" presetID="3" presetClass="entr" presetSubtype="10" fill="hold" nodeType="clickEffect">
+                                  <p:stCondLst>
+                                    <p:cond delay="0"/>
+                                  </p:stCondLst>
+                                  <p:childTnLst>
+                                    <p:set>
+                                      <p:cBhvr>
+                                        <p:cTn id="6" dur="1" fill="hold">
+                                          <p:stCondLst>
+                                            <p:cond delay="0"/>
+                                          </p:stCondLst>
+                                        </p:cTn>
+                                        <p:tgtEl>
+                                          <p:spTgt spid="50180"/>
+                                        </p:tgtEl>
+                                        <p:attrNameLst>
+                                          <p:attrName>style.visibility</p:attrName>
+                                        </p:attrNameLst>
+                                      </p:cBhvr>
+                                      <p:to>
+                                        <p:strVal val="visible"/>
+                                      </p:to>
+                                    </p:set>
+                                    <p:animEffect transition="in" filter="blinds(horizontal)">
+                                      <p:cBhvr>
+                                        <p:cTn id="7" dur="500"/>
+                                        <p:tgtEl>
+                                          <p:spTgt spid="50180"/>
+                                        </p:tgtEl>
+                                      </p:cBhvr>
+                                    </p:animEffect>
+                                  </p:childTnLst>
+                                </p:cTn>
+                              </p:par>
+                            </p:childTnLst>
+                          </p:cTn>
+                        </p:par>
+                      </p:childTnLst>
+                    </p:cTn>
+                  </p:par>
+                </p:childTnLst>
+              </p:cTn>
+              <p:prevCondLst>
+                <p:cond evt="onPrev" delay="0">
+                  <p:tgtEl>
+                    <p:sldTgt/>
+                  </p:tgtEl>
+                </p:cond>
+              </p:prevCondLst>
+              <p:nextCondLst>
+                <p:cond evt="onNext" delay="0">
+                  <p:tgtEl>
+                    <p:sldTgt/>
+                  </p:tgtEl>
+                </p:cond>
+              </p:nextCondLst>
+            </p:seq>
+          </p:childTnLst>
+        </p:cTn>
+      </p:par>
+    </p:tnLst>
+  </p:timing>
+</p:sld>
+</file>
+
+<file path=ppt/slides/slide33.xml><?xml version="1.0" encoding="utf-8"?>
+<p:sld xmlns:a="http://schemas.openxmlformats.org/drawingml/2006/main" xmlns:r="http://schemas.openxmlformats.org/officeDocument/2006/relationships" xmlns:p="http://schemas.openxmlformats.org/presentationml/2006/main" showMasterPhAnim="0">
+  <p:cSld>
+    <p:spTree>
+      <p:nvGrpSpPr>
+        <p:cNvPr id="1" name=""/>
+        <p:cNvGrpSpPr/>
+        <p:nvPr/>
+      </p:nvGrpSpPr>
+      <p:grpSpPr>
+        <a:xfrm>
+          <a:off x="0" y="0"/>
+          <a:ext cx="0" cy="0"/>
+          <a:chOff x="0" y="0"/>
+          <a:chExt cx="0" cy="0"/>
+        </a:xfrm>
+      </p:grpSpPr>
+      <p:sp>
+        <p:nvSpPr>
+          <p:cNvPr id="67586" name="Rectangle 2"/>
+          <p:cNvSpPr>
+            <a:spLocks noGrp="1" noChangeArrowheads="1"/>
+          </p:cNvSpPr>
+          <p:nvPr>
+            <p:ph type="title"/>
+          </p:nvPr>
+        </p:nvSpPr>
+        <p:spPr/>
+        <p:txBody>
+          <a:bodyPr/>
+          <a:lstStyle/>
+          <a:p>
+            <a:r>
+              <a:rPr lang="zh-CN" altLang="en-US"/>
+              <a:t>练习</a:t>
+            </a:r>
+            <a:r>
+              <a:rPr lang="en-US" altLang="zh-CN"/>
+              <a:t>4</a:t>
+            </a:r>
+          </a:p>
+        </p:txBody>
+      </p:sp>
+      <p:sp>
+        <p:nvSpPr>
+          <p:cNvPr id="67587" name="Rectangle 3"/>
+          <p:cNvSpPr>
+            <a:spLocks noGrp="1" noChangeArrowheads="1"/>
+          </p:cNvSpPr>
+          <p:nvPr>
+            <p:ph type="body" idx="1"/>
+          </p:nvPr>
+        </p:nvSpPr>
+        <p:spPr/>
+        <p:txBody>
+          <a:bodyPr/>
+          <a:lstStyle/>
+          <a:p>
+            <a:r>
+              <a:rPr lang="zh-CN" altLang="en-US" dirty="0"/>
+              <a:t>请用类图描述</a:t>
+            </a:r>
+            <a:r>
+              <a:rPr lang="zh-CN" altLang="en-US" dirty="0" smtClean="0"/>
+              <a:t>我们你们学院的组织</a:t>
+            </a:r>
+            <a:r>
+              <a:rPr lang="zh-CN" altLang="en-US" dirty="0"/>
+              <a:t>架构</a:t>
+            </a:r>
+          </a:p>
+        </p:txBody>
+      </p:sp>
+    </p:spTree>
+    <p:extLst>
+      <p:ext uri="{BB962C8B-B14F-4D97-AF65-F5344CB8AC3E}">
+        <p14:creationId xmlns:p14="http://schemas.microsoft.com/office/powerpoint/2010/main" val="3659220316"/>
+      </p:ext>
+    </p:extLst>
+  </p:cSld>
+  <p:clrMapOvr>
+    <a:masterClrMapping/>
+  </p:clrMapOvr>
+  <mc:AlternateContent xmlns:mc="http://schemas.openxmlformats.org/markup-compatibility/2006" xmlns:p14="http://schemas.microsoft.com/office/powerpoint/2010/main">
+    <mc:Choice Requires="p14">
+      <p:transition spd="med" p14:dur="700">
+        <p:fade/>
+      </p:transition>
+    </mc:Choice>
+    <mc:Fallback xmlns="">
+      <p:transition spd="med">
+        <p:fade/>
+      </p:transition>
+    </mc:Fallback>
+  </mc:AlternateContent>
+  <p:timing>
+    <p:tnLst>
+      <p:par>
+        <p:cTn id="1" dur="indefinite" restart="never" nodeType="tmRoot">
+          <p:childTnLst>
+            <p:seq concurrent="1" nextAc="seek">
+              <p:cTn id="2" dur="indefinite" nodeType="mainSeq">
+                <p:childTnLst>
+                  <p:par>
+                    <p:cTn id="3" fill="hold" nodeType="clickPar">
+                      <p:stCondLst>
+                        <p:cond delay="indefinite"/>
+                      </p:stCondLst>
+                      <p:childTnLst>
+                        <p:par>
+                          <p:cTn id="4" fill="hold" nodeType="withGroup">
+                            <p:stCondLst>
+                              <p:cond delay="0"/>
+                            </p:stCondLst>
+                            <p:childTnLst>
+                              <p:par>
+                                <p:cTn id="5" presetID="1" presetClass="entr" presetSubtype="0" fill="hold" grpId="0" nodeType="clickEffect">
+                                  <p:stCondLst>
+                                    <p:cond delay="0"/>
+                                  </p:stCondLst>
+                                  <p:childTnLst>
+                                    <p:set>
+                                      <p:cBhvr>
+                                        <p:cTn id="6" dur="1" fill="hold">
+                                          <p:stCondLst>
+                                            <p:cond delay="0"/>
+                                          </p:stCondLst>
+                                        </p:cTn>
+                                        <p:tgtEl>
+                                          <p:spTgt spid="67587">
+                                            <p:txEl>
+                                              <p:pRg st="0" end="0"/>
+                                            </p:txEl>
+                                          </p:spTgt>
+                                        </p:tgtEl>
+                                        <p:attrNameLst>
+                                          <p:attrName>style.visibility</p:attrName>
+                                        </p:attrNameLst>
+                                      </p:cBhvr>
+                                      <p:to>
+                                        <p:strVal val="visible"/>
+                                      </p:to>
+                                    </p:set>
+                                  </p:childTnLst>
+                                </p:cTn>
+                              </p:par>
+                            </p:childTnLst>
+                          </p:cTn>
+                        </p:par>
+                      </p:childTnLst>
+                    </p:cTn>
+                  </p:par>
+                </p:childTnLst>
+              </p:cTn>
+              <p:prevCondLst>
+                <p:cond evt="onPrev" delay="0">
+                  <p:tgtEl>
+                    <p:sldTgt/>
+                  </p:tgtEl>
+                </p:cond>
+              </p:prevCondLst>
+              <p:nextCondLst>
+                <p:cond evt="onNext" delay="0">
+                  <p:tgtEl>
+                    <p:sldTgt/>
+                  </p:tgtEl>
+                </p:cond>
+              </p:nextCondLst>
+            </p:seq>
+          </p:childTnLst>
+        </p:cTn>
+      </p:par>
+    </p:tnLst>
+    <p:bldLst>
+      <p:bldP spid="67587" grpId="0" build="p"/>
+    </p:bldLst>
+  </p:timing>
+</p:sld>
+</file>
+
+<file path=ppt/slides/slide34.xml><?xml version="1.0" encoding="utf-8"?>
 <p:sld xmlns:a="http://schemas.openxmlformats.org/drawingml/2006/main" xmlns:r="http://schemas.openxmlformats.org/officeDocument/2006/relationships" xmlns:p="http://schemas.openxmlformats.org/presentationml/2006/main" showMasterPhAnim="0">
   <p:cSld>
     <p:spTree>
@@ -30599,7 +32450,7 @@
 </p:sld>
 </file>
 
-<file path=ppt/slides/slide31.xml><?xml version="1.0" encoding="utf-8"?>
+<file path=ppt/slides/slide35.xml><?xml version="1.0" encoding="utf-8"?>
 <p:sld xmlns:a="http://schemas.openxmlformats.org/drawingml/2006/main" xmlns:r="http://schemas.openxmlformats.org/officeDocument/2006/relationships" xmlns:p="http://schemas.openxmlformats.org/presentationml/2006/main" showMasterPhAnim="0">
   <p:cSld>
     <p:spTree>
@@ -31124,7 +32975,7 @@
 </p:sld>
 </file>
 
-<file path=ppt/slides/slide32.xml><?xml version="1.0" encoding="utf-8"?>
+<file path=ppt/slides/slide36.xml><?xml version="1.0" encoding="utf-8"?>
 <p:sld xmlns:a="http://schemas.openxmlformats.org/drawingml/2006/main" xmlns:r="http://schemas.openxmlformats.org/officeDocument/2006/relationships" xmlns:p="http://schemas.openxmlformats.org/presentationml/2006/main">
   <p:cSld>
     <p:spTree>
@@ -31871,7 +33722,7 @@
 </p:sld>
 </file>
 
-<file path=ppt/slides/slide33.xml><?xml version="1.0" encoding="utf-8"?>
+<file path=ppt/slides/slide37.xml><?xml version="1.0" encoding="utf-8"?>
 <p:sld xmlns:a="http://schemas.openxmlformats.org/drawingml/2006/main" xmlns:r="http://schemas.openxmlformats.org/officeDocument/2006/relationships" xmlns:p="http://schemas.openxmlformats.org/presentationml/2006/main" showMasterPhAnim="0">
   <p:cSld>
     <p:spTree>
@@ -32173,7 +34024,7 @@
 </p:sld>
 </file>
 
-<file path=ppt/slides/slide34.xml><?xml version="1.0" encoding="utf-8"?>
+<file path=ppt/slides/slide38.xml><?xml version="1.0" encoding="utf-8"?>
 <p:sld xmlns:a="http://schemas.openxmlformats.org/drawingml/2006/main" xmlns:r="http://schemas.openxmlformats.org/officeDocument/2006/relationships" xmlns:p="http://schemas.openxmlformats.org/presentationml/2006/main">
   <p:cSld>
     <p:spTree>
@@ -32212,11 +34063,7 @@
           <a:p>
             <a:r>
               <a:rPr lang="zh-CN" altLang="en-US" dirty="0" smtClean="0"/>
-              <a:t>需求分析</a:t>
-            </a:r>
-            <a:r>
-              <a:rPr lang="zh-CN" altLang="en-US" dirty="0" smtClean="0"/>
-              <a:t>之用例图</a:t>
+              <a:t>需求分析之用例图</a:t>
             </a:r>
             <a:endParaRPr lang="zh-CN" altLang="en-US" dirty="0"/>
           </a:p>
@@ -32239,766 +34086,6 @@
       </p:transition>
     </mc:Choice>
     <mc:Fallback xmlns="">
-      <p:transition spd="med">
-        <p:fade/>
-      </p:transition>
-    </mc:Fallback>
-  </mc:AlternateContent>
-  <p:timing>
-    <p:tnLst>
-      <p:par>
-        <p:cTn id="1" dur="indefinite" restart="never" nodeType="tmRoot"/>
-      </p:par>
-    </p:tnLst>
-  </p:timing>
-</p:sld>
-</file>
-
-<file path=ppt/slides/slide35.xml><?xml version="1.0" encoding="utf-8"?>
-<p:sld xmlns:a="http://schemas.openxmlformats.org/drawingml/2006/main" xmlns:r="http://schemas.openxmlformats.org/officeDocument/2006/relationships" xmlns:p="http://schemas.openxmlformats.org/presentationml/2006/main">
-  <p:cSld>
-    <p:spTree>
-      <p:nvGrpSpPr>
-        <p:cNvPr id="1" name=""/>
-        <p:cNvGrpSpPr/>
-        <p:nvPr/>
-      </p:nvGrpSpPr>
-      <p:grpSpPr>
-        <a:xfrm>
-          <a:off x="0" y="0"/>
-          <a:ext cx="0" cy="0"/>
-          <a:chOff x="0" y="0"/>
-          <a:chExt cx="0" cy="0"/>
-        </a:xfrm>
-      </p:grpSpPr>
-      <p:sp>
-        <p:nvSpPr>
-          <p:cNvPr id="2" name="标题 1"/>
-          <p:cNvSpPr>
-            <a:spLocks noGrp="1"/>
-          </p:cNvSpPr>
-          <p:nvPr>
-            <p:ph type="title"/>
-          </p:nvPr>
-        </p:nvSpPr>
-        <p:spPr/>
-        <p:txBody>
-          <a:bodyPr/>
-          <a:lstStyle/>
-          <a:p>
-            <a:r>
-              <a:rPr lang="zh-CN" altLang="en-US" dirty="0" smtClean="0"/>
-              <a:t>测试</a:t>
-            </a:r>
-            <a:r>
-              <a:rPr lang="en-US" altLang="zh-CN" dirty="0" smtClean="0"/>
-              <a:t>1</a:t>
-            </a:r>
-            <a:r>
-              <a:rPr lang="zh-CN" altLang="en-US" dirty="0" smtClean="0"/>
-              <a:t>（</a:t>
-            </a:r>
-            <a:r>
-              <a:rPr lang="en-US" altLang="zh-CN" dirty="0" smtClean="0"/>
-              <a:t>3</a:t>
-            </a:r>
-            <a:r>
-              <a:rPr lang="zh-CN" altLang="en-US" dirty="0" smtClean="0"/>
-              <a:t>分钟）</a:t>
-            </a:r>
-            <a:endParaRPr lang="zh-CN" altLang="en-US" dirty="0"/>
-          </a:p>
-        </p:txBody>
-      </p:sp>
-      <p:sp>
-        <p:nvSpPr>
-          <p:cNvPr id="3" name="内容占位符 2"/>
-          <p:cNvSpPr>
-            <a:spLocks noGrp="1"/>
-          </p:cNvSpPr>
-          <p:nvPr>
-            <p:ph idx="1"/>
-          </p:nvPr>
-        </p:nvSpPr>
-        <p:spPr/>
-        <p:txBody>
-          <a:bodyPr>
-            <a:normAutofit/>
-          </a:bodyPr>
-          <a:lstStyle/>
-          <a:p>
-            <a:r>
-              <a:rPr lang="zh-CN" altLang="en-US" sz="2800" dirty="0"/>
-              <a:t>用几句话描述</a:t>
-            </a:r>
-            <a:r>
-              <a:rPr lang="zh-CN" altLang="en-US" sz="2800" dirty="0" smtClean="0"/>
-              <a:t>你做的毕业设计项目能</a:t>
-            </a:r>
-            <a:r>
-              <a:rPr lang="zh-CN" altLang="en-US" sz="2800" dirty="0"/>
-              <a:t>做什么事情，简要地写下来。</a:t>
-            </a:r>
-          </a:p>
-          <a:p>
-            <a:endParaRPr lang="zh-CN" altLang="en-US" sz="2800" dirty="0"/>
-          </a:p>
-        </p:txBody>
-      </p:sp>
-    </p:spTree>
-    <p:extLst>
-      <p:ext uri="{BB962C8B-B14F-4D97-AF65-F5344CB8AC3E}">
-        <p14:creationId xmlns:p14="http://schemas.microsoft.com/office/powerpoint/2010/main" val="1716145430"/>
-      </p:ext>
-    </p:extLst>
-  </p:cSld>
-  <p:clrMapOvr>
-    <a:masterClrMapping/>
-  </p:clrMapOvr>
-  <mc:AlternateContent xmlns:mc="http://schemas.openxmlformats.org/markup-compatibility/2006">
-    <mc:Choice xmlns:p14="http://schemas.microsoft.com/office/powerpoint/2010/main" Requires="p14">
-      <p:transition spd="med" p14:dur="700">
-        <p:fade/>
-      </p:transition>
-    </mc:Choice>
-    <mc:Fallback>
-      <p:transition spd="med">
-        <p:fade/>
-      </p:transition>
-    </mc:Fallback>
-  </mc:AlternateContent>
-  <p:timing>
-    <p:tnLst>
-      <p:par>
-        <p:cTn id="1" dur="indefinite" restart="never" nodeType="tmRoot"/>
-      </p:par>
-    </p:tnLst>
-  </p:timing>
-</p:sld>
-</file>
-
-<file path=ppt/slides/slide36.xml><?xml version="1.0" encoding="utf-8"?>
-<p:sld xmlns:a="http://schemas.openxmlformats.org/drawingml/2006/main" xmlns:r="http://schemas.openxmlformats.org/officeDocument/2006/relationships" xmlns:p="http://schemas.openxmlformats.org/presentationml/2006/main">
-  <p:cSld>
-    <p:spTree>
-      <p:nvGrpSpPr>
-        <p:cNvPr id="1" name=""/>
-        <p:cNvGrpSpPr/>
-        <p:nvPr/>
-      </p:nvGrpSpPr>
-      <p:grpSpPr>
-        <a:xfrm>
-          <a:off x="0" y="0"/>
-          <a:ext cx="0" cy="0"/>
-          <a:chOff x="0" y="0"/>
-          <a:chExt cx="0" cy="0"/>
-        </a:xfrm>
-      </p:grpSpPr>
-      <p:sp>
-        <p:nvSpPr>
-          <p:cNvPr id="2" name="标题 1"/>
-          <p:cNvSpPr>
-            <a:spLocks noGrp="1"/>
-          </p:cNvSpPr>
-          <p:nvPr>
-            <p:ph type="title"/>
-          </p:nvPr>
-        </p:nvSpPr>
-        <p:spPr/>
-        <p:txBody>
-          <a:bodyPr/>
-          <a:lstStyle/>
-          <a:p>
-            <a:r>
-              <a:rPr lang="zh-CN" altLang="en-US" sz="5400" dirty="0"/>
-              <a:t>你能条理地表达“系统能做什么事情”吗？</a:t>
-            </a:r>
-            <a:endParaRPr lang="zh-CN" altLang="en-US" dirty="0"/>
-          </a:p>
-        </p:txBody>
-      </p:sp>
-      <p:sp>
-        <p:nvSpPr>
-          <p:cNvPr id="3" name="内容占位符 2"/>
-          <p:cNvSpPr>
-            <a:spLocks noGrp="1"/>
-          </p:cNvSpPr>
-          <p:nvPr>
-            <p:ph idx="1"/>
-          </p:nvPr>
-        </p:nvSpPr>
-        <p:spPr/>
-        <p:txBody>
-          <a:bodyPr>
-            <a:normAutofit/>
-          </a:bodyPr>
-          <a:lstStyle/>
-          <a:p>
-            <a:r>
-              <a:rPr lang="zh-CN" altLang="en-US" sz="2800" dirty="0"/>
-              <a:t>用例图能帮助你表达。</a:t>
-            </a:r>
-          </a:p>
-          <a:p>
-            <a:r>
-              <a:rPr lang="zh-CN" altLang="en-US" sz="2800" dirty="0"/>
-              <a:t>用例图部分情况下可能不太适用。</a:t>
-            </a:r>
-          </a:p>
-          <a:p>
-            <a:r>
-              <a:rPr lang="zh-CN" altLang="en-US" sz="2800" dirty="0"/>
-              <a:t>用好用例图的关键是：</a:t>
-            </a:r>
-          </a:p>
-          <a:p>
-            <a:pPr lvl="1"/>
-            <a:r>
-              <a:rPr lang="zh-CN" altLang="en-US" sz="2800" dirty="0"/>
-              <a:t>你的表达有没有条理！</a:t>
-            </a:r>
-          </a:p>
-          <a:p>
-            <a:pPr lvl="1"/>
-            <a:r>
-              <a:rPr lang="zh-CN" altLang="en-US" sz="2800" dirty="0"/>
-              <a:t>你能不能从用户能理解的角度来描述！</a:t>
-            </a:r>
-          </a:p>
-          <a:p>
-            <a:endParaRPr lang="zh-CN" altLang="en-US" sz="2800" dirty="0"/>
-          </a:p>
-        </p:txBody>
-      </p:sp>
-    </p:spTree>
-    <p:extLst>
-      <p:ext uri="{BB962C8B-B14F-4D97-AF65-F5344CB8AC3E}">
-        <p14:creationId xmlns:p14="http://schemas.microsoft.com/office/powerpoint/2010/main" val="1899170951"/>
-      </p:ext>
-    </p:extLst>
-  </p:cSld>
-  <p:clrMapOvr>
-    <a:masterClrMapping/>
-  </p:clrMapOvr>
-  <mc:AlternateContent xmlns:mc="http://schemas.openxmlformats.org/markup-compatibility/2006">
-    <mc:Choice xmlns:p14="http://schemas.microsoft.com/office/powerpoint/2010/main" Requires="p14">
-      <p:transition spd="med" p14:dur="700">
-        <p:fade/>
-      </p:transition>
-    </mc:Choice>
-    <mc:Fallback>
-      <p:transition spd="med">
-        <p:fade/>
-      </p:transition>
-    </mc:Fallback>
-  </mc:AlternateContent>
-  <p:timing>
-    <p:tnLst>
-      <p:par>
-        <p:cTn id="1" dur="indefinite" restart="never" nodeType="tmRoot"/>
-      </p:par>
-    </p:tnLst>
-  </p:timing>
-</p:sld>
-</file>
-
-<file path=ppt/slides/slide37.xml><?xml version="1.0" encoding="utf-8"?>
-<p:sld xmlns:a="http://schemas.openxmlformats.org/drawingml/2006/main" xmlns:r="http://schemas.openxmlformats.org/officeDocument/2006/relationships" xmlns:p="http://schemas.openxmlformats.org/presentationml/2006/main">
-  <p:cSld>
-    <p:spTree>
-      <p:nvGrpSpPr>
-        <p:cNvPr id="1" name=""/>
-        <p:cNvGrpSpPr/>
-        <p:nvPr/>
-      </p:nvGrpSpPr>
-      <p:grpSpPr>
-        <a:xfrm>
-          <a:off x="0" y="0"/>
-          <a:ext cx="0" cy="0"/>
-          <a:chOff x="0" y="0"/>
-          <a:chExt cx="0" cy="0"/>
-        </a:xfrm>
-      </p:grpSpPr>
-      <p:sp>
-        <p:nvSpPr>
-          <p:cNvPr id="2" name="标题 1"/>
-          <p:cNvSpPr>
-            <a:spLocks noGrp="1"/>
-          </p:cNvSpPr>
-          <p:nvPr>
-            <p:ph type="title"/>
-          </p:nvPr>
-        </p:nvSpPr>
-        <p:spPr/>
-        <p:txBody>
-          <a:bodyPr/>
-          <a:lstStyle/>
-          <a:p>
-            <a:r>
-              <a:rPr lang="zh-CN" altLang="en-US" dirty="0" smtClean="0"/>
-              <a:t>用例图语法</a:t>
-            </a:r>
-            <a:r>
-              <a:rPr lang="en-US" altLang="zh-CN" dirty="0" smtClean="0"/>
-              <a:t>1</a:t>
-            </a:r>
-            <a:endParaRPr lang="zh-CN" altLang="en-US" dirty="0"/>
-          </a:p>
-        </p:txBody>
-      </p:sp>
-      <p:sp>
-        <p:nvSpPr>
-          <p:cNvPr id="3" name="内容占位符 2"/>
-          <p:cNvSpPr>
-            <a:spLocks noGrp="1"/>
-          </p:cNvSpPr>
-          <p:nvPr>
-            <p:ph idx="1"/>
-          </p:nvPr>
-        </p:nvSpPr>
-        <p:spPr/>
-        <p:txBody>
-          <a:bodyPr/>
-          <a:lstStyle/>
-          <a:p>
-            <a:endParaRPr lang="zh-CN" altLang="en-US"/>
-          </a:p>
-        </p:txBody>
-      </p:sp>
-      <p:pic>
-        <p:nvPicPr>
-          <p:cNvPr id="4" name="Picture 4"/>
-          <p:cNvPicPr>
-            <a:picLocks noChangeAspect="1" noChangeArrowheads="1"/>
-          </p:cNvPicPr>
-          <p:nvPr/>
-        </p:nvPicPr>
-        <p:blipFill>
-          <a:blip r:embed="rId2">
-            <a:extLst>
-              <a:ext uri="{28A0092B-C50C-407E-A947-70E740481C1C}">
-                <a14:useLocalDpi xmlns:a14="http://schemas.microsoft.com/office/drawing/2010/main" val="0"/>
-              </a:ext>
-            </a:extLst>
-          </a:blip>
-          <a:srcRect/>
-          <a:stretch>
-            <a:fillRect/>
-          </a:stretch>
-        </p:blipFill>
-        <p:spPr bwMode="auto">
-          <a:xfrm>
-            <a:off x="1069569" y="1790159"/>
-            <a:ext cx="5830723" cy="5009091"/>
-          </a:xfrm>
-          <a:prstGeom prst="rect">
-            <a:avLst/>
-          </a:prstGeom>
-          <a:noFill/>
-          <a:ln>
-            <a:noFill/>
-          </a:ln>
-          <a:effectLst/>
-          <a:extLst>
-            <a:ext uri="{909E8E84-426E-40DD-AFC4-6F175D3DCCD1}">
-              <a14:hiddenFill xmlns:a14="http://schemas.microsoft.com/office/drawing/2010/main">
-                <a:solidFill>
-                  <a:schemeClr val="accent1"/>
-                </a:solidFill>
-              </a14:hiddenFill>
-            </a:ext>
-            <a:ext uri="{91240B29-F687-4F45-9708-019B960494DF}">
-              <a14:hiddenLine xmlns:a14="http://schemas.microsoft.com/office/drawing/2010/main" w="9525">
-                <a:solidFill>
-                  <a:schemeClr val="tx1"/>
-                </a:solidFill>
-                <a:miter lim="800000"/>
-                <a:headEnd/>
-                <a:tailEnd/>
-              </a14:hiddenLine>
-            </a:ext>
-            <a:ext uri="{AF507438-7753-43E0-B8FC-AC1667EBCBE1}">
-              <a14:hiddenEffects xmlns:a14="http://schemas.microsoft.com/office/drawing/2010/main">
-                <a:effectLst>
-                  <a:outerShdw dist="35921" dir="2700000" algn="ctr" rotWithShape="0">
-                    <a:schemeClr val="bg2"/>
-                  </a:outerShdw>
-                </a:effectLst>
-              </a14:hiddenEffects>
-            </a:ext>
-          </a:extLst>
-        </p:spPr>
-      </p:pic>
-      <p:sp>
-        <p:nvSpPr>
-          <p:cNvPr id="5" name="Text Box 5"/>
-          <p:cNvSpPr txBox="1">
-            <a:spLocks noChangeArrowheads="1"/>
-          </p:cNvSpPr>
-          <p:nvPr/>
-        </p:nvSpPr>
-        <p:spPr bwMode="auto">
-          <a:xfrm>
-            <a:off x="7966620" y="3645024"/>
-            <a:ext cx="1406525" cy="1739900"/>
-          </a:xfrm>
-          <a:prstGeom prst="rect">
-            <a:avLst/>
-          </a:prstGeom>
-          <a:solidFill>
-            <a:srgbClr val="FFFF00"/>
-          </a:solidFill>
-          <a:ln>
-            <a:noFill/>
-          </a:ln>
-          <a:effectLst/>
-          <a:extLst>
-            <a:ext uri="{91240B29-F687-4F45-9708-019B960494DF}">
-              <a14:hiddenLine xmlns:a14="http://schemas.microsoft.com/office/drawing/2010/main" w="9525">
-                <a:solidFill>
-                  <a:schemeClr val="tx1"/>
-                </a:solidFill>
-                <a:miter lim="800000"/>
-                <a:headEnd/>
-                <a:tailEnd/>
-              </a14:hiddenLine>
-            </a:ext>
-            <a:ext uri="{AF507438-7753-43E0-B8FC-AC1667EBCBE1}">
-              <a14:hiddenEffects xmlns:a14="http://schemas.microsoft.com/office/drawing/2010/main">
-                <a:effectLst>
-                  <a:outerShdw dist="35921" dir="2700000" algn="ctr" rotWithShape="0">
-                    <a:schemeClr val="bg2"/>
-                  </a:outerShdw>
-                </a:effectLst>
-              </a14:hiddenEffects>
-            </a:ext>
-          </a:extLst>
-        </p:spPr>
-        <p:txBody>
-          <a:bodyPr wrap="none">
-            <a:spAutoFit/>
-          </a:bodyPr>
-          <a:lstStyle/>
-          <a:p>
-            <a:pPr>
-              <a:buFontTx/>
-              <a:buChar char="•"/>
-            </a:pPr>
-            <a:r>
-              <a:rPr lang="zh-CN" altLang="en-US" dirty="0"/>
-              <a:t>角色</a:t>
-            </a:r>
-          </a:p>
-          <a:p>
-            <a:pPr>
-              <a:buFontTx/>
-              <a:buChar char="•"/>
-            </a:pPr>
-            <a:r>
-              <a:rPr lang="zh-CN" altLang="en-US" dirty="0"/>
-              <a:t>方框</a:t>
-            </a:r>
-          </a:p>
-          <a:p>
-            <a:pPr>
-              <a:buFontTx/>
-              <a:buChar char="•"/>
-            </a:pPr>
-            <a:r>
-              <a:rPr lang="zh-CN" altLang="en-US" dirty="0"/>
-              <a:t>圆圈</a:t>
-            </a:r>
-          </a:p>
-          <a:p>
-            <a:pPr>
-              <a:buFontTx/>
-              <a:buChar char="•"/>
-            </a:pPr>
-            <a:r>
-              <a:rPr lang="zh-CN" altLang="en-US" dirty="0"/>
-              <a:t>文字表达</a:t>
-            </a:r>
-          </a:p>
-          <a:p>
-            <a:pPr>
-              <a:buFontTx/>
-              <a:buChar char="•"/>
-            </a:pPr>
-            <a:r>
-              <a:rPr lang="zh-CN" altLang="en-US" dirty="0"/>
-              <a:t>线</a:t>
-            </a:r>
-          </a:p>
-          <a:p>
-            <a:pPr>
-              <a:buFontTx/>
-              <a:buChar char="•"/>
-            </a:pPr>
-            <a:r>
-              <a:rPr lang="zh-CN" altLang="en-US" dirty="0"/>
-              <a:t>有箭头的线</a:t>
-            </a:r>
-          </a:p>
-        </p:txBody>
-      </p:sp>
-    </p:spTree>
-    <p:extLst>
-      <p:ext uri="{BB962C8B-B14F-4D97-AF65-F5344CB8AC3E}">
-        <p14:creationId xmlns:p14="http://schemas.microsoft.com/office/powerpoint/2010/main" val="2934636586"/>
-      </p:ext>
-    </p:extLst>
-  </p:cSld>
-  <p:clrMapOvr>
-    <a:masterClrMapping/>
-  </p:clrMapOvr>
-  <mc:AlternateContent xmlns:mc="http://schemas.openxmlformats.org/markup-compatibility/2006">
-    <mc:Choice xmlns:p14="http://schemas.microsoft.com/office/powerpoint/2010/main" Requires="p14">
-      <p:transition spd="med" p14:dur="700">
-        <p:fade/>
-      </p:transition>
-    </mc:Choice>
-    <mc:Fallback>
-      <p:transition spd="med">
-        <p:fade/>
-      </p:transition>
-    </mc:Fallback>
-  </mc:AlternateContent>
-  <p:timing>
-    <p:tnLst>
-      <p:par>
-        <p:cTn id="1" dur="indefinite" restart="never" nodeType="tmRoot"/>
-      </p:par>
-    </p:tnLst>
-  </p:timing>
-</p:sld>
-</file>
-
-<file path=ppt/slides/slide38.xml><?xml version="1.0" encoding="utf-8"?>
-<p:sld xmlns:a="http://schemas.openxmlformats.org/drawingml/2006/main" xmlns:r="http://schemas.openxmlformats.org/officeDocument/2006/relationships" xmlns:p="http://schemas.openxmlformats.org/presentationml/2006/main">
-  <p:cSld>
-    <p:spTree>
-      <p:nvGrpSpPr>
-        <p:cNvPr id="1" name=""/>
-        <p:cNvGrpSpPr/>
-        <p:nvPr/>
-      </p:nvGrpSpPr>
-      <p:grpSpPr>
-        <a:xfrm>
-          <a:off x="0" y="0"/>
-          <a:ext cx="0" cy="0"/>
-          <a:chOff x="0" y="0"/>
-          <a:chExt cx="0" cy="0"/>
-        </a:xfrm>
-      </p:grpSpPr>
-      <p:sp>
-        <p:nvSpPr>
-          <p:cNvPr id="2" name="标题 1"/>
-          <p:cNvSpPr>
-            <a:spLocks noGrp="1"/>
-          </p:cNvSpPr>
-          <p:nvPr>
-            <p:ph type="title"/>
-          </p:nvPr>
-        </p:nvSpPr>
-        <p:spPr/>
-        <p:txBody>
-          <a:bodyPr/>
-          <a:lstStyle/>
-          <a:p>
-            <a:r>
-              <a:rPr lang="zh-CN" altLang="en-US" dirty="0"/>
-              <a:t>用例图语法</a:t>
-            </a:r>
-            <a:r>
-              <a:rPr lang="en-US" altLang="zh-CN" dirty="0"/>
-              <a:t>2</a:t>
-            </a:r>
-            <a:endParaRPr lang="zh-CN" altLang="en-US" dirty="0"/>
-          </a:p>
-        </p:txBody>
-      </p:sp>
-      <p:sp>
-        <p:nvSpPr>
-          <p:cNvPr id="3" name="内容占位符 2"/>
-          <p:cNvSpPr>
-            <a:spLocks noGrp="1"/>
-          </p:cNvSpPr>
-          <p:nvPr>
-            <p:ph idx="1"/>
-          </p:nvPr>
-        </p:nvSpPr>
-        <p:spPr/>
-        <p:txBody>
-          <a:bodyPr/>
-          <a:lstStyle/>
-          <a:p>
-            <a:endParaRPr lang="zh-CN" altLang="en-US"/>
-          </a:p>
-        </p:txBody>
-      </p:sp>
-      <p:pic>
-        <p:nvPicPr>
-          <p:cNvPr id="4" name="Picture 5"/>
-          <p:cNvPicPr>
-            <a:picLocks noChangeAspect="1" noChangeArrowheads="1"/>
-          </p:cNvPicPr>
-          <p:nvPr/>
-        </p:nvPicPr>
-        <p:blipFill>
-          <a:blip r:embed="rId2">
-            <a:extLst>
-              <a:ext uri="{28A0092B-C50C-407E-A947-70E740481C1C}">
-                <a14:useLocalDpi xmlns:a14="http://schemas.microsoft.com/office/drawing/2010/main" val="0"/>
-              </a:ext>
-            </a:extLst>
-          </a:blip>
-          <a:srcRect/>
-          <a:stretch>
-            <a:fillRect/>
-          </a:stretch>
-        </p:blipFill>
-        <p:spPr bwMode="auto">
-          <a:xfrm>
-            <a:off x="1629916" y="1844824"/>
-            <a:ext cx="4896544" cy="4801213"/>
-          </a:xfrm>
-          <a:prstGeom prst="rect">
-            <a:avLst/>
-          </a:prstGeom>
-          <a:noFill/>
-          <a:ln>
-            <a:noFill/>
-          </a:ln>
-          <a:effectLst/>
-          <a:extLst>
-            <a:ext uri="{909E8E84-426E-40DD-AFC4-6F175D3DCCD1}">
-              <a14:hiddenFill xmlns:a14="http://schemas.microsoft.com/office/drawing/2010/main">
-                <a:solidFill>
-                  <a:schemeClr val="accent1"/>
-                </a:solidFill>
-              </a14:hiddenFill>
-            </a:ext>
-            <a:ext uri="{91240B29-F687-4F45-9708-019B960494DF}">
-              <a14:hiddenLine xmlns:a14="http://schemas.microsoft.com/office/drawing/2010/main" w="9525">
-                <a:solidFill>
-                  <a:schemeClr val="tx1"/>
-                </a:solidFill>
-                <a:miter lim="800000"/>
-                <a:headEnd/>
-                <a:tailEnd/>
-              </a14:hiddenLine>
-            </a:ext>
-            <a:ext uri="{AF507438-7753-43E0-B8FC-AC1667EBCBE1}">
-              <a14:hiddenEffects xmlns:a14="http://schemas.microsoft.com/office/drawing/2010/main">
-                <a:effectLst>
-                  <a:outerShdw dist="35921" dir="2700000" algn="ctr" rotWithShape="0">
-                    <a:schemeClr val="bg2"/>
-                  </a:outerShdw>
-                </a:effectLst>
-              </a14:hiddenEffects>
-            </a:ext>
-          </a:extLst>
-        </p:spPr>
-      </p:pic>
-      <p:sp>
-        <p:nvSpPr>
-          <p:cNvPr id="5" name="Text Box 6"/>
-          <p:cNvSpPr txBox="1">
-            <a:spLocks noChangeArrowheads="1"/>
-          </p:cNvSpPr>
-          <p:nvPr/>
-        </p:nvSpPr>
-        <p:spPr bwMode="auto">
-          <a:xfrm>
-            <a:off x="7318548" y="5256212"/>
-            <a:ext cx="1863725" cy="915988"/>
-          </a:xfrm>
-          <a:prstGeom prst="rect">
-            <a:avLst/>
-          </a:prstGeom>
-          <a:solidFill>
-            <a:srgbClr val="FFFF00"/>
-          </a:solidFill>
-          <a:ln>
-            <a:noFill/>
-          </a:ln>
-          <a:effectLst/>
-          <a:extLst>
-            <a:ext uri="{91240B29-F687-4F45-9708-019B960494DF}">
-              <a14:hiddenLine xmlns:a14="http://schemas.microsoft.com/office/drawing/2010/main" w="9525">
-                <a:solidFill>
-                  <a:schemeClr val="tx1"/>
-                </a:solidFill>
-                <a:miter lim="800000"/>
-                <a:headEnd/>
-                <a:tailEnd/>
-              </a14:hiddenLine>
-            </a:ext>
-            <a:ext uri="{AF507438-7753-43E0-B8FC-AC1667EBCBE1}">
-              <a14:hiddenEffects xmlns:a14="http://schemas.microsoft.com/office/drawing/2010/main">
-                <a:effectLst>
-                  <a:outerShdw dist="35921" dir="2700000" algn="ctr" rotWithShape="0">
-                    <a:schemeClr val="bg2"/>
-                  </a:outerShdw>
-                </a:effectLst>
-              </a14:hiddenEffects>
-            </a:ext>
-          </a:extLst>
-        </p:spPr>
-        <p:txBody>
-          <a:bodyPr wrap="none">
-            <a:spAutoFit/>
-          </a:bodyPr>
-          <a:lstStyle/>
-          <a:p>
-            <a:pPr>
-              <a:buFontTx/>
-              <a:buChar char="•"/>
-            </a:pPr>
-            <a:r>
-              <a:rPr lang="en-US" altLang="zh-CN" dirty="0"/>
-              <a:t>Extend</a:t>
-            </a:r>
-          </a:p>
-          <a:p>
-            <a:pPr>
-              <a:buFontTx/>
-              <a:buChar char="•"/>
-            </a:pPr>
-            <a:r>
-              <a:rPr lang="en-US" altLang="zh-CN" dirty="0"/>
-              <a:t>Include</a:t>
-            </a:r>
-          </a:p>
-          <a:p>
-            <a:pPr>
-              <a:buFontTx/>
-              <a:buChar char="•"/>
-            </a:pPr>
-            <a:r>
-              <a:rPr lang="zh-CN" altLang="en-US" dirty="0"/>
-              <a:t>带三角形的箭头</a:t>
-            </a:r>
-          </a:p>
-        </p:txBody>
-      </p:sp>
-    </p:spTree>
-    <p:extLst>
-      <p:ext uri="{BB962C8B-B14F-4D97-AF65-F5344CB8AC3E}">
-        <p14:creationId xmlns:p14="http://schemas.microsoft.com/office/powerpoint/2010/main" val="3554216156"/>
-      </p:ext>
-    </p:extLst>
-  </p:cSld>
-  <p:clrMapOvr>
-    <a:masterClrMapping/>
-  </p:clrMapOvr>
-  <mc:AlternateContent xmlns:mc="http://schemas.openxmlformats.org/markup-compatibility/2006">
-    <mc:Choice xmlns:p14="http://schemas.microsoft.com/office/powerpoint/2010/main" Requires="p14">
-      <p:transition spd="med" p14:dur="700">
-        <p:fade/>
-      </p:transition>
-    </mc:Choice>
-    <mc:Fallback>
       <p:transition spd="med">
         <p:fade/>
       </p:transition>
@@ -33041,121 +34128,129 @@
             <p:ph type="title"/>
           </p:nvPr>
         </p:nvSpPr>
-        <p:spPr/>
+        <p:spPr>
+          <a:xfrm>
+            <a:off x="1069569" y="484632"/>
+            <a:ext cx="10209419" cy="712120"/>
+          </a:xfrm>
+        </p:spPr>
         <p:txBody>
-          <a:bodyPr/>
+          <a:bodyPr>
+            <a:normAutofit fontScale="90000"/>
+          </a:bodyPr>
           <a:lstStyle/>
           <a:p>
             <a:r>
               <a:rPr lang="zh-CN" altLang="en-US" dirty="0"/>
-              <a:t>练习 绘出订餐系统的用例图</a:t>
+              <a:t>商品购买用例图</a:t>
             </a:r>
+            <a:endParaRPr lang="zh-CN" altLang="en-US" dirty="0"/>
           </a:p>
         </p:txBody>
       </p:sp>
-      <p:sp>
-        <p:nvSpPr>
-          <p:cNvPr id="3" name="内容占位符 2"/>
-          <p:cNvSpPr>
-            <a:spLocks noGrp="1"/>
-          </p:cNvSpPr>
+      <p:pic>
+        <p:nvPicPr>
+          <p:cNvPr id="8" name="内容占位符 7"/>
+          <p:cNvPicPr>
+            <a:picLocks noGrp="1" noChangeAspect="1"/>
+          </p:cNvPicPr>
           <p:nvPr>
             <p:ph idx="1"/>
           </p:nvPr>
+        </p:nvPicPr>
+        <p:blipFill>
+          <a:blip r:embed="rId2">
+            <a:extLst>
+              <a:ext uri="{28A0092B-C50C-407E-A947-70E740481C1C}">
+                <a14:useLocalDpi xmlns:a14="http://schemas.microsoft.com/office/drawing/2010/main" val="0"/>
+              </a:ext>
+            </a:extLst>
+          </a:blip>
+          <a:stretch>
+            <a:fillRect/>
+          </a:stretch>
+        </p:blipFill>
+        <p:spPr bwMode="auto">
+          <a:xfrm>
+            <a:off x="2370933" y="1340768"/>
+            <a:ext cx="7962913" cy="5328592"/>
+          </a:xfrm>
+          <a:prstGeom prst="rect">
+            <a:avLst/>
+          </a:prstGeom>
+          <a:noFill/>
+          <a:extLst>
+            <a:ext uri="{909E8E84-426E-40DD-AFC4-6F175D3DCCD1}">
+              <a14:hiddenFill xmlns:a14="http://schemas.microsoft.com/office/drawing/2010/main">
+                <a:solidFill>
+                  <a:srgbClr val="FFFFFF"/>
+                </a:solidFill>
+              </a14:hiddenFill>
+            </a:ext>
+          </a:extLst>
+        </p:spPr>
+      </p:pic>
+      <p:sp>
+        <p:nvSpPr>
+          <p:cNvPr id="7" name="AutoShape 8" descr="https://images.cnblogs.com/cnblogs_com/assion/GoodsBuy.jpg"/>
+          <p:cNvSpPr>
+            <a:spLocks noChangeAspect="1" noChangeArrowheads="1"/>
+          </p:cNvSpPr>
+          <p:nvPr/>
         </p:nvSpPr>
-        <p:spPr/>
+        <p:spPr bwMode="auto">
+          <a:xfrm>
+            <a:off x="155575" y="-144463"/>
+            <a:ext cx="304800" cy="304801"/>
+          </a:xfrm>
+          <a:prstGeom prst="rect">
+            <a:avLst/>
+          </a:prstGeom>
+          <a:noFill/>
+          <a:extLst>
+            <a:ext uri="{909E8E84-426E-40DD-AFC4-6F175D3DCCD1}">
+              <a14:hiddenFill xmlns:a14="http://schemas.microsoft.com/office/drawing/2010/main">
+                <a:solidFill>
+                  <a:srgbClr val="FFFFFF"/>
+                </a:solidFill>
+              </a14:hiddenFill>
+            </a:ext>
+          </a:extLst>
+        </p:spPr>
         <p:txBody>
-          <a:bodyPr/>
+          <a:bodyPr vert="horz" wrap="square" lIns="91440" tIns="45720" rIns="91440" bIns="45720" numCol="1" anchor="t" anchorCtr="0" compatLnSpc="1">
+            <a:prstTxWarp prst="textNoShape">
+              <a:avLst/>
+            </a:prstTxWarp>
+          </a:bodyPr>
           <a:lstStyle/>
           <a:p>
-            <a:r>
-              <a:rPr lang="zh-CN" altLang="en-US" sz="2800" dirty="0"/>
-              <a:t>假设我们要做一个订餐系统，要实现当前我们订餐的全部功能。另外你可以考虑加上需要增加的功能。</a:t>
-            </a:r>
-          </a:p>
-          <a:p>
-            <a:r>
-              <a:rPr lang="zh-CN" altLang="en-US" sz="2800" dirty="0"/>
-              <a:t>要求</a:t>
-            </a:r>
-          </a:p>
-          <a:p>
-            <a:pPr lvl="1"/>
-            <a:r>
-              <a:rPr lang="zh-CN" altLang="en-US" sz="2300" dirty="0"/>
-              <a:t>识别出角色</a:t>
-            </a:r>
-          </a:p>
-          <a:p>
-            <a:pPr lvl="1"/>
-            <a:r>
-              <a:rPr lang="zh-CN" altLang="en-US" sz="2300" dirty="0"/>
-              <a:t>描述出这个系统能做什么事情</a:t>
-            </a:r>
-          </a:p>
-          <a:p>
-            <a:pPr lvl="1"/>
-            <a:r>
-              <a:rPr lang="en-US" altLang="zh-CN" sz="2300" dirty="0"/>
-              <a:t>5</a:t>
-            </a:r>
-            <a:r>
-              <a:rPr lang="zh-CN" altLang="en-US" sz="2300" dirty="0"/>
-              <a:t>分钟</a:t>
-            </a:r>
-          </a:p>
-          <a:p>
-            <a:r>
-              <a:rPr lang="zh-CN" altLang="en-US" sz="2800" dirty="0" smtClean="0"/>
-              <a:t>相邻两人互相</a:t>
-            </a:r>
-            <a:r>
-              <a:rPr lang="zh-CN" altLang="en-US" sz="2800" dirty="0"/>
-              <a:t>评审（</a:t>
-            </a:r>
-            <a:r>
-              <a:rPr lang="en-US" altLang="zh-CN" sz="2800" dirty="0"/>
-              <a:t>5</a:t>
-            </a:r>
-            <a:r>
-              <a:rPr lang="zh-CN" altLang="en-US" sz="2800" dirty="0"/>
-              <a:t>分钟）</a:t>
-            </a:r>
-          </a:p>
-          <a:p>
-            <a:endParaRPr lang="zh-CN" altLang="en-US" dirty="0"/>
+            <a:endParaRPr lang="zh-CN" altLang="en-US"/>
           </a:p>
         </p:txBody>
       </p:sp>
     </p:spTree>
     <p:extLst>
       <p:ext uri="{BB962C8B-B14F-4D97-AF65-F5344CB8AC3E}">
-        <p14:creationId xmlns:p14="http://schemas.microsoft.com/office/powerpoint/2010/main" val="2474458317"/>
+        <p14:creationId xmlns:p14="http://schemas.microsoft.com/office/powerpoint/2010/main" val="3385006667"/>
       </p:ext>
     </p:extLst>
   </p:cSld>
   <p:clrMapOvr>
     <a:masterClrMapping/>
   </p:clrMapOvr>
-  <mc:AlternateContent xmlns:mc="http://schemas.openxmlformats.org/markup-compatibility/2006">
-    <mc:Choice xmlns:p14="http://schemas.microsoft.com/office/powerpoint/2010/main" Requires="p14">
+  <mc:AlternateContent xmlns:mc="http://schemas.openxmlformats.org/markup-compatibility/2006" xmlns:p14="http://schemas.microsoft.com/office/powerpoint/2010/main">
+    <mc:Choice Requires="p14">
       <p:transition spd="med" p14:dur="700">
         <p:fade/>
       </p:transition>
     </mc:Choice>
-    <mc:Fallback>
+    <mc:Fallback xmlns="">
       <p:transition spd="med">
         <p:fade/>
       </p:transition>
     </mc:Fallback>
   </mc:AlternateContent>
-  <p:timing>
-    <p:tnLst>
-      <p:par>
-        <p:cTn id="1" dur="indefinite" restart="never" nodeType="tmRoot"/>
-      </p:par>
-    </p:tnLst>
-  </p:timing>
 </p:sld>
 </file>
 
@@ -33246,13 +34341,13 @@
   <p:clrMapOvr>
     <a:masterClrMapping/>
   </p:clrMapOvr>
-  <mc:AlternateContent xmlns:mc="http://schemas.openxmlformats.org/markup-compatibility/2006">
-    <mc:Choice xmlns:p14="http://schemas.microsoft.com/office/powerpoint/2010/main" Requires="p14">
+  <mc:AlternateContent xmlns:mc="http://schemas.openxmlformats.org/markup-compatibility/2006" xmlns:p14="http://schemas.microsoft.com/office/powerpoint/2010/main">
+    <mc:Choice Requires="p14">
       <p:transition spd="med" p14:dur="700">
         <p:fade/>
       </p:transition>
     </mc:Choice>
-    <mc:Fallback>
+    <mc:Fallback xmlns="">
       <p:transition spd="med">
         <p:fade/>
       </p:transition>
@@ -33601,6 +34696,911 @@
 </file>
 
 <file path=ppt/slides/slide40.xml><?xml version="1.0" encoding="utf-8"?>
+<p:sld xmlns:a="http://schemas.openxmlformats.org/drawingml/2006/main" xmlns:r="http://schemas.openxmlformats.org/officeDocument/2006/relationships" xmlns:p="http://schemas.openxmlformats.org/presentationml/2006/main">
+  <p:cSld>
+    <p:spTree>
+      <p:nvGrpSpPr>
+        <p:cNvPr id="1" name=""/>
+        <p:cNvGrpSpPr/>
+        <p:nvPr/>
+      </p:nvGrpSpPr>
+      <p:grpSpPr>
+        <a:xfrm>
+          <a:off x="0" y="0"/>
+          <a:ext cx="0" cy="0"/>
+          <a:chOff x="0" y="0"/>
+          <a:chExt cx="0" cy="0"/>
+        </a:xfrm>
+      </p:grpSpPr>
+      <p:sp>
+        <p:nvSpPr>
+          <p:cNvPr id="2" name="标题 1"/>
+          <p:cNvSpPr>
+            <a:spLocks noGrp="1"/>
+          </p:cNvSpPr>
+          <p:nvPr>
+            <p:ph type="title"/>
+          </p:nvPr>
+        </p:nvSpPr>
+        <p:spPr/>
+        <p:txBody>
+          <a:bodyPr/>
+          <a:lstStyle/>
+          <a:p>
+            <a:r>
+              <a:rPr lang="zh-CN" altLang="en-US" dirty="0" smtClean="0"/>
+              <a:t>测试</a:t>
+            </a:r>
+            <a:r>
+              <a:rPr lang="en-US" altLang="zh-CN" dirty="0" smtClean="0"/>
+              <a:t>1</a:t>
+            </a:r>
+            <a:r>
+              <a:rPr lang="zh-CN" altLang="en-US" dirty="0" smtClean="0"/>
+              <a:t>（</a:t>
+            </a:r>
+            <a:r>
+              <a:rPr lang="en-US" altLang="zh-CN" dirty="0" smtClean="0"/>
+              <a:t>3</a:t>
+            </a:r>
+            <a:r>
+              <a:rPr lang="zh-CN" altLang="en-US" dirty="0" smtClean="0"/>
+              <a:t>分钟）</a:t>
+            </a:r>
+            <a:endParaRPr lang="zh-CN" altLang="en-US" dirty="0"/>
+          </a:p>
+        </p:txBody>
+      </p:sp>
+      <p:sp>
+        <p:nvSpPr>
+          <p:cNvPr id="3" name="内容占位符 2"/>
+          <p:cNvSpPr>
+            <a:spLocks noGrp="1"/>
+          </p:cNvSpPr>
+          <p:nvPr>
+            <p:ph idx="1"/>
+          </p:nvPr>
+        </p:nvSpPr>
+        <p:spPr/>
+        <p:txBody>
+          <a:bodyPr>
+            <a:normAutofit/>
+          </a:bodyPr>
+          <a:lstStyle/>
+          <a:p>
+            <a:r>
+              <a:rPr lang="zh-CN" altLang="en-US" sz="2800" dirty="0"/>
+              <a:t>用几句话描述</a:t>
+            </a:r>
+            <a:r>
+              <a:rPr lang="zh-CN" altLang="en-US" sz="2800" dirty="0" smtClean="0"/>
+              <a:t>你做的毕业设计项目能</a:t>
+            </a:r>
+            <a:r>
+              <a:rPr lang="zh-CN" altLang="en-US" sz="2800" dirty="0"/>
+              <a:t>做什么事情，简要地写下来。</a:t>
+            </a:r>
+          </a:p>
+          <a:p>
+            <a:endParaRPr lang="zh-CN" altLang="en-US" sz="2800" dirty="0"/>
+          </a:p>
+        </p:txBody>
+      </p:sp>
+    </p:spTree>
+    <p:extLst>
+      <p:ext uri="{BB962C8B-B14F-4D97-AF65-F5344CB8AC3E}">
+        <p14:creationId xmlns:p14="http://schemas.microsoft.com/office/powerpoint/2010/main" val="1716145430"/>
+      </p:ext>
+    </p:extLst>
+  </p:cSld>
+  <p:clrMapOvr>
+    <a:masterClrMapping/>
+  </p:clrMapOvr>
+  <mc:AlternateContent xmlns:mc="http://schemas.openxmlformats.org/markup-compatibility/2006" xmlns:p14="http://schemas.microsoft.com/office/powerpoint/2010/main">
+    <mc:Choice Requires="p14">
+      <p:transition spd="med" p14:dur="700">
+        <p:fade/>
+      </p:transition>
+    </mc:Choice>
+    <mc:Fallback xmlns="">
+      <p:transition spd="med">
+        <p:fade/>
+      </p:transition>
+    </mc:Fallback>
+  </mc:AlternateContent>
+  <p:timing>
+    <p:tnLst>
+      <p:par>
+        <p:cTn id="1" dur="indefinite" restart="never" nodeType="tmRoot"/>
+      </p:par>
+    </p:tnLst>
+  </p:timing>
+</p:sld>
+</file>
+
+<file path=ppt/slides/slide41.xml><?xml version="1.0" encoding="utf-8"?>
+<p:sld xmlns:a="http://schemas.openxmlformats.org/drawingml/2006/main" xmlns:r="http://schemas.openxmlformats.org/officeDocument/2006/relationships" xmlns:p="http://schemas.openxmlformats.org/presentationml/2006/main">
+  <p:cSld>
+    <p:spTree>
+      <p:nvGrpSpPr>
+        <p:cNvPr id="1" name=""/>
+        <p:cNvGrpSpPr/>
+        <p:nvPr/>
+      </p:nvGrpSpPr>
+      <p:grpSpPr>
+        <a:xfrm>
+          <a:off x="0" y="0"/>
+          <a:ext cx="0" cy="0"/>
+          <a:chOff x="0" y="0"/>
+          <a:chExt cx="0" cy="0"/>
+        </a:xfrm>
+      </p:grpSpPr>
+      <p:sp>
+        <p:nvSpPr>
+          <p:cNvPr id="2" name="标题 1"/>
+          <p:cNvSpPr>
+            <a:spLocks noGrp="1"/>
+          </p:cNvSpPr>
+          <p:nvPr>
+            <p:ph type="title"/>
+          </p:nvPr>
+        </p:nvSpPr>
+        <p:spPr/>
+        <p:txBody>
+          <a:bodyPr/>
+          <a:lstStyle/>
+          <a:p>
+            <a:r>
+              <a:rPr lang="zh-CN" altLang="en-US" sz="5400" dirty="0"/>
+              <a:t>你能条理地表达“系统能做什么事情”吗？</a:t>
+            </a:r>
+            <a:endParaRPr lang="zh-CN" altLang="en-US" dirty="0"/>
+          </a:p>
+        </p:txBody>
+      </p:sp>
+      <p:sp>
+        <p:nvSpPr>
+          <p:cNvPr id="3" name="内容占位符 2"/>
+          <p:cNvSpPr>
+            <a:spLocks noGrp="1"/>
+          </p:cNvSpPr>
+          <p:nvPr>
+            <p:ph idx="1"/>
+          </p:nvPr>
+        </p:nvSpPr>
+        <p:spPr/>
+        <p:txBody>
+          <a:bodyPr>
+            <a:normAutofit/>
+          </a:bodyPr>
+          <a:lstStyle/>
+          <a:p>
+            <a:r>
+              <a:rPr lang="zh-CN" altLang="en-US" sz="2800" dirty="0"/>
+              <a:t>用例图能帮助你表达。</a:t>
+            </a:r>
+          </a:p>
+          <a:p>
+            <a:r>
+              <a:rPr lang="zh-CN" altLang="en-US" sz="2800" dirty="0"/>
+              <a:t>用例图部分情况下可能不太适用。</a:t>
+            </a:r>
+          </a:p>
+          <a:p>
+            <a:r>
+              <a:rPr lang="zh-CN" altLang="en-US" sz="2800" dirty="0"/>
+              <a:t>用好用例图的关键是：</a:t>
+            </a:r>
+          </a:p>
+          <a:p>
+            <a:pPr lvl="1"/>
+            <a:r>
+              <a:rPr lang="zh-CN" altLang="en-US" sz="2800" dirty="0"/>
+              <a:t>你的表达有没有条理！</a:t>
+            </a:r>
+          </a:p>
+          <a:p>
+            <a:pPr lvl="1"/>
+            <a:r>
+              <a:rPr lang="zh-CN" altLang="en-US" sz="2800" dirty="0"/>
+              <a:t>你能不能从用户能理解的角度来描述！</a:t>
+            </a:r>
+          </a:p>
+          <a:p>
+            <a:endParaRPr lang="zh-CN" altLang="en-US" sz="2800" dirty="0"/>
+          </a:p>
+        </p:txBody>
+      </p:sp>
+    </p:spTree>
+    <p:extLst>
+      <p:ext uri="{BB962C8B-B14F-4D97-AF65-F5344CB8AC3E}">
+        <p14:creationId xmlns:p14="http://schemas.microsoft.com/office/powerpoint/2010/main" val="1899170951"/>
+      </p:ext>
+    </p:extLst>
+  </p:cSld>
+  <p:clrMapOvr>
+    <a:masterClrMapping/>
+  </p:clrMapOvr>
+  <mc:AlternateContent xmlns:mc="http://schemas.openxmlformats.org/markup-compatibility/2006" xmlns:p14="http://schemas.microsoft.com/office/powerpoint/2010/main">
+    <mc:Choice Requires="p14">
+      <p:transition spd="med" p14:dur="700">
+        <p:fade/>
+      </p:transition>
+    </mc:Choice>
+    <mc:Fallback xmlns="">
+      <p:transition spd="med">
+        <p:fade/>
+      </p:transition>
+    </mc:Fallback>
+  </mc:AlternateContent>
+  <p:timing>
+    <p:tnLst>
+      <p:par>
+        <p:cTn id="1" dur="indefinite" restart="never" nodeType="tmRoot"/>
+      </p:par>
+    </p:tnLst>
+  </p:timing>
+</p:sld>
+</file>
+
+<file path=ppt/slides/slide42.xml><?xml version="1.0" encoding="utf-8"?>
+<p:sld xmlns:a="http://schemas.openxmlformats.org/drawingml/2006/main" xmlns:r="http://schemas.openxmlformats.org/officeDocument/2006/relationships" xmlns:p="http://schemas.openxmlformats.org/presentationml/2006/main">
+  <p:cSld>
+    <p:spTree>
+      <p:nvGrpSpPr>
+        <p:cNvPr id="1" name=""/>
+        <p:cNvGrpSpPr/>
+        <p:nvPr/>
+      </p:nvGrpSpPr>
+      <p:grpSpPr>
+        <a:xfrm>
+          <a:off x="0" y="0"/>
+          <a:ext cx="0" cy="0"/>
+          <a:chOff x="0" y="0"/>
+          <a:chExt cx="0" cy="0"/>
+        </a:xfrm>
+      </p:grpSpPr>
+      <p:sp>
+        <p:nvSpPr>
+          <p:cNvPr id="2" name="标题 1"/>
+          <p:cNvSpPr>
+            <a:spLocks noGrp="1"/>
+          </p:cNvSpPr>
+          <p:nvPr>
+            <p:ph type="title"/>
+          </p:nvPr>
+        </p:nvSpPr>
+        <p:spPr/>
+        <p:txBody>
+          <a:bodyPr/>
+          <a:lstStyle/>
+          <a:p>
+            <a:r>
+              <a:rPr lang="zh-CN" altLang="en-US" dirty="0" smtClean="0"/>
+              <a:t>用例图语法</a:t>
+            </a:r>
+            <a:r>
+              <a:rPr lang="en-US" altLang="zh-CN" dirty="0" smtClean="0"/>
+              <a:t>1</a:t>
+            </a:r>
+            <a:endParaRPr lang="zh-CN" altLang="en-US" dirty="0"/>
+          </a:p>
+        </p:txBody>
+      </p:sp>
+      <p:sp>
+        <p:nvSpPr>
+          <p:cNvPr id="3" name="内容占位符 2"/>
+          <p:cNvSpPr>
+            <a:spLocks noGrp="1"/>
+          </p:cNvSpPr>
+          <p:nvPr>
+            <p:ph idx="1"/>
+          </p:nvPr>
+        </p:nvSpPr>
+        <p:spPr/>
+        <p:txBody>
+          <a:bodyPr/>
+          <a:lstStyle/>
+          <a:p>
+            <a:endParaRPr lang="zh-CN" altLang="en-US"/>
+          </a:p>
+        </p:txBody>
+      </p:sp>
+      <p:pic>
+        <p:nvPicPr>
+          <p:cNvPr id="4" name="Picture 4"/>
+          <p:cNvPicPr>
+            <a:picLocks noChangeAspect="1" noChangeArrowheads="1"/>
+          </p:cNvPicPr>
+          <p:nvPr/>
+        </p:nvPicPr>
+        <p:blipFill>
+          <a:blip r:embed="rId2">
+            <a:extLst>
+              <a:ext uri="{28A0092B-C50C-407E-A947-70E740481C1C}">
+                <a14:useLocalDpi xmlns:a14="http://schemas.microsoft.com/office/drawing/2010/main" val="0"/>
+              </a:ext>
+            </a:extLst>
+          </a:blip>
+          <a:srcRect/>
+          <a:stretch>
+            <a:fillRect/>
+          </a:stretch>
+        </p:blipFill>
+        <p:spPr bwMode="auto">
+          <a:xfrm>
+            <a:off x="1069569" y="1790159"/>
+            <a:ext cx="5830723" cy="5009091"/>
+          </a:xfrm>
+          <a:prstGeom prst="rect">
+            <a:avLst/>
+          </a:prstGeom>
+          <a:noFill/>
+          <a:ln>
+            <a:noFill/>
+          </a:ln>
+          <a:effectLst/>
+          <a:extLst>
+            <a:ext uri="{909E8E84-426E-40DD-AFC4-6F175D3DCCD1}">
+              <a14:hiddenFill xmlns:a14="http://schemas.microsoft.com/office/drawing/2010/main">
+                <a:solidFill>
+                  <a:schemeClr val="accent1"/>
+                </a:solidFill>
+              </a14:hiddenFill>
+            </a:ext>
+            <a:ext uri="{91240B29-F687-4F45-9708-019B960494DF}">
+              <a14:hiddenLine xmlns:a14="http://schemas.microsoft.com/office/drawing/2010/main" w="9525">
+                <a:solidFill>
+                  <a:schemeClr val="tx1"/>
+                </a:solidFill>
+                <a:miter lim="800000"/>
+                <a:headEnd/>
+                <a:tailEnd/>
+              </a14:hiddenLine>
+            </a:ext>
+            <a:ext uri="{AF507438-7753-43E0-B8FC-AC1667EBCBE1}">
+              <a14:hiddenEffects xmlns:a14="http://schemas.microsoft.com/office/drawing/2010/main">
+                <a:effectLst>
+                  <a:outerShdw dist="35921" dir="2700000" algn="ctr" rotWithShape="0">
+                    <a:schemeClr val="bg2"/>
+                  </a:outerShdw>
+                </a:effectLst>
+              </a14:hiddenEffects>
+            </a:ext>
+          </a:extLst>
+        </p:spPr>
+      </p:pic>
+      <p:sp>
+        <p:nvSpPr>
+          <p:cNvPr id="5" name="Text Box 5"/>
+          <p:cNvSpPr txBox="1">
+            <a:spLocks noChangeArrowheads="1"/>
+          </p:cNvSpPr>
+          <p:nvPr/>
+        </p:nvSpPr>
+        <p:spPr bwMode="auto">
+          <a:xfrm>
+            <a:off x="7966620" y="3645024"/>
+            <a:ext cx="1406525" cy="1739900"/>
+          </a:xfrm>
+          <a:prstGeom prst="rect">
+            <a:avLst/>
+          </a:prstGeom>
+          <a:solidFill>
+            <a:srgbClr val="FFFF00"/>
+          </a:solidFill>
+          <a:ln>
+            <a:noFill/>
+          </a:ln>
+          <a:effectLst/>
+          <a:extLst>
+            <a:ext uri="{91240B29-F687-4F45-9708-019B960494DF}">
+              <a14:hiddenLine xmlns:a14="http://schemas.microsoft.com/office/drawing/2010/main" w="9525">
+                <a:solidFill>
+                  <a:schemeClr val="tx1"/>
+                </a:solidFill>
+                <a:miter lim="800000"/>
+                <a:headEnd/>
+                <a:tailEnd/>
+              </a14:hiddenLine>
+            </a:ext>
+            <a:ext uri="{AF507438-7753-43E0-B8FC-AC1667EBCBE1}">
+              <a14:hiddenEffects xmlns:a14="http://schemas.microsoft.com/office/drawing/2010/main">
+                <a:effectLst>
+                  <a:outerShdw dist="35921" dir="2700000" algn="ctr" rotWithShape="0">
+                    <a:schemeClr val="bg2"/>
+                  </a:outerShdw>
+                </a:effectLst>
+              </a14:hiddenEffects>
+            </a:ext>
+          </a:extLst>
+        </p:spPr>
+        <p:txBody>
+          <a:bodyPr wrap="none">
+            <a:spAutoFit/>
+          </a:bodyPr>
+          <a:lstStyle/>
+          <a:p>
+            <a:pPr>
+              <a:buFontTx/>
+              <a:buChar char="•"/>
+            </a:pPr>
+            <a:r>
+              <a:rPr lang="zh-CN" altLang="en-US" dirty="0"/>
+              <a:t>角色</a:t>
+            </a:r>
+          </a:p>
+          <a:p>
+            <a:pPr>
+              <a:buFontTx/>
+              <a:buChar char="•"/>
+            </a:pPr>
+            <a:r>
+              <a:rPr lang="zh-CN" altLang="en-US" dirty="0"/>
+              <a:t>方框</a:t>
+            </a:r>
+          </a:p>
+          <a:p>
+            <a:pPr>
+              <a:buFontTx/>
+              <a:buChar char="•"/>
+            </a:pPr>
+            <a:r>
+              <a:rPr lang="zh-CN" altLang="en-US" dirty="0"/>
+              <a:t>圆圈</a:t>
+            </a:r>
+          </a:p>
+          <a:p>
+            <a:pPr>
+              <a:buFontTx/>
+              <a:buChar char="•"/>
+            </a:pPr>
+            <a:r>
+              <a:rPr lang="zh-CN" altLang="en-US" dirty="0"/>
+              <a:t>文字表达</a:t>
+            </a:r>
+          </a:p>
+          <a:p>
+            <a:pPr>
+              <a:buFontTx/>
+              <a:buChar char="•"/>
+            </a:pPr>
+            <a:r>
+              <a:rPr lang="zh-CN" altLang="en-US" dirty="0"/>
+              <a:t>线</a:t>
+            </a:r>
+          </a:p>
+          <a:p>
+            <a:pPr>
+              <a:buFontTx/>
+              <a:buChar char="•"/>
+            </a:pPr>
+            <a:r>
+              <a:rPr lang="zh-CN" altLang="en-US" dirty="0"/>
+              <a:t>有箭头的线</a:t>
+            </a:r>
+          </a:p>
+        </p:txBody>
+      </p:sp>
+    </p:spTree>
+    <p:extLst>
+      <p:ext uri="{BB962C8B-B14F-4D97-AF65-F5344CB8AC3E}">
+        <p14:creationId xmlns:p14="http://schemas.microsoft.com/office/powerpoint/2010/main" val="2934636586"/>
+      </p:ext>
+    </p:extLst>
+  </p:cSld>
+  <p:clrMapOvr>
+    <a:masterClrMapping/>
+  </p:clrMapOvr>
+  <mc:AlternateContent xmlns:mc="http://schemas.openxmlformats.org/markup-compatibility/2006" xmlns:p14="http://schemas.microsoft.com/office/powerpoint/2010/main">
+    <mc:Choice Requires="p14">
+      <p:transition spd="med" p14:dur="700">
+        <p:fade/>
+      </p:transition>
+    </mc:Choice>
+    <mc:Fallback xmlns="">
+      <p:transition spd="med">
+        <p:fade/>
+      </p:transition>
+    </mc:Fallback>
+  </mc:AlternateContent>
+  <p:timing>
+    <p:tnLst>
+      <p:par>
+        <p:cTn id="1" dur="indefinite" restart="never" nodeType="tmRoot"/>
+      </p:par>
+    </p:tnLst>
+  </p:timing>
+</p:sld>
+</file>
+
+<file path=ppt/slides/slide43.xml><?xml version="1.0" encoding="utf-8"?>
+<p:sld xmlns:a="http://schemas.openxmlformats.org/drawingml/2006/main" xmlns:r="http://schemas.openxmlformats.org/officeDocument/2006/relationships" xmlns:p="http://schemas.openxmlformats.org/presentationml/2006/main">
+  <p:cSld>
+    <p:spTree>
+      <p:nvGrpSpPr>
+        <p:cNvPr id="1" name=""/>
+        <p:cNvGrpSpPr/>
+        <p:nvPr/>
+      </p:nvGrpSpPr>
+      <p:grpSpPr>
+        <a:xfrm>
+          <a:off x="0" y="0"/>
+          <a:ext cx="0" cy="0"/>
+          <a:chOff x="0" y="0"/>
+          <a:chExt cx="0" cy="0"/>
+        </a:xfrm>
+      </p:grpSpPr>
+      <p:sp>
+        <p:nvSpPr>
+          <p:cNvPr id="2" name="标题 1"/>
+          <p:cNvSpPr>
+            <a:spLocks noGrp="1"/>
+          </p:cNvSpPr>
+          <p:nvPr>
+            <p:ph type="title"/>
+          </p:nvPr>
+        </p:nvSpPr>
+        <p:spPr/>
+        <p:txBody>
+          <a:bodyPr/>
+          <a:lstStyle/>
+          <a:p>
+            <a:r>
+              <a:rPr lang="zh-CN" altLang="en-US" dirty="0"/>
+              <a:t>用例图语法</a:t>
+            </a:r>
+            <a:r>
+              <a:rPr lang="en-US" altLang="zh-CN" dirty="0"/>
+              <a:t>2</a:t>
+            </a:r>
+            <a:endParaRPr lang="zh-CN" altLang="en-US" dirty="0"/>
+          </a:p>
+        </p:txBody>
+      </p:sp>
+      <p:sp>
+        <p:nvSpPr>
+          <p:cNvPr id="3" name="内容占位符 2"/>
+          <p:cNvSpPr>
+            <a:spLocks noGrp="1"/>
+          </p:cNvSpPr>
+          <p:nvPr>
+            <p:ph idx="1"/>
+          </p:nvPr>
+        </p:nvSpPr>
+        <p:spPr/>
+        <p:txBody>
+          <a:bodyPr/>
+          <a:lstStyle/>
+          <a:p>
+            <a:endParaRPr lang="zh-CN" altLang="en-US"/>
+          </a:p>
+        </p:txBody>
+      </p:sp>
+      <p:pic>
+        <p:nvPicPr>
+          <p:cNvPr id="4" name="Picture 5"/>
+          <p:cNvPicPr>
+            <a:picLocks noChangeAspect="1" noChangeArrowheads="1"/>
+          </p:cNvPicPr>
+          <p:nvPr/>
+        </p:nvPicPr>
+        <p:blipFill>
+          <a:blip r:embed="rId2">
+            <a:extLst>
+              <a:ext uri="{28A0092B-C50C-407E-A947-70E740481C1C}">
+                <a14:useLocalDpi xmlns:a14="http://schemas.microsoft.com/office/drawing/2010/main" val="0"/>
+              </a:ext>
+            </a:extLst>
+          </a:blip>
+          <a:srcRect/>
+          <a:stretch>
+            <a:fillRect/>
+          </a:stretch>
+        </p:blipFill>
+        <p:spPr bwMode="auto">
+          <a:xfrm>
+            <a:off x="1629916" y="1844824"/>
+            <a:ext cx="4896544" cy="4801213"/>
+          </a:xfrm>
+          <a:prstGeom prst="rect">
+            <a:avLst/>
+          </a:prstGeom>
+          <a:noFill/>
+          <a:ln>
+            <a:noFill/>
+          </a:ln>
+          <a:effectLst/>
+          <a:extLst>
+            <a:ext uri="{909E8E84-426E-40DD-AFC4-6F175D3DCCD1}">
+              <a14:hiddenFill xmlns:a14="http://schemas.microsoft.com/office/drawing/2010/main">
+                <a:solidFill>
+                  <a:schemeClr val="accent1"/>
+                </a:solidFill>
+              </a14:hiddenFill>
+            </a:ext>
+            <a:ext uri="{91240B29-F687-4F45-9708-019B960494DF}">
+              <a14:hiddenLine xmlns:a14="http://schemas.microsoft.com/office/drawing/2010/main" w="9525">
+                <a:solidFill>
+                  <a:schemeClr val="tx1"/>
+                </a:solidFill>
+                <a:miter lim="800000"/>
+                <a:headEnd/>
+                <a:tailEnd/>
+              </a14:hiddenLine>
+            </a:ext>
+            <a:ext uri="{AF507438-7753-43E0-B8FC-AC1667EBCBE1}">
+              <a14:hiddenEffects xmlns:a14="http://schemas.microsoft.com/office/drawing/2010/main">
+                <a:effectLst>
+                  <a:outerShdw dist="35921" dir="2700000" algn="ctr" rotWithShape="0">
+                    <a:schemeClr val="bg2"/>
+                  </a:outerShdw>
+                </a:effectLst>
+              </a14:hiddenEffects>
+            </a:ext>
+          </a:extLst>
+        </p:spPr>
+      </p:pic>
+      <p:sp>
+        <p:nvSpPr>
+          <p:cNvPr id="5" name="Text Box 6"/>
+          <p:cNvSpPr txBox="1">
+            <a:spLocks noChangeArrowheads="1"/>
+          </p:cNvSpPr>
+          <p:nvPr/>
+        </p:nvSpPr>
+        <p:spPr bwMode="auto">
+          <a:xfrm>
+            <a:off x="7318548" y="5256212"/>
+            <a:ext cx="1863725" cy="915988"/>
+          </a:xfrm>
+          <a:prstGeom prst="rect">
+            <a:avLst/>
+          </a:prstGeom>
+          <a:solidFill>
+            <a:srgbClr val="FFFF00"/>
+          </a:solidFill>
+          <a:ln>
+            <a:noFill/>
+          </a:ln>
+          <a:effectLst/>
+          <a:extLst>
+            <a:ext uri="{91240B29-F687-4F45-9708-019B960494DF}">
+              <a14:hiddenLine xmlns:a14="http://schemas.microsoft.com/office/drawing/2010/main" w="9525">
+                <a:solidFill>
+                  <a:schemeClr val="tx1"/>
+                </a:solidFill>
+                <a:miter lim="800000"/>
+                <a:headEnd/>
+                <a:tailEnd/>
+              </a14:hiddenLine>
+            </a:ext>
+            <a:ext uri="{AF507438-7753-43E0-B8FC-AC1667EBCBE1}">
+              <a14:hiddenEffects xmlns:a14="http://schemas.microsoft.com/office/drawing/2010/main">
+                <a:effectLst>
+                  <a:outerShdw dist="35921" dir="2700000" algn="ctr" rotWithShape="0">
+                    <a:schemeClr val="bg2"/>
+                  </a:outerShdw>
+                </a:effectLst>
+              </a14:hiddenEffects>
+            </a:ext>
+          </a:extLst>
+        </p:spPr>
+        <p:txBody>
+          <a:bodyPr wrap="none">
+            <a:spAutoFit/>
+          </a:bodyPr>
+          <a:lstStyle/>
+          <a:p>
+            <a:pPr>
+              <a:buFontTx/>
+              <a:buChar char="•"/>
+            </a:pPr>
+            <a:r>
+              <a:rPr lang="en-US" altLang="zh-CN" dirty="0"/>
+              <a:t>Extend</a:t>
+            </a:r>
+          </a:p>
+          <a:p>
+            <a:pPr>
+              <a:buFontTx/>
+              <a:buChar char="•"/>
+            </a:pPr>
+            <a:r>
+              <a:rPr lang="en-US" altLang="zh-CN" dirty="0"/>
+              <a:t>Include</a:t>
+            </a:r>
+          </a:p>
+          <a:p>
+            <a:pPr>
+              <a:buFontTx/>
+              <a:buChar char="•"/>
+            </a:pPr>
+            <a:r>
+              <a:rPr lang="zh-CN" altLang="en-US" dirty="0"/>
+              <a:t>带三角形的箭头</a:t>
+            </a:r>
+          </a:p>
+        </p:txBody>
+      </p:sp>
+    </p:spTree>
+    <p:extLst>
+      <p:ext uri="{BB962C8B-B14F-4D97-AF65-F5344CB8AC3E}">
+        <p14:creationId xmlns:p14="http://schemas.microsoft.com/office/powerpoint/2010/main" val="3554216156"/>
+      </p:ext>
+    </p:extLst>
+  </p:cSld>
+  <p:clrMapOvr>
+    <a:masterClrMapping/>
+  </p:clrMapOvr>
+  <mc:AlternateContent xmlns:mc="http://schemas.openxmlformats.org/markup-compatibility/2006" xmlns:p14="http://schemas.microsoft.com/office/powerpoint/2010/main">
+    <mc:Choice Requires="p14">
+      <p:transition spd="med" p14:dur="700">
+        <p:fade/>
+      </p:transition>
+    </mc:Choice>
+    <mc:Fallback xmlns="">
+      <p:transition spd="med">
+        <p:fade/>
+      </p:transition>
+    </mc:Fallback>
+  </mc:AlternateContent>
+  <p:timing>
+    <p:tnLst>
+      <p:par>
+        <p:cTn id="1" dur="indefinite" restart="never" nodeType="tmRoot"/>
+      </p:par>
+    </p:tnLst>
+  </p:timing>
+</p:sld>
+</file>
+
+<file path=ppt/slides/slide44.xml><?xml version="1.0" encoding="utf-8"?>
+<p:sld xmlns:a="http://schemas.openxmlformats.org/drawingml/2006/main" xmlns:r="http://schemas.openxmlformats.org/officeDocument/2006/relationships" xmlns:p="http://schemas.openxmlformats.org/presentationml/2006/main">
+  <p:cSld>
+    <p:spTree>
+      <p:nvGrpSpPr>
+        <p:cNvPr id="1" name=""/>
+        <p:cNvGrpSpPr/>
+        <p:nvPr/>
+      </p:nvGrpSpPr>
+      <p:grpSpPr>
+        <a:xfrm>
+          <a:off x="0" y="0"/>
+          <a:ext cx="0" cy="0"/>
+          <a:chOff x="0" y="0"/>
+          <a:chExt cx="0" cy="0"/>
+        </a:xfrm>
+      </p:grpSpPr>
+      <p:sp>
+        <p:nvSpPr>
+          <p:cNvPr id="2" name="标题 1"/>
+          <p:cNvSpPr>
+            <a:spLocks noGrp="1"/>
+          </p:cNvSpPr>
+          <p:nvPr>
+            <p:ph type="title"/>
+          </p:nvPr>
+        </p:nvSpPr>
+        <p:spPr/>
+        <p:txBody>
+          <a:bodyPr/>
+          <a:lstStyle/>
+          <a:p>
+            <a:r>
+              <a:rPr lang="zh-CN" altLang="en-US" dirty="0"/>
+              <a:t>练习 绘出订餐系统的用例图</a:t>
+            </a:r>
+          </a:p>
+        </p:txBody>
+      </p:sp>
+      <p:sp>
+        <p:nvSpPr>
+          <p:cNvPr id="3" name="内容占位符 2"/>
+          <p:cNvSpPr>
+            <a:spLocks noGrp="1"/>
+          </p:cNvSpPr>
+          <p:nvPr>
+            <p:ph idx="1"/>
+          </p:nvPr>
+        </p:nvSpPr>
+        <p:spPr/>
+        <p:txBody>
+          <a:bodyPr/>
+          <a:lstStyle/>
+          <a:p>
+            <a:r>
+              <a:rPr lang="zh-CN" altLang="en-US" sz="2800" dirty="0"/>
+              <a:t>假设我们要做一个订餐系统，要实现当前我们订餐的全部功能。另外你可以考虑加上需要增加的功能。</a:t>
+            </a:r>
+          </a:p>
+          <a:p>
+            <a:r>
+              <a:rPr lang="zh-CN" altLang="en-US" sz="2800" dirty="0"/>
+              <a:t>要求</a:t>
+            </a:r>
+          </a:p>
+          <a:p>
+            <a:pPr lvl="1"/>
+            <a:r>
+              <a:rPr lang="zh-CN" altLang="en-US" sz="2300" dirty="0"/>
+              <a:t>识别出角色</a:t>
+            </a:r>
+          </a:p>
+          <a:p>
+            <a:pPr lvl="1"/>
+            <a:r>
+              <a:rPr lang="zh-CN" altLang="en-US" sz="2300" dirty="0"/>
+              <a:t>描述出这个系统能做什么事情</a:t>
+            </a:r>
+          </a:p>
+          <a:p>
+            <a:pPr lvl="1"/>
+            <a:r>
+              <a:rPr lang="en-US" altLang="zh-CN" sz="2300" dirty="0"/>
+              <a:t>5</a:t>
+            </a:r>
+            <a:r>
+              <a:rPr lang="zh-CN" altLang="en-US" sz="2300" dirty="0"/>
+              <a:t>分钟</a:t>
+            </a:r>
+          </a:p>
+          <a:p>
+            <a:r>
+              <a:rPr lang="zh-CN" altLang="en-US" sz="2800" dirty="0" smtClean="0"/>
+              <a:t>相邻两人互相</a:t>
+            </a:r>
+            <a:r>
+              <a:rPr lang="zh-CN" altLang="en-US" sz="2800" dirty="0"/>
+              <a:t>评审（</a:t>
+            </a:r>
+            <a:r>
+              <a:rPr lang="en-US" altLang="zh-CN" sz="2800" dirty="0"/>
+              <a:t>5</a:t>
+            </a:r>
+            <a:r>
+              <a:rPr lang="zh-CN" altLang="en-US" sz="2800" dirty="0"/>
+              <a:t>分钟）</a:t>
+            </a:r>
+          </a:p>
+          <a:p>
+            <a:endParaRPr lang="zh-CN" altLang="en-US" dirty="0"/>
+          </a:p>
+        </p:txBody>
+      </p:sp>
+    </p:spTree>
+    <p:extLst>
+      <p:ext uri="{BB962C8B-B14F-4D97-AF65-F5344CB8AC3E}">
+        <p14:creationId xmlns:p14="http://schemas.microsoft.com/office/powerpoint/2010/main" val="2474458317"/>
+      </p:ext>
+    </p:extLst>
+  </p:cSld>
+  <p:clrMapOvr>
+    <a:masterClrMapping/>
+  </p:clrMapOvr>
+  <mc:AlternateContent xmlns:mc="http://schemas.openxmlformats.org/markup-compatibility/2006" xmlns:p14="http://schemas.microsoft.com/office/powerpoint/2010/main">
+    <mc:Choice Requires="p14">
+      <p:transition spd="med" p14:dur="700">
+        <p:fade/>
+      </p:transition>
+    </mc:Choice>
+    <mc:Fallback xmlns="">
+      <p:transition spd="med">
+        <p:fade/>
+      </p:transition>
+    </mc:Fallback>
+  </mc:AlternateContent>
+  <p:timing>
+    <p:tnLst>
+      <p:par>
+        <p:cTn id="1" dur="indefinite" restart="never" nodeType="tmRoot"/>
+      </p:par>
+    </p:tnLst>
+  </p:timing>
+</p:sld>
+</file>
+
+<file path=ppt/slides/slide45.xml><?xml version="1.0" encoding="utf-8"?>
 <p:sld xmlns:a="http://schemas.openxmlformats.org/drawingml/2006/main" xmlns:r="http://schemas.openxmlformats.org/officeDocument/2006/relationships" xmlns:p="http://schemas.openxmlformats.org/presentationml/2006/main" showMasterPhAnim="0">
   <p:cSld>
     <p:spTree>
@@ -33635,7 +35635,7 @@
             <a:fld id="{04B57FBF-DD7C-48C9-B9B9-E7F40E79646B}" type="slidenum">
               <a:rPr lang="en-US" altLang="zh-CN"/>
               <a:pPr/>
-              <a:t>40</a:t>
+              <a:t>45</a:t>
             </a:fld>
             <a:endParaRPr lang="en-US" altLang="zh-CN"/>
           </a:p>
@@ -33861,7 +35861,7 @@
 </p:sld>
 </file>
 
-<file path=ppt/slides/slide41.xml><?xml version="1.0" encoding="utf-8"?>
+<file path=ppt/slides/slide46.xml><?xml version="1.0" encoding="utf-8"?>
 <p:sld xmlns:a="http://schemas.openxmlformats.org/drawingml/2006/main" xmlns:r="http://schemas.openxmlformats.org/officeDocument/2006/relationships" xmlns:p="http://schemas.openxmlformats.org/presentationml/2006/main" showMasterPhAnim="0">
   <p:cSld>
     <p:spTree>
@@ -33896,7 +35896,7 @@
             <a:fld id="{318E9B5D-B8D4-41CF-92F9-74215651E063}" type="slidenum">
               <a:rPr lang="en-US" altLang="zh-CN"/>
               <a:pPr/>
-              <a:t>41</a:t>
+              <a:t>46</a:t>
             </a:fld>
             <a:endParaRPr lang="en-US" altLang="zh-CN"/>
           </a:p>
@@ -33943,61 +35943,61 @@
           <a:p>
             <a:pPr marL="533400" indent="-533400"/>
             <a:r>
-              <a:rPr lang="zh-CN" altLang="en-US" sz="2800"/>
+              <a:rPr lang="zh-CN" altLang="en-US" sz="2800" dirty="0"/>
               <a:t>用好用例图，你的条理性是关键！</a:t>
             </a:r>
           </a:p>
           <a:p>
             <a:pPr marL="533400" indent="-533400"/>
             <a:r>
-              <a:rPr lang="zh-CN" altLang="en-US" sz="2800"/>
+              <a:rPr lang="zh-CN" altLang="en-US" sz="2800" dirty="0"/>
               <a:t>需要用用户能理解的语言来表达。</a:t>
             </a:r>
           </a:p>
           <a:p>
             <a:pPr marL="533400" indent="-533400"/>
             <a:r>
-              <a:rPr lang="zh-CN" altLang="en-US" sz="2800"/>
+              <a:rPr lang="zh-CN" altLang="en-US" sz="2800" dirty="0"/>
               <a:t>用例图能协助你表达问题，但不是万能的。</a:t>
             </a:r>
           </a:p>
           <a:p>
             <a:pPr marL="533400" indent="-533400"/>
             <a:r>
-              <a:rPr lang="zh-CN" altLang="en-US" sz="2800"/>
+              <a:rPr lang="zh-CN" altLang="en-US" sz="2800" dirty="0"/>
               <a:t>用例图基本语法</a:t>
             </a:r>
           </a:p>
           <a:p>
             <a:pPr marL="895350" lvl="1" indent="-438150"/>
             <a:r>
-              <a:rPr lang="zh-CN" altLang="en-US" sz="2500"/>
+              <a:rPr lang="zh-CN" altLang="en-US" sz="2500" dirty="0"/>
               <a:t>角色、方框、圆圈、线条、有箭头线条、文字表达</a:t>
             </a:r>
           </a:p>
           <a:p>
             <a:pPr marL="895350" lvl="1" indent="-438150"/>
             <a:r>
-              <a:rPr lang="en-US" altLang="zh-CN" sz="2500"/>
+              <a:rPr lang="en-US" altLang="zh-CN" sz="2500" dirty="0"/>
               <a:t>Extend</a:t>
             </a:r>
             <a:r>
-              <a:rPr lang="zh-CN" altLang="en-US" sz="2500"/>
+              <a:rPr lang="zh-CN" altLang="en-US" sz="2500" dirty="0"/>
               <a:t>，</a:t>
             </a:r>
             <a:r>
-              <a:rPr lang="en-US" altLang="zh-CN" sz="2500"/>
+              <a:rPr lang="en-US" altLang="zh-CN" sz="2500" dirty="0"/>
               <a:t>Include</a:t>
             </a:r>
             <a:r>
-              <a:rPr lang="zh-CN" altLang="en-US" sz="2500"/>
+              <a:rPr lang="zh-CN" altLang="en-US" sz="2500" dirty="0"/>
               <a:t>，带三角的箭头</a:t>
             </a:r>
           </a:p>
           <a:p>
             <a:pPr marL="533400" indent="-533400"/>
             <a:r>
-              <a:rPr lang="zh-CN" altLang="en-US" sz="2800"/>
+              <a:rPr lang="zh-CN" altLang="en-US" sz="2800" dirty="0"/>
               <a:t>画用例图的基本步骤</a:t>
             </a:r>
           </a:p>
@@ -34007,7 +36007,7 @@
               <a:buAutoNum type="arabicPeriod"/>
             </a:pPr>
             <a:r>
-              <a:rPr lang="zh-CN" altLang="en-US" sz="2300"/>
+              <a:rPr lang="zh-CN" altLang="en-US" sz="2300" dirty="0"/>
               <a:t>识别出角色</a:t>
             </a:r>
           </a:p>
@@ -34017,7 +36017,7 @@
               <a:buAutoNum type="arabicPeriod"/>
             </a:pPr>
             <a:r>
-              <a:rPr lang="zh-CN" altLang="en-US" sz="2300"/>
+              <a:rPr lang="zh-CN" altLang="en-US" sz="2300" dirty="0"/>
               <a:t>从高层次描述系统能做什么</a:t>
             </a:r>
           </a:p>
@@ -34027,7 +36027,7 @@
               <a:buAutoNum type="arabicPeriod"/>
             </a:pPr>
             <a:r>
-              <a:rPr lang="zh-CN" altLang="en-US" sz="2300"/>
+              <a:rPr lang="zh-CN" altLang="en-US" sz="2300" dirty="0"/>
               <a:t>细分需求</a:t>
             </a:r>
           </a:p>
@@ -34524,6 +36524,328 @@
           <a:lstStyle/>
           <a:p>
             <a:r>
+              <a:rPr lang="zh-CN" altLang="en-US" dirty="0" smtClean="0"/>
+              <a:t>思维导图</a:t>
+            </a:r>
+            <a:endParaRPr lang="zh-CN" altLang="en-US" dirty="0"/>
+          </a:p>
+        </p:txBody>
+      </p:sp>
+      <p:pic>
+        <p:nvPicPr>
+          <p:cNvPr id="14338" name="Picture 2" descr="http://www.xz7.com/up/2017-8/2017082515480848453.jpg"/>
+          <p:cNvPicPr>
+            <a:picLocks noGrp="1" noChangeAspect="1" noChangeArrowheads="1"/>
+          </p:cNvPicPr>
+          <p:nvPr>
+            <p:ph idx="1"/>
+          </p:nvPr>
+        </p:nvPicPr>
+        <p:blipFill>
+          <a:blip r:embed="rId2">
+            <a:extLst>
+              <a:ext uri="{28A0092B-C50C-407E-A947-70E740481C1C}">
+                <a14:useLocalDpi xmlns:a14="http://schemas.microsoft.com/office/drawing/2010/main" val="0"/>
+              </a:ext>
+            </a:extLst>
+          </a:blip>
+          <a:srcRect/>
+          <a:stretch>
+            <a:fillRect/>
+          </a:stretch>
+        </p:blipFill>
+        <p:spPr bwMode="auto">
+          <a:xfrm>
+            <a:off x="2277988" y="1988840"/>
+            <a:ext cx="6048188" cy="4051300"/>
+          </a:xfrm>
+          <a:prstGeom prst="rect">
+            <a:avLst/>
+          </a:prstGeom>
+          <a:noFill/>
+          <a:extLst>
+            <a:ext uri="{909E8E84-426E-40DD-AFC4-6F175D3DCCD1}">
+              <a14:hiddenFill xmlns:a14="http://schemas.microsoft.com/office/drawing/2010/main">
+                <a:solidFill>
+                  <a:srgbClr val="FFFFFF"/>
+                </a:solidFill>
+              </a14:hiddenFill>
+            </a:ext>
+          </a:extLst>
+        </p:spPr>
+      </p:pic>
+    </p:spTree>
+    <p:extLst>
+      <p:ext uri="{BB962C8B-B14F-4D97-AF65-F5344CB8AC3E}">
+        <p14:creationId xmlns:p14="http://schemas.microsoft.com/office/powerpoint/2010/main" val="3475681305"/>
+      </p:ext>
+    </p:extLst>
+  </p:cSld>
+  <p:clrMapOvr>
+    <a:masterClrMapping/>
+  </p:clrMapOvr>
+  <mc:AlternateContent xmlns:mc="http://schemas.openxmlformats.org/markup-compatibility/2006" xmlns:p14="http://schemas.microsoft.com/office/powerpoint/2010/main">
+    <mc:Choice Requires="p14">
+      <p:transition spd="med" p14:dur="700">
+        <p:fade/>
+      </p:transition>
+    </mc:Choice>
+    <mc:Fallback xmlns="">
+      <p:transition spd="med">
+        <p:fade/>
+      </p:transition>
+    </mc:Fallback>
+  </mc:AlternateContent>
+</p:sld>
+</file>
+
+<file path=ppt/slides/slide6.xml><?xml version="1.0" encoding="utf-8"?>
+<p:sld xmlns:a="http://schemas.openxmlformats.org/drawingml/2006/main" xmlns:r="http://schemas.openxmlformats.org/officeDocument/2006/relationships" xmlns:p="http://schemas.openxmlformats.org/presentationml/2006/main">
+  <p:cSld>
+    <p:spTree>
+      <p:nvGrpSpPr>
+        <p:cNvPr id="1" name=""/>
+        <p:cNvGrpSpPr/>
+        <p:nvPr/>
+      </p:nvGrpSpPr>
+      <p:grpSpPr>
+        <a:xfrm>
+          <a:off x="0" y="0"/>
+          <a:ext cx="0" cy="0"/>
+          <a:chOff x="0" y="0"/>
+          <a:chExt cx="0" cy="0"/>
+        </a:xfrm>
+      </p:grpSpPr>
+      <p:sp>
+        <p:nvSpPr>
+          <p:cNvPr id="2" name="标题 1"/>
+          <p:cNvSpPr>
+            <a:spLocks noGrp="1"/>
+          </p:cNvSpPr>
+          <p:nvPr>
+            <p:ph type="title"/>
+          </p:nvPr>
+        </p:nvSpPr>
+        <p:spPr/>
+        <p:txBody>
+          <a:bodyPr/>
+          <a:lstStyle/>
+          <a:p>
+            <a:r>
+              <a:rPr lang="en-US" altLang="zh-CN" dirty="0"/>
+              <a:t>UML</a:t>
+            </a:r>
+            <a:endParaRPr lang="zh-CN" altLang="en-US" dirty="0"/>
+          </a:p>
+        </p:txBody>
+      </p:sp>
+      <p:pic>
+        <p:nvPicPr>
+          <p:cNvPr id="5" name="图片 4"/>
+          <p:cNvPicPr>
+            <a:picLocks noChangeAspect="1"/>
+          </p:cNvPicPr>
+          <p:nvPr/>
+        </p:nvPicPr>
+        <p:blipFill>
+          <a:blip r:embed="rId2"/>
+          <a:stretch>
+            <a:fillRect/>
+          </a:stretch>
+        </p:blipFill>
+        <p:spPr>
+          <a:xfrm>
+            <a:off x="4222204" y="188640"/>
+            <a:ext cx="6696075" cy="6381750"/>
+          </a:xfrm>
+          <a:prstGeom prst="rect">
+            <a:avLst/>
+          </a:prstGeom>
+        </p:spPr>
+      </p:pic>
+    </p:spTree>
+    <p:extLst>
+      <p:ext uri="{BB962C8B-B14F-4D97-AF65-F5344CB8AC3E}">
+        <p14:creationId xmlns:p14="http://schemas.microsoft.com/office/powerpoint/2010/main" val="3303486161"/>
+      </p:ext>
+    </p:extLst>
+  </p:cSld>
+  <p:clrMapOvr>
+    <a:masterClrMapping/>
+  </p:clrMapOvr>
+  <mc:AlternateContent xmlns:mc="http://schemas.openxmlformats.org/markup-compatibility/2006" xmlns:p14="http://schemas.microsoft.com/office/powerpoint/2010/main">
+    <mc:Choice Requires="p14">
+      <p:transition spd="med" p14:dur="700">
+        <p:fade/>
+      </p:transition>
+    </mc:Choice>
+    <mc:Fallback xmlns="">
+      <p:transition spd="med">
+        <p:fade/>
+      </p:transition>
+    </mc:Fallback>
+  </mc:AlternateContent>
+</p:sld>
+</file>
+
+<file path=ppt/slides/slide7.xml><?xml version="1.0" encoding="utf-8"?>
+<p:sld xmlns:a="http://schemas.openxmlformats.org/drawingml/2006/main" xmlns:r="http://schemas.openxmlformats.org/officeDocument/2006/relationships" xmlns:p="http://schemas.openxmlformats.org/presentationml/2006/main">
+  <p:cSld>
+    <p:spTree>
+      <p:nvGrpSpPr>
+        <p:cNvPr id="1" name=""/>
+        <p:cNvGrpSpPr/>
+        <p:nvPr/>
+      </p:nvGrpSpPr>
+      <p:grpSpPr>
+        <a:xfrm>
+          <a:off x="0" y="0"/>
+          <a:ext cx="0" cy="0"/>
+          <a:chOff x="0" y="0"/>
+          <a:chExt cx="0" cy="0"/>
+        </a:xfrm>
+      </p:grpSpPr>
+      <p:sp>
+        <p:nvSpPr>
+          <p:cNvPr id="2" name="标题 1"/>
+          <p:cNvSpPr>
+            <a:spLocks noGrp="1"/>
+          </p:cNvSpPr>
+          <p:nvPr>
+            <p:ph type="title"/>
+          </p:nvPr>
+        </p:nvSpPr>
+        <p:spPr/>
+        <p:txBody>
+          <a:bodyPr/>
+          <a:lstStyle/>
+          <a:p>
+            <a:r>
+              <a:rPr lang="zh-CN" altLang="en-US" dirty="0"/>
+              <a:t>界面原型工具</a:t>
+            </a:r>
+            <a:endParaRPr lang="zh-CN" altLang="en-US" dirty="0"/>
+          </a:p>
+        </p:txBody>
+      </p:sp>
+      <p:sp>
+        <p:nvSpPr>
+          <p:cNvPr id="4" name="内容占位符 3"/>
+          <p:cNvSpPr>
+            <a:spLocks noGrp="1"/>
+          </p:cNvSpPr>
+          <p:nvPr>
+            <p:ph idx="1"/>
+          </p:nvPr>
+        </p:nvSpPr>
+        <p:spPr/>
+        <p:txBody>
+          <a:bodyPr/>
+          <a:lstStyle/>
+          <a:p>
+            <a:endParaRPr lang="zh-CN" altLang="en-US" dirty="0"/>
+          </a:p>
+        </p:txBody>
+      </p:sp>
+      <p:pic>
+        <p:nvPicPr>
+          <p:cNvPr id="15364" name="Picture 4" descr="http://img.zcool.cn/community/01e0ac5784991f0000012e7ee8ae73.jpg@900w_1l_2o_100sh.jpg"/>
+          <p:cNvPicPr>
+            <a:picLocks noChangeAspect="1" noChangeArrowheads="1"/>
+          </p:cNvPicPr>
+          <p:nvPr/>
+        </p:nvPicPr>
+        <p:blipFill>
+          <a:blip r:embed="rId2">
+            <a:extLst>
+              <a:ext uri="{28A0092B-C50C-407E-A947-70E740481C1C}">
+                <a14:useLocalDpi xmlns:a14="http://schemas.microsoft.com/office/drawing/2010/main" val="0"/>
+              </a:ext>
+            </a:extLst>
+          </a:blip>
+          <a:srcRect/>
+          <a:stretch>
+            <a:fillRect/>
+          </a:stretch>
+        </p:blipFill>
+        <p:spPr bwMode="auto">
+          <a:xfrm>
+            <a:off x="1269876" y="1668135"/>
+            <a:ext cx="8748242" cy="4957338"/>
+          </a:xfrm>
+          <a:prstGeom prst="rect">
+            <a:avLst/>
+          </a:prstGeom>
+          <a:noFill/>
+          <a:extLst>
+            <a:ext uri="{909E8E84-426E-40DD-AFC4-6F175D3DCCD1}">
+              <a14:hiddenFill xmlns:a14="http://schemas.microsoft.com/office/drawing/2010/main">
+                <a:solidFill>
+                  <a:srgbClr val="FFFFFF"/>
+                </a:solidFill>
+              </a14:hiddenFill>
+            </a:ext>
+          </a:extLst>
+        </p:spPr>
+      </p:pic>
+    </p:spTree>
+    <p:extLst>
+      <p:ext uri="{BB962C8B-B14F-4D97-AF65-F5344CB8AC3E}">
+        <p14:creationId xmlns:p14="http://schemas.microsoft.com/office/powerpoint/2010/main" val="4157453164"/>
+      </p:ext>
+    </p:extLst>
+  </p:cSld>
+  <p:clrMapOvr>
+    <a:masterClrMapping/>
+  </p:clrMapOvr>
+  <mc:AlternateContent xmlns:mc="http://schemas.openxmlformats.org/markup-compatibility/2006" xmlns:p14="http://schemas.microsoft.com/office/powerpoint/2010/main">
+    <mc:Choice Requires="p14">
+      <p:transition spd="med" p14:dur="700">
+        <p:fade/>
+      </p:transition>
+    </mc:Choice>
+    <mc:Fallback xmlns="">
+      <p:transition spd="med">
+        <p:fade/>
+      </p:transition>
+    </mc:Fallback>
+  </mc:AlternateContent>
+</p:sld>
+</file>
+
+<file path=ppt/slides/slide8.xml><?xml version="1.0" encoding="utf-8"?>
+<p:sld xmlns:a="http://schemas.openxmlformats.org/drawingml/2006/main" xmlns:r="http://schemas.openxmlformats.org/officeDocument/2006/relationships" xmlns:p="http://schemas.openxmlformats.org/presentationml/2006/main">
+  <p:cSld>
+    <p:spTree>
+      <p:nvGrpSpPr>
+        <p:cNvPr id="1" name=""/>
+        <p:cNvGrpSpPr/>
+        <p:nvPr/>
+      </p:nvGrpSpPr>
+      <p:grpSpPr>
+        <a:xfrm>
+          <a:off x="0" y="0"/>
+          <a:ext cx="0" cy="0"/>
+          <a:chOff x="0" y="0"/>
+          <a:chExt cx="0" cy="0"/>
+        </a:xfrm>
+      </p:grpSpPr>
+      <p:sp>
+        <p:nvSpPr>
+          <p:cNvPr id="2" name="标题 1"/>
+          <p:cNvSpPr>
+            <a:spLocks noGrp="1"/>
+          </p:cNvSpPr>
+          <p:nvPr>
+            <p:ph type="title"/>
+          </p:nvPr>
+        </p:nvSpPr>
+        <p:spPr/>
+        <p:txBody>
+          <a:bodyPr/>
+          <a:lstStyle/>
+          <a:p>
+            <a:r>
               <a:rPr lang="en-US" altLang="zh-CN" dirty="0" smtClean="0"/>
               <a:t>UML</a:t>
             </a:r>
@@ -34543,7 +36865,11 @@
           </p:cNvGraphicFramePr>
           <p:nvPr>
             <p:ph idx="1"/>
-            <p:extLst/>
+            <p:extLst>
+              <p:ext uri="{D42A27DB-BD31-4B8C-83A1-F6EECF244321}">
+                <p14:modId xmlns:p14="http://schemas.microsoft.com/office/powerpoint/2010/main" val="4167540049"/>
+              </p:ext>
+            </p:extLst>
           </p:nvPr>
         </p:nvGraphicFramePr>
         <p:xfrm>
@@ -35370,7 +37696,7 @@
 </p:sld>
 </file>
 
-<file path=ppt/slides/slide6.xml><?xml version="1.0" encoding="utf-8"?>
+<file path=ppt/slides/slide9.xml><?xml version="1.0" encoding="utf-8"?>
 <p:sld xmlns:a="http://schemas.openxmlformats.org/drawingml/2006/main" xmlns:r="http://schemas.openxmlformats.org/officeDocument/2006/relationships" xmlns:p="http://schemas.openxmlformats.org/presentationml/2006/main">
   <p:cSld>
     <p:spTree>
@@ -35610,1460 +37936,6 @@
         <p:cTn id="1" dur="indefinite" restart="never" nodeType="tmRoot"/>
       </p:par>
     </p:tnLst>
-  </p:timing>
-</p:sld>
-</file>
-
-<file path=ppt/slides/slide7.xml><?xml version="1.0" encoding="utf-8"?>
-<p:sld xmlns:a="http://schemas.openxmlformats.org/drawingml/2006/main" xmlns:r="http://schemas.openxmlformats.org/officeDocument/2006/relationships" xmlns:p="http://schemas.openxmlformats.org/presentationml/2006/main">
-  <p:cSld>
-    <p:spTree>
-      <p:nvGrpSpPr>
-        <p:cNvPr id="1" name=""/>
-        <p:cNvGrpSpPr/>
-        <p:nvPr/>
-      </p:nvGrpSpPr>
-      <p:grpSpPr>
-        <a:xfrm>
-          <a:off x="0" y="0"/>
-          <a:ext cx="0" cy="0"/>
-          <a:chOff x="0" y="0"/>
-          <a:chExt cx="0" cy="0"/>
-        </a:xfrm>
-      </p:grpSpPr>
-      <p:sp>
-        <p:nvSpPr>
-          <p:cNvPr id="2" name="标题 1"/>
-          <p:cNvSpPr>
-            <a:spLocks noGrp="1"/>
-          </p:cNvSpPr>
-          <p:nvPr>
-            <p:ph type="title"/>
-          </p:nvPr>
-        </p:nvSpPr>
-        <p:spPr/>
-        <p:txBody>
-          <a:bodyPr/>
-          <a:lstStyle/>
-          <a:p>
-            <a:r>
-              <a:rPr lang="en-US" altLang="zh-CN" dirty="0" smtClean="0"/>
-              <a:t>UML</a:t>
-            </a:r>
-            <a:r>
-              <a:rPr lang="zh-CN" altLang="en-US" dirty="0" smtClean="0"/>
-              <a:t>能做什么？</a:t>
-            </a:r>
-            <a:endParaRPr lang="zh-CN" altLang="en-US" dirty="0"/>
-          </a:p>
-        </p:txBody>
-      </p:sp>
-      <p:sp>
-        <p:nvSpPr>
-          <p:cNvPr id="3" name="内容占位符 2"/>
-          <p:cNvSpPr>
-            <a:spLocks noGrp="1"/>
-          </p:cNvSpPr>
-          <p:nvPr>
-            <p:ph idx="1"/>
-          </p:nvPr>
-        </p:nvSpPr>
-        <p:spPr/>
-        <p:txBody>
-          <a:bodyPr>
-            <a:normAutofit fontScale="92500" lnSpcReduction="10000"/>
-          </a:bodyPr>
-          <a:lstStyle/>
-          <a:p>
-            <a:pPr>
-              <a:lnSpc>
-                <a:spcPct val="80000"/>
-              </a:lnSpc>
-            </a:pPr>
-            <a:r>
-              <a:rPr lang="zh-CN" altLang="en-US" sz="2800" dirty="0"/>
-              <a:t>辅助进行需求调研、需求分析</a:t>
-            </a:r>
-          </a:p>
-          <a:p>
-            <a:pPr lvl="1">
-              <a:lnSpc>
-                <a:spcPct val="80000"/>
-              </a:lnSpc>
-            </a:pPr>
-            <a:r>
-              <a:rPr lang="zh-CN" altLang="en-US" sz="2300" b="1" dirty="0">
-                <a:solidFill>
-                  <a:schemeClr val="hlink"/>
-                </a:solidFill>
-              </a:rPr>
-              <a:t>类图（</a:t>
-            </a:r>
-            <a:r>
-              <a:rPr lang="en-US" altLang="zh-CN" sz="2300" b="1" dirty="0">
-                <a:solidFill>
-                  <a:schemeClr val="hlink"/>
-                </a:solidFill>
-              </a:rPr>
-              <a:t>Class Diagram</a:t>
-            </a:r>
-            <a:r>
-              <a:rPr lang="zh-CN" altLang="en-US" sz="2300" b="1" dirty="0">
-                <a:solidFill>
-                  <a:schemeClr val="hlink"/>
-                </a:solidFill>
-              </a:rPr>
-              <a:t>）</a:t>
-            </a:r>
-          </a:p>
-          <a:p>
-            <a:pPr lvl="1">
-              <a:lnSpc>
-                <a:spcPct val="80000"/>
-              </a:lnSpc>
-            </a:pPr>
-            <a:r>
-              <a:rPr lang="zh-CN" altLang="en-US" sz="2300" dirty="0"/>
-              <a:t>活动图（</a:t>
-            </a:r>
-            <a:r>
-              <a:rPr lang="en-US" altLang="zh-CN" sz="2300" dirty="0"/>
-              <a:t>Activity Diagram</a:t>
-            </a:r>
-            <a:r>
-              <a:rPr lang="zh-CN" altLang="en-US" sz="2300" dirty="0"/>
-              <a:t>）</a:t>
-            </a:r>
-          </a:p>
-          <a:p>
-            <a:pPr lvl="1">
-              <a:lnSpc>
-                <a:spcPct val="80000"/>
-              </a:lnSpc>
-            </a:pPr>
-            <a:r>
-              <a:rPr lang="zh-CN" altLang="en-US" sz="2300" b="1" dirty="0">
-                <a:solidFill>
-                  <a:schemeClr val="hlink"/>
-                </a:solidFill>
-              </a:rPr>
-              <a:t>序列图（</a:t>
-            </a:r>
-            <a:r>
-              <a:rPr lang="en-US" altLang="zh-CN" sz="2300" b="1" dirty="0">
-                <a:solidFill>
-                  <a:schemeClr val="hlink"/>
-                </a:solidFill>
-              </a:rPr>
-              <a:t>Sequence Diagram</a:t>
-            </a:r>
-            <a:r>
-              <a:rPr lang="zh-CN" altLang="en-US" sz="2300" b="1" dirty="0">
-                <a:solidFill>
-                  <a:schemeClr val="hlink"/>
-                </a:solidFill>
-              </a:rPr>
-              <a:t>）</a:t>
-            </a:r>
-          </a:p>
-          <a:p>
-            <a:pPr lvl="1">
-              <a:lnSpc>
-                <a:spcPct val="80000"/>
-              </a:lnSpc>
-            </a:pPr>
-            <a:r>
-              <a:rPr lang="zh-CN" altLang="en-US" sz="2300" dirty="0"/>
-              <a:t>用例图（</a:t>
-            </a:r>
-            <a:r>
-              <a:rPr lang="en-US" altLang="zh-CN" sz="2300" dirty="0"/>
-              <a:t>Use Case Diagram</a:t>
-            </a:r>
-            <a:r>
-              <a:rPr lang="zh-CN" altLang="en-US" sz="2300" dirty="0"/>
-              <a:t>）</a:t>
-            </a:r>
-          </a:p>
-          <a:p>
-            <a:pPr lvl="1">
-              <a:lnSpc>
-                <a:spcPct val="80000"/>
-              </a:lnSpc>
-            </a:pPr>
-            <a:r>
-              <a:rPr lang="en-US" altLang="zh-CN" sz="2300" dirty="0"/>
-              <a:t>……</a:t>
-            </a:r>
-          </a:p>
-          <a:p>
-            <a:pPr>
-              <a:lnSpc>
-                <a:spcPct val="80000"/>
-              </a:lnSpc>
-            </a:pPr>
-            <a:r>
-              <a:rPr lang="zh-CN" altLang="en-US" sz="2800" dirty="0"/>
-              <a:t>辅助进行设计</a:t>
-            </a:r>
-          </a:p>
-          <a:p>
-            <a:pPr lvl="1">
-              <a:lnSpc>
-                <a:spcPct val="80000"/>
-              </a:lnSpc>
-            </a:pPr>
-            <a:r>
-              <a:rPr lang="zh-CN" altLang="en-US" sz="2300" dirty="0"/>
-              <a:t>组件图（</a:t>
-            </a:r>
-            <a:r>
-              <a:rPr lang="en-US" altLang="zh-CN" sz="2300" dirty="0"/>
-              <a:t>Component Diagram</a:t>
-            </a:r>
-            <a:r>
-              <a:rPr lang="zh-CN" altLang="en-US" sz="2300" dirty="0"/>
-              <a:t>）</a:t>
-            </a:r>
-          </a:p>
-          <a:p>
-            <a:pPr lvl="1">
-              <a:lnSpc>
-                <a:spcPct val="80000"/>
-              </a:lnSpc>
-            </a:pPr>
-            <a:r>
-              <a:rPr lang="zh-CN" altLang="en-US" sz="2300" dirty="0"/>
-              <a:t>部署图（</a:t>
-            </a:r>
-            <a:r>
-              <a:rPr lang="en-US" altLang="zh-CN" sz="2300" dirty="0"/>
-              <a:t>Deployment Diagram</a:t>
-            </a:r>
-            <a:r>
-              <a:rPr lang="zh-CN" altLang="en-US" sz="2300" dirty="0"/>
-              <a:t>）</a:t>
-            </a:r>
-          </a:p>
-          <a:p>
-            <a:pPr lvl="1">
-              <a:lnSpc>
-                <a:spcPct val="80000"/>
-              </a:lnSpc>
-            </a:pPr>
-            <a:r>
-              <a:rPr lang="zh-CN" altLang="en-US" sz="2300" b="1" dirty="0">
-                <a:solidFill>
-                  <a:schemeClr val="hlink"/>
-                </a:solidFill>
-              </a:rPr>
-              <a:t>类图（</a:t>
-            </a:r>
-            <a:r>
-              <a:rPr lang="en-US" altLang="zh-CN" sz="2300" b="1" dirty="0">
-                <a:solidFill>
-                  <a:schemeClr val="hlink"/>
-                </a:solidFill>
-              </a:rPr>
-              <a:t>Class Diagram</a:t>
-            </a:r>
-            <a:r>
-              <a:rPr lang="zh-CN" altLang="en-US" sz="2300" b="1" dirty="0">
-                <a:solidFill>
-                  <a:schemeClr val="hlink"/>
-                </a:solidFill>
-              </a:rPr>
-              <a:t>）</a:t>
-            </a:r>
-          </a:p>
-          <a:p>
-            <a:pPr lvl="1">
-              <a:lnSpc>
-                <a:spcPct val="80000"/>
-              </a:lnSpc>
-            </a:pPr>
-            <a:r>
-              <a:rPr lang="zh-CN" altLang="en-US" sz="2300" b="1" dirty="0">
-                <a:solidFill>
-                  <a:schemeClr val="hlink"/>
-                </a:solidFill>
-              </a:rPr>
-              <a:t>序列图（</a:t>
-            </a:r>
-            <a:r>
-              <a:rPr lang="en-US" altLang="zh-CN" sz="2300" b="1" dirty="0">
-                <a:solidFill>
-                  <a:schemeClr val="hlink"/>
-                </a:solidFill>
-              </a:rPr>
-              <a:t>Sequence Diagram</a:t>
-            </a:r>
-            <a:r>
-              <a:rPr lang="zh-CN" altLang="en-US" sz="2300" b="1" dirty="0">
-                <a:solidFill>
-                  <a:schemeClr val="hlink"/>
-                </a:solidFill>
-              </a:rPr>
-              <a:t>）</a:t>
-            </a:r>
-          </a:p>
-          <a:p>
-            <a:pPr lvl="1">
-              <a:lnSpc>
-                <a:spcPct val="80000"/>
-              </a:lnSpc>
-            </a:pPr>
-            <a:r>
-              <a:rPr lang="en-US" altLang="zh-CN" sz="2300" dirty="0"/>
-              <a:t>……</a:t>
-            </a:r>
-          </a:p>
-          <a:p>
-            <a:endParaRPr lang="zh-CN" altLang="en-US" dirty="0"/>
-          </a:p>
-        </p:txBody>
-      </p:sp>
-    </p:spTree>
-    <p:extLst>
-      <p:ext uri="{BB962C8B-B14F-4D97-AF65-F5344CB8AC3E}">
-        <p14:creationId xmlns:p14="http://schemas.microsoft.com/office/powerpoint/2010/main" val="2692939264"/>
-      </p:ext>
-    </p:extLst>
-  </p:cSld>
-  <p:clrMapOvr>
-    <a:masterClrMapping/>
-  </p:clrMapOvr>
-  <mc:AlternateContent xmlns:mc="http://schemas.openxmlformats.org/markup-compatibility/2006" xmlns:p14="http://schemas.microsoft.com/office/powerpoint/2010/main">
-    <mc:Choice Requires="p14">
-      <p:transition spd="med" p14:dur="700">
-        <p:fade/>
-      </p:transition>
-    </mc:Choice>
-    <mc:Fallback xmlns="">
-      <p:transition spd="med">
-        <p:fade/>
-      </p:transition>
-    </mc:Fallback>
-  </mc:AlternateContent>
-  <p:timing>
-    <p:tnLst>
-      <p:par>
-        <p:cTn id="1" dur="indefinite" restart="never" nodeType="tmRoot"/>
-      </p:par>
-    </p:tnLst>
-  </p:timing>
-</p:sld>
-</file>
-
-<file path=ppt/slides/slide8.xml><?xml version="1.0" encoding="utf-8"?>
-<p:sld xmlns:a="http://schemas.openxmlformats.org/drawingml/2006/main" xmlns:r="http://schemas.openxmlformats.org/officeDocument/2006/relationships" xmlns:p="http://schemas.openxmlformats.org/presentationml/2006/main">
-  <p:cSld>
-    <p:spTree>
-      <p:nvGrpSpPr>
-        <p:cNvPr id="1" name=""/>
-        <p:cNvGrpSpPr/>
-        <p:nvPr/>
-      </p:nvGrpSpPr>
-      <p:grpSpPr>
-        <a:xfrm>
-          <a:off x="0" y="0"/>
-          <a:ext cx="0" cy="0"/>
-          <a:chOff x="0" y="0"/>
-          <a:chExt cx="0" cy="0"/>
-        </a:xfrm>
-      </p:grpSpPr>
-      <p:sp>
-        <p:nvSpPr>
-          <p:cNvPr id="2" name="标题 1"/>
-          <p:cNvSpPr>
-            <a:spLocks noGrp="1"/>
-          </p:cNvSpPr>
-          <p:nvPr>
-            <p:ph type="title"/>
-          </p:nvPr>
-        </p:nvSpPr>
-        <p:spPr/>
-        <p:txBody>
-          <a:bodyPr/>
-          <a:lstStyle/>
-          <a:p>
-            <a:r>
-              <a:rPr lang="zh-CN" altLang="en-US" dirty="0" smtClean="0"/>
-              <a:t>测试</a:t>
-            </a:r>
-            <a:endParaRPr lang="zh-CN" altLang="en-US" dirty="0"/>
-          </a:p>
-        </p:txBody>
-      </p:sp>
-      <p:sp>
-        <p:nvSpPr>
-          <p:cNvPr id="3" name="内容占位符 2"/>
-          <p:cNvSpPr>
-            <a:spLocks noGrp="1"/>
-          </p:cNvSpPr>
-          <p:nvPr>
-            <p:ph idx="1"/>
-          </p:nvPr>
-        </p:nvSpPr>
-        <p:spPr/>
-        <p:txBody>
-          <a:bodyPr/>
-          <a:lstStyle/>
-          <a:p>
-            <a:r>
-              <a:rPr lang="zh-CN" altLang="en-US" dirty="0"/>
-              <a:t>请在</a:t>
-            </a:r>
-            <a:r>
-              <a:rPr lang="en-US" altLang="zh-CN" dirty="0"/>
-              <a:t>30</a:t>
-            </a:r>
-            <a:r>
-              <a:rPr lang="zh-CN" altLang="en-US" dirty="0"/>
-              <a:t>秒内说出尽可能多的筷子、勺子、和盘子的相同点和不同点</a:t>
-            </a:r>
-            <a:endParaRPr lang="en-US" altLang="zh-CN" dirty="0"/>
-          </a:p>
-          <a:p>
-            <a:endParaRPr lang="en-US" altLang="zh-CN" dirty="0"/>
-          </a:p>
-          <a:p>
-            <a:endParaRPr lang="zh-CN" altLang="en-US" dirty="0"/>
-          </a:p>
-        </p:txBody>
-      </p:sp>
-    </p:spTree>
-    <p:extLst>
-      <p:ext uri="{BB962C8B-B14F-4D97-AF65-F5344CB8AC3E}">
-        <p14:creationId xmlns:p14="http://schemas.microsoft.com/office/powerpoint/2010/main" val="4169765248"/>
-      </p:ext>
-    </p:extLst>
-  </p:cSld>
-  <p:clrMapOvr>
-    <a:masterClrMapping/>
-  </p:clrMapOvr>
-  <mc:AlternateContent xmlns:mc="http://schemas.openxmlformats.org/markup-compatibility/2006" xmlns:p14="http://schemas.microsoft.com/office/powerpoint/2010/main">
-    <mc:Choice Requires="p14">
-      <p:transition spd="med" p14:dur="700">
-        <p:fade/>
-      </p:transition>
-    </mc:Choice>
-    <mc:Fallback xmlns="">
-      <p:transition spd="med">
-        <p:fade/>
-      </p:transition>
-    </mc:Fallback>
-  </mc:AlternateContent>
-  <p:timing>
-    <p:tnLst>
-      <p:par>
-        <p:cTn id="1" dur="indefinite" restart="never" nodeType="tmRoot">
-          <p:childTnLst>
-            <p:seq concurrent="1" nextAc="seek">
-              <p:cTn id="2" dur="indefinite" nodeType="mainSeq">
-                <p:childTnLst>
-                  <p:par>
-                    <p:cTn id="3" fill="hold">
-                      <p:stCondLst>
-                        <p:cond delay="indefinite"/>
-                      </p:stCondLst>
-                      <p:childTnLst>
-                        <p:par>
-                          <p:cTn id="4" fill="hold">
-                            <p:stCondLst>
-                              <p:cond delay="0"/>
-                            </p:stCondLst>
-                            <p:childTnLst>
-                              <p:par>
-                                <p:cTn id="5" presetID="2" presetClass="entr" presetSubtype="4" fill="hold" nodeType="clickEffect">
-                                  <p:stCondLst>
-                                    <p:cond delay="0"/>
-                                  </p:stCondLst>
-                                  <p:childTnLst>
-                                    <p:set>
-                                      <p:cBhvr>
-                                        <p:cTn id="6" dur="1" fill="hold">
-                                          <p:stCondLst>
-                                            <p:cond delay="0"/>
-                                          </p:stCondLst>
-                                        </p:cTn>
-                                        <p:tgtEl>
-                                          <p:spTgt spid="3">
-                                            <p:txEl>
-                                              <p:pRg st="0" end="0"/>
-                                            </p:txEl>
-                                          </p:spTgt>
-                                        </p:tgtEl>
-                                        <p:attrNameLst>
-                                          <p:attrName>style.visibility</p:attrName>
-                                        </p:attrNameLst>
-                                      </p:cBhvr>
-                                      <p:to>
-                                        <p:strVal val="visible"/>
-                                      </p:to>
-                                    </p:set>
-                                    <p:anim calcmode="lin" valueType="num">
-                                      <p:cBhvr additive="base">
-                                        <p:cTn id="7" dur="500" fill="hold"/>
-                                        <p:tgtEl>
-                                          <p:spTgt spid="3">
-                                            <p:txEl>
-                                              <p:pRg st="0" end="0"/>
-                                            </p:txEl>
-                                          </p:spTgt>
-                                        </p:tgtEl>
-                                        <p:attrNameLst>
-                                          <p:attrName>ppt_x</p:attrName>
-                                        </p:attrNameLst>
-                                      </p:cBhvr>
-                                      <p:tavLst>
-                                        <p:tav tm="0">
-                                          <p:val>
-                                            <p:strVal val="#ppt_x"/>
-                                          </p:val>
-                                        </p:tav>
-                                        <p:tav tm="100000">
-                                          <p:val>
-                                            <p:strVal val="#ppt_x"/>
-                                          </p:val>
-                                        </p:tav>
-                                      </p:tavLst>
-                                    </p:anim>
-                                    <p:anim calcmode="lin" valueType="num">
-                                      <p:cBhvr additive="base">
-                                        <p:cTn id="8" dur="500" fill="hold"/>
-                                        <p:tgtEl>
-                                          <p:spTgt spid="3">
-                                            <p:txEl>
-                                              <p:pRg st="0" end="0"/>
-                                            </p:txEl>
-                                          </p:spTgt>
-                                        </p:tgtEl>
-                                        <p:attrNameLst>
-                                          <p:attrName>ppt_y</p:attrName>
-                                        </p:attrNameLst>
-                                      </p:cBhvr>
-                                      <p:tavLst>
-                                        <p:tav tm="0">
-                                          <p:val>
-                                            <p:strVal val="1+#ppt_h/2"/>
-                                          </p:val>
-                                        </p:tav>
-                                        <p:tav tm="100000">
-                                          <p:val>
-                                            <p:strVal val="#ppt_y"/>
-                                          </p:val>
-                                        </p:tav>
-                                      </p:tavLst>
-                                    </p:anim>
-                                  </p:childTnLst>
-                                </p:cTn>
-                              </p:par>
-                            </p:childTnLst>
-                          </p:cTn>
-                        </p:par>
-                      </p:childTnLst>
-                    </p:cTn>
-                  </p:par>
-                </p:childTnLst>
-              </p:cTn>
-              <p:prevCondLst>
-                <p:cond evt="onPrev" delay="0">
-                  <p:tgtEl>
-                    <p:sldTgt/>
-                  </p:tgtEl>
-                </p:cond>
-              </p:prevCondLst>
-              <p:nextCondLst>
-                <p:cond evt="onNext" delay="0">
-                  <p:tgtEl>
-                    <p:sldTgt/>
-                  </p:tgtEl>
-                </p:cond>
-              </p:nextCondLst>
-            </p:seq>
-          </p:childTnLst>
-        </p:cTn>
-      </p:par>
-    </p:tnLst>
-  </p:timing>
-</p:sld>
-</file>
-
-<file path=ppt/slides/slide9.xml><?xml version="1.0" encoding="utf-8"?>
-<p:sld xmlns:a="http://schemas.openxmlformats.org/drawingml/2006/main" xmlns:r="http://schemas.openxmlformats.org/officeDocument/2006/relationships" xmlns:p="http://schemas.openxmlformats.org/presentationml/2006/main">
-  <p:cSld>
-    <p:spTree>
-      <p:nvGrpSpPr>
-        <p:cNvPr id="1" name=""/>
-        <p:cNvGrpSpPr/>
-        <p:nvPr/>
-      </p:nvGrpSpPr>
-      <p:grpSpPr>
-        <a:xfrm>
-          <a:off x="0" y="0"/>
-          <a:ext cx="0" cy="0"/>
-          <a:chOff x="0" y="0"/>
-          <a:chExt cx="0" cy="0"/>
-        </a:xfrm>
-      </p:grpSpPr>
-      <p:sp>
-        <p:nvSpPr>
-          <p:cNvPr id="2" name="标题 1"/>
-          <p:cNvSpPr>
-            <a:spLocks noGrp="1"/>
-          </p:cNvSpPr>
-          <p:nvPr>
-            <p:ph type="title"/>
-          </p:nvPr>
-        </p:nvSpPr>
-        <p:spPr/>
-        <p:txBody>
-          <a:bodyPr/>
-          <a:lstStyle/>
-          <a:p>
-            <a:r>
-              <a:rPr lang="zh-CN" altLang="en-US" dirty="0"/>
-              <a:t>测试</a:t>
-            </a:r>
-          </a:p>
-        </p:txBody>
-      </p:sp>
-      <p:sp>
-        <p:nvSpPr>
-          <p:cNvPr id="3" name="内容占位符 2"/>
-          <p:cNvSpPr>
-            <a:spLocks noGrp="1"/>
-          </p:cNvSpPr>
-          <p:nvPr>
-            <p:ph idx="1"/>
-          </p:nvPr>
-        </p:nvSpPr>
-        <p:spPr/>
-        <p:txBody>
-          <a:bodyPr/>
-          <a:lstStyle/>
-          <a:p>
-            <a:r>
-              <a:rPr lang="zh-CN" altLang="en-US" dirty="0"/>
-              <a:t>抽象的</a:t>
-            </a:r>
-            <a:r>
-              <a:rPr lang="zh-CN" altLang="en-US" dirty="0" smtClean="0"/>
-              <a:t>角度不同</a:t>
-            </a:r>
-            <a:r>
-              <a:rPr lang="zh-CN" altLang="en-US" dirty="0"/>
-              <a:t>决定了建模方向的不同</a:t>
-            </a:r>
-            <a:endParaRPr lang="en-US" altLang="zh-CN" dirty="0"/>
-          </a:p>
-          <a:p>
-            <a:endParaRPr lang="zh-CN" altLang="en-US" dirty="0"/>
-          </a:p>
-        </p:txBody>
-      </p:sp>
-      <p:graphicFrame>
-        <p:nvGraphicFramePr>
-          <p:cNvPr id="4" name="图示 3"/>
-          <p:cNvGraphicFramePr/>
-          <p:nvPr>
-            <p:extLst>
-              <p:ext uri="{D42A27DB-BD31-4B8C-83A1-F6EECF244321}">
-                <p14:modId xmlns:p14="http://schemas.microsoft.com/office/powerpoint/2010/main" val="135726647"/>
-              </p:ext>
-            </p:extLst>
-          </p:nvPr>
-        </p:nvGraphicFramePr>
-        <p:xfrm>
-          <a:off x="2494012" y="2492896"/>
-          <a:ext cx="6096000" cy="1887984"/>
-        </p:xfrm>
-        <a:graphic>
-          <a:graphicData uri="http://schemas.openxmlformats.org/drawingml/2006/diagram">
-            <dgm:relIds xmlns:dgm="http://schemas.openxmlformats.org/drawingml/2006/diagram" xmlns:r="http://schemas.openxmlformats.org/officeDocument/2006/relationships" r:dm="rId2" r:lo="rId3" r:qs="rId4" r:cs="rId5"/>
-          </a:graphicData>
-        </a:graphic>
-      </p:graphicFrame>
-    </p:spTree>
-    <p:extLst>
-      <p:ext uri="{BB962C8B-B14F-4D97-AF65-F5344CB8AC3E}">
-        <p14:creationId xmlns:p14="http://schemas.microsoft.com/office/powerpoint/2010/main" val="3494814035"/>
-      </p:ext>
-    </p:extLst>
-  </p:cSld>
-  <p:clrMapOvr>
-    <a:masterClrMapping/>
-  </p:clrMapOvr>
-  <mc:AlternateContent xmlns:mc="http://schemas.openxmlformats.org/markup-compatibility/2006" xmlns:p14="http://schemas.microsoft.com/office/powerpoint/2010/main">
-    <mc:Choice Requires="p14">
-      <p:transition spd="med" p14:dur="700">
-        <p:fade/>
-      </p:transition>
-    </mc:Choice>
-    <mc:Fallback xmlns="">
-      <p:transition spd="med">
-        <p:fade/>
-      </p:transition>
-    </mc:Fallback>
-  </mc:AlternateContent>
-  <p:timing>
-    <p:tnLst>
-      <p:par>
-        <p:cTn id="1" dur="indefinite" restart="never" nodeType="tmRoot">
-          <p:childTnLst>
-            <p:seq concurrent="1" nextAc="seek">
-              <p:cTn id="2" dur="indefinite" nodeType="mainSeq">
-                <p:childTnLst>
-                  <p:par>
-                    <p:cTn id="3" fill="hold">
-                      <p:stCondLst>
-                        <p:cond delay="indefinite"/>
-                      </p:stCondLst>
-                      <p:childTnLst>
-                        <p:par>
-                          <p:cTn id="4" fill="hold">
-                            <p:stCondLst>
-                              <p:cond delay="0"/>
-                            </p:stCondLst>
-                            <p:childTnLst>
-                              <p:par>
-                                <p:cTn id="5" presetID="2" presetClass="entr" presetSubtype="4" fill="hold" grpId="0" nodeType="clickEffect">
-                                  <p:stCondLst>
-                                    <p:cond delay="0"/>
-                                  </p:stCondLst>
-                                  <p:childTnLst>
-                                    <p:set>
-                                      <p:cBhvr>
-                                        <p:cTn id="6" dur="1" fill="hold">
-                                          <p:stCondLst>
-                                            <p:cond delay="0"/>
-                                          </p:stCondLst>
-                                        </p:cTn>
-                                        <p:tgtEl>
-                                          <p:spTgt spid="4">
-                                            <p:graphicEl>
-                                              <a:dgm id="{4A948E46-99F9-41D5-B89E-93D2B04F6CBA}"/>
-                                            </p:graphicEl>
-                                          </p:spTgt>
-                                        </p:tgtEl>
-                                        <p:attrNameLst>
-                                          <p:attrName>style.visibility</p:attrName>
-                                        </p:attrNameLst>
-                                      </p:cBhvr>
-                                      <p:to>
-                                        <p:strVal val="visible"/>
-                                      </p:to>
-                                    </p:set>
-                                    <p:anim calcmode="lin" valueType="num">
-                                      <p:cBhvr additive="base">
-                                        <p:cTn id="7" dur="500" fill="hold"/>
-                                        <p:tgtEl>
-                                          <p:spTgt spid="4">
-                                            <p:graphicEl>
-                                              <a:dgm id="{4A948E46-99F9-41D5-B89E-93D2B04F6CBA}"/>
-                                            </p:graphicEl>
-                                          </p:spTgt>
-                                        </p:tgtEl>
-                                        <p:attrNameLst>
-                                          <p:attrName>ppt_x</p:attrName>
-                                        </p:attrNameLst>
-                                      </p:cBhvr>
-                                      <p:tavLst>
-                                        <p:tav tm="0">
-                                          <p:val>
-                                            <p:strVal val="#ppt_x"/>
-                                          </p:val>
-                                        </p:tav>
-                                        <p:tav tm="100000">
-                                          <p:val>
-                                            <p:strVal val="#ppt_x"/>
-                                          </p:val>
-                                        </p:tav>
-                                      </p:tavLst>
-                                    </p:anim>
-                                    <p:anim calcmode="lin" valueType="num">
-                                      <p:cBhvr additive="base">
-                                        <p:cTn id="8" dur="500" fill="hold"/>
-                                        <p:tgtEl>
-                                          <p:spTgt spid="4">
-                                            <p:graphicEl>
-                                              <a:dgm id="{4A948E46-99F9-41D5-B89E-93D2B04F6CBA}"/>
-                                            </p:graphicEl>
-                                          </p:spTgt>
-                                        </p:tgtEl>
-                                        <p:attrNameLst>
-                                          <p:attrName>ppt_y</p:attrName>
-                                        </p:attrNameLst>
-                                      </p:cBhvr>
-                                      <p:tavLst>
-                                        <p:tav tm="0">
-                                          <p:val>
-                                            <p:strVal val="1+#ppt_h/2"/>
-                                          </p:val>
-                                        </p:tav>
-                                        <p:tav tm="100000">
-                                          <p:val>
-                                            <p:strVal val="#ppt_y"/>
-                                          </p:val>
-                                        </p:tav>
-                                      </p:tavLst>
-                                    </p:anim>
-                                  </p:childTnLst>
-                                </p:cTn>
-                              </p:par>
-                            </p:childTnLst>
-                          </p:cTn>
-                        </p:par>
-                      </p:childTnLst>
-                    </p:cTn>
-                  </p:par>
-                  <p:par>
-                    <p:cTn id="9" fill="hold">
-                      <p:stCondLst>
-                        <p:cond delay="indefinite"/>
-                      </p:stCondLst>
-                      <p:childTnLst>
-                        <p:par>
-                          <p:cTn id="10" fill="hold">
-                            <p:stCondLst>
-                              <p:cond delay="0"/>
-                            </p:stCondLst>
-                            <p:childTnLst>
-                              <p:par>
-                                <p:cTn id="11" presetID="2" presetClass="entr" presetSubtype="4" fill="hold" grpId="0" nodeType="clickEffect">
-                                  <p:stCondLst>
-                                    <p:cond delay="0"/>
-                                  </p:stCondLst>
-                                  <p:childTnLst>
-                                    <p:set>
-                                      <p:cBhvr>
-                                        <p:cTn id="12" dur="1" fill="hold">
-                                          <p:stCondLst>
-                                            <p:cond delay="0"/>
-                                          </p:stCondLst>
-                                        </p:cTn>
-                                        <p:tgtEl>
-                                          <p:spTgt spid="4">
-                                            <p:graphicEl>
-                                              <a:dgm id="{7EAF26CF-A33A-470A-8808-3842A304BDDA}"/>
-                                            </p:graphicEl>
-                                          </p:spTgt>
-                                        </p:tgtEl>
-                                        <p:attrNameLst>
-                                          <p:attrName>style.visibility</p:attrName>
-                                        </p:attrNameLst>
-                                      </p:cBhvr>
-                                      <p:to>
-                                        <p:strVal val="visible"/>
-                                      </p:to>
-                                    </p:set>
-                                    <p:anim calcmode="lin" valueType="num">
-                                      <p:cBhvr additive="base">
-                                        <p:cTn id="13" dur="500" fill="hold"/>
-                                        <p:tgtEl>
-                                          <p:spTgt spid="4">
-                                            <p:graphicEl>
-                                              <a:dgm id="{7EAF26CF-A33A-470A-8808-3842A304BDDA}"/>
-                                            </p:graphicEl>
-                                          </p:spTgt>
-                                        </p:tgtEl>
-                                        <p:attrNameLst>
-                                          <p:attrName>ppt_x</p:attrName>
-                                        </p:attrNameLst>
-                                      </p:cBhvr>
-                                      <p:tavLst>
-                                        <p:tav tm="0">
-                                          <p:val>
-                                            <p:strVal val="#ppt_x"/>
-                                          </p:val>
-                                        </p:tav>
-                                        <p:tav tm="100000">
-                                          <p:val>
-                                            <p:strVal val="#ppt_x"/>
-                                          </p:val>
-                                        </p:tav>
-                                      </p:tavLst>
-                                    </p:anim>
-                                    <p:anim calcmode="lin" valueType="num">
-                                      <p:cBhvr additive="base">
-                                        <p:cTn id="14" dur="500" fill="hold"/>
-                                        <p:tgtEl>
-                                          <p:spTgt spid="4">
-                                            <p:graphicEl>
-                                              <a:dgm id="{7EAF26CF-A33A-470A-8808-3842A304BDDA}"/>
-                                            </p:graphicEl>
-                                          </p:spTgt>
-                                        </p:tgtEl>
-                                        <p:attrNameLst>
-                                          <p:attrName>ppt_y</p:attrName>
-                                        </p:attrNameLst>
-                                      </p:cBhvr>
-                                      <p:tavLst>
-                                        <p:tav tm="0">
-                                          <p:val>
-                                            <p:strVal val="1+#ppt_h/2"/>
-                                          </p:val>
-                                        </p:tav>
-                                        <p:tav tm="100000">
-                                          <p:val>
-                                            <p:strVal val="#ppt_y"/>
-                                          </p:val>
-                                        </p:tav>
-                                      </p:tavLst>
-                                    </p:anim>
-                                  </p:childTnLst>
-                                </p:cTn>
-                              </p:par>
-                            </p:childTnLst>
-                          </p:cTn>
-                        </p:par>
-                      </p:childTnLst>
-                    </p:cTn>
-                  </p:par>
-                  <p:par>
-                    <p:cTn id="15" fill="hold">
-                      <p:stCondLst>
-                        <p:cond delay="indefinite"/>
-                      </p:stCondLst>
-                      <p:childTnLst>
-                        <p:par>
-                          <p:cTn id="16" fill="hold">
-                            <p:stCondLst>
-                              <p:cond delay="0"/>
-                            </p:stCondLst>
-                            <p:childTnLst>
-                              <p:par>
-                                <p:cTn id="17" presetID="2" presetClass="entr" presetSubtype="4" fill="hold" grpId="0" nodeType="clickEffect">
-                                  <p:stCondLst>
-                                    <p:cond delay="0"/>
-                                  </p:stCondLst>
-                                  <p:childTnLst>
-                                    <p:set>
-                                      <p:cBhvr>
-                                        <p:cTn id="18" dur="1" fill="hold">
-                                          <p:stCondLst>
-                                            <p:cond delay="0"/>
-                                          </p:stCondLst>
-                                        </p:cTn>
-                                        <p:tgtEl>
-                                          <p:spTgt spid="4">
-                                            <p:graphicEl>
-                                              <a:dgm id="{2F207A9A-DA03-4CCA-BD81-68643A9E5735}"/>
-                                            </p:graphicEl>
-                                          </p:spTgt>
-                                        </p:tgtEl>
-                                        <p:attrNameLst>
-                                          <p:attrName>style.visibility</p:attrName>
-                                        </p:attrNameLst>
-                                      </p:cBhvr>
-                                      <p:to>
-                                        <p:strVal val="visible"/>
-                                      </p:to>
-                                    </p:set>
-                                    <p:anim calcmode="lin" valueType="num">
-                                      <p:cBhvr additive="base">
-                                        <p:cTn id="19" dur="500" fill="hold"/>
-                                        <p:tgtEl>
-                                          <p:spTgt spid="4">
-                                            <p:graphicEl>
-                                              <a:dgm id="{2F207A9A-DA03-4CCA-BD81-68643A9E5735}"/>
-                                            </p:graphicEl>
-                                          </p:spTgt>
-                                        </p:tgtEl>
-                                        <p:attrNameLst>
-                                          <p:attrName>ppt_x</p:attrName>
-                                        </p:attrNameLst>
-                                      </p:cBhvr>
-                                      <p:tavLst>
-                                        <p:tav tm="0">
-                                          <p:val>
-                                            <p:strVal val="#ppt_x"/>
-                                          </p:val>
-                                        </p:tav>
-                                        <p:tav tm="100000">
-                                          <p:val>
-                                            <p:strVal val="#ppt_x"/>
-                                          </p:val>
-                                        </p:tav>
-                                      </p:tavLst>
-                                    </p:anim>
-                                    <p:anim calcmode="lin" valueType="num">
-                                      <p:cBhvr additive="base">
-                                        <p:cTn id="20" dur="500" fill="hold"/>
-                                        <p:tgtEl>
-                                          <p:spTgt spid="4">
-                                            <p:graphicEl>
-                                              <a:dgm id="{2F207A9A-DA03-4CCA-BD81-68643A9E5735}"/>
-                                            </p:graphicEl>
-                                          </p:spTgt>
-                                        </p:tgtEl>
-                                        <p:attrNameLst>
-                                          <p:attrName>ppt_y</p:attrName>
-                                        </p:attrNameLst>
-                                      </p:cBhvr>
-                                      <p:tavLst>
-                                        <p:tav tm="0">
-                                          <p:val>
-                                            <p:strVal val="1+#ppt_h/2"/>
-                                          </p:val>
-                                        </p:tav>
-                                        <p:tav tm="100000">
-                                          <p:val>
-                                            <p:strVal val="#ppt_y"/>
-                                          </p:val>
-                                        </p:tav>
-                                      </p:tavLst>
-                                    </p:anim>
-                                  </p:childTnLst>
-                                </p:cTn>
-                              </p:par>
-                            </p:childTnLst>
-                          </p:cTn>
-                        </p:par>
-                      </p:childTnLst>
-                    </p:cTn>
-                  </p:par>
-                  <p:par>
-                    <p:cTn id="21" fill="hold">
-                      <p:stCondLst>
-                        <p:cond delay="indefinite"/>
-                      </p:stCondLst>
-                      <p:childTnLst>
-                        <p:par>
-                          <p:cTn id="22" fill="hold">
-                            <p:stCondLst>
-                              <p:cond delay="0"/>
-                            </p:stCondLst>
-                            <p:childTnLst>
-                              <p:par>
-                                <p:cTn id="23" presetID="2" presetClass="entr" presetSubtype="4" fill="hold" grpId="0" nodeType="clickEffect">
-                                  <p:stCondLst>
-                                    <p:cond delay="0"/>
-                                  </p:stCondLst>
-                                  <p:childTnLst>
-                                    <p:set>
-                                      <p:cBhvr>
-                                        <p:cTn id="24" dur="1" fill="hold">
-                                          <p:stCondLst>
-                                            <p:cond delay="0"/>
-                                          </p:stCondLst>
-                                        </p:cTn>
-                                        <p:tgtEl>
-                                          <p:spTgt spid="4">
-                                            <p:graphicEl>
-                                              <a:dgm id="{71A77679-365D-4057-8C7F-E2955DC5D2FA}"/>
-                                            </p:graphicEl>
-                                          </p:spTgt>
-                                        </p:tgtEl>
-                                        <p:attrNameLst>
-                                          <p:attrName>style.visibility</p:attrName>
-                                        </p:attrNameLst>
-                                      </p:cBhvr>
-                                      <p:to>
-                                        <p:strVal val="visible"/>
-                                      </p:to>
-                                    </p:set>
-                                    <p:anim calcmode="lin" valueType="num">
-                                      <p:cBhvr additive="base">
-                                        <p:cTn id="25" dur="500" fill="hold"/>
-                                        <p:tgtEl>
-                                          <p:spTgt spid="4">
-                                            <p:graphicEl>
-                                              <a:dgm id="{71A77679-365D-4057-8C7F-E2955DC5D2FA}"/>
-                                            </p:graphicEl>
-                                          </p:spTgt>
-                                        </p:tgtEl>
-                                        <p:attrNameLst>
-                                          <p:attrName>ppt_x</p:attrName>
-                                        </p:attrNameLst>
-                                      </p:cBhvr>
-                                      <p:tavLst>
-                                        <p:tav tm="0">
-                                          <p:val>
-                                            <p:strVal val="#ppt_x"/>
-                                          </p:val>
-                                        </p:tav>
-                                        <p:tav tm="100000">
-                                          <p:val>
-                                            <p:strVal val="#ppt_x"/>
-                                          </p:val>
-                                        </p:tav>
-                                      </p:tavLst>
-                                    </p:anim>
-                                    <p:anim calcmode="lin" valueType="num">
-                                      <p:cBhvr additive="base">
-                                        <p:cTn id="26" dur="500" fill="hold"/>
-                                        <p:tgtEl>
-                                          <p:spTgt spid="4">
-                                            <p:graphicEl>
-                                              <a:dgm id="{71A77679-365D-4057-8C7F-E2955DC5D2FA}"/>
-                                            </p:graphicEl>
-                                          </p:spTgt>
-                                        </p:tgtEl>
-                                        <p:attrNameLst>
-                                          <p:attrName>ppt_y</p:attrName>
-                                        </p:attrNameLst>
-                                      </p:cBhvr>
-                                      <p:tavLst>
-                                        <p:tav tm="0">
-                                          <p:val>
-                                            <p:strVal val="1+#ppt_h/2"/>
-                                          </p:val>
-                                        </p:tav>
-                                        <p:tav tm="100000">
-                                          <p:val>
-                                            <p:strVal val="#ppt_y"/>
-                                          </p:val>
-                                        </p:tav>
-                                      </p:tavLst>
-                                    </p:anim>
-                                  </p:childTnLst>
-                                </p:cTn>
-                              </p:par>
-                            </p:childTnLst>
-                          </p:cTn>
-                        </p:par>
-                      </p:childTnLst>
-                    </p:cTn>
-                  </p:par>
-                  <p:par>
-                    <p:cTn id="27" fill="hold">
-                      <p:stCondLst>
-                        <p:cond delay="indefinite"/>
-                      </p:stCondLst>
-                      <p:childTnLst>
-                        <p:par>
-                          <p:cTn id="28" fill="hold">
-                            <p:stCondLst>
-                              <p:cond delay="0"/>
-                            </p:stCondLst>
-                            <p:childTnLst>
-                              <p:par>
-                                <p:cTn id="29" presetID="2" presetClass="entr" presetSubtype="4" fill="hold" grpId="0" nodeType="clickEffect">
-                                  <p:stCondLst>
-                                    <p:cond delay="0"/>
-                                  </p:stCondLst>
-                                  <p:childTnLst>
-                                    <p:set>
-                                      <p:cBhvr>
-                                        <p:cTn id="30" dur="1" fill="hold">
-                                          <p:stCondLst>
-                                            <p:cond delay="0"/>
-                                          </p:stCondLst>
-                                        </p:cTn>
-                                        <p:tgtEl>
-                                          <p:spTgt spid="4">
-                                            <p:graphicEl>
-                                              <a:dgm id="{C34C37A3-9A1B-47D6-8854-BED091282CB5}"/>
-                                            </p:graphicEl>
-                                          </p:spTgt>
-                                        </p:tgtEl>
-                                        <p:attrNameLst>
-                                          <p:attrName>style.visibility</p:attrName>
-                                        </p:attrNameLst>
-                                      </p:cBhvr>
-                                      <p:to>
-                                        <p:strVal val="visible"/>
-                                      </p:to>
-                                    </p:set>
-                                    <p:anim calcmode="lin" valueType="num">
-                                      <p:cBhvr additive="base">
-                                        <p:cTn id="31" dur="500" fill="hold"/>
-                                        <p:tgtEl>
-                                          <p:spTgt spid="4">
-                                            <p:graphicEl>
-                                              <a:dgm id="{C34C37A3-9A1B-47D6-8854-BED091282CB5}"/>
-                                            </p:graphicEl>
-                                          </p:spTgt>
-                                        </p:tgtEl>
-                                        <p:attrNameLst>
-                                          <p:attrName>ppt_x</p:attrName>
-                                        </p:attrNameLst>
-                                      </p:cBhvr>
-                                      <p:tavLst>
-                                        <p:tav tm="0">
-                                          <p:val>
-                                            <p:strVal val="#ppt_x"/>
-                                          </p:val>
-                                        </p:tav>
-                                        <p:tav tm="100000">
-                                          <p:val>
-                                            <p:strVal val="#ppt_x"/>
-                                          </p:val>
-                                        </p:tav>
-                                      </p:tavLst>
-                                    </p:anim>
-                                    <p:anim calcmode="lin" valueType="num">
-                                      <p:cBhvr additive="base">
-                                        <p:cTn id="32" dur="500" fill="hold"/>
-                                        <p:tgtEl>
-                                          <p:spTgt spid="4">
-                                            <p:graphicEl>
-                                              <a:dgm id="{C34C37A3-9A1B-47D6-8854-BED091282CB5}"/>
-                                            </p:graphicEl>
-                                          </p:spTgt>
-                                        </p:tgtEl>
-                                        <p:attrNameLst>
-                                          <p:attrName>ppt_y</p:attrName>
-                                        </p:attrNameLst>
-                                      </p:cBhvr>
-                                      <p:tavLst>
-                                        <p:tav tm="0">
-                                          <p:val>
-                                            <p:strVal val="1+#ppt_h/2"/>
-                                          </p:val>
-                                        </p:tav>
-                                        <p:tav tm="100000">
-                                          <p:val>
-                                            <p:strVal val="#ppt_y"/>
-                                          </p:val>
-                                        </p:tav>
-                                      </p:tavLst>
-                                    </p:anim>
-                                  </p:childTnLst>
-                                </p:cTn>
-                              </p:par>
-                            </p:childTnLst>
-                          </p:cTn>
-                        </p:par>
-                      </p:childTnLst>
-                    </p:cTn>
-                  </p:par>
-                  <p:par>
-                    <p:cTn id="33" fill="hold">
-                      <p:stCondLst>
-                        <p:cond delay="indefinite"/>
-                      </p:stCondLst>
-                      <p:childTnLst>
-                        <p:par>
-                          <p:cTn id="34" fill="hold">
-                            <p:stCondLst>
-                              <p:cond delay="0"/>
-                            </p:stCondLst>
-                            <p:childTnLst>
-                              <p:par>
-                                <p:cTn id="35" presetID="2" presetClass="entr" presetSubtype="4" fill="hold" grpId="0" nodeType="clickEffect">
-                                  <p:stCondLst>
-                                    <p:cond delay="0"/>
-                                  </p:stCondLst>
-                                  <p:childTnLst>
-                                    <p:set>
-                                      <p:cBhvr>
-                                        <p:cTn id="36" dur="1" fill="hold">
-                                          <p:stCondLst>
-                                            <p:cond delay="0"/>
-                                          </p:stCondLst>
-                                        </p:cTn>
-                                        <p:tgtEl>
-                                          <p:spTgt spid="4">
-                                            <p:graphicEl>
-                                              <a:dgm id="{735AC0E7-B5FE-4D94-8F7E-E66C00A926C1}"/>
-                                            </p:graphicEl>
-                                          </p:spTgt>
-                                        </p:tgtEl>
-                                        <p:attrNameLst>
-                                          <p:attrName>style.visibility</p:attrName>
-                                        </p:attrNameLst>
-                                      </p:cBhvr>
-                                      <p:to>
-                                        <p:strVal val="visible"/>
-                                      </p:to>
-                                    </p:set>
-                                    <p:anim calcmode="lin" valueType="num">
-                                      <p:cBhvr additive="base">
-                                        <p:cTn id="37" dur="500" fill="hold"/>
-                                        <p:tgtEl>
-                                          <p:spTgt spid="4">
-                                            <p:graphicEl>
-                                              <a:dgm id="{735AC0E7-B5FE-4D94-8F7E-E66C00A926C1}"/>
-                                            </p:graphicEl>
-                                          </p:spTgt>
-                                        </p:tgtEl>
-                                        <p:attrNameLst>
-                                          <p:attrName>ppt_x</p:attrName>
-                                        </p:attrNameLst>
-                                      </p:cBhvr>
-                                      <p:tavLst>
-                                        <p:tav tm="0">
-                                          <p:val>
-                                            <p:strVal val="#ppt_x"/>
-                                          </p:val>
-                                        </p:tav>
-                                        <p:tav tm="100000">
-                                          <p:val>
-                                            <p:strVal val="#ppt_x"/>
-                                          </p:val>
-                                        </p:tav>
-                                      </p:tavLst>
-                                    </p:anim>
-                                    <p:anim calcmode="lin" valueType="num">
-                                      <p:cBhvr additive="base">
-                                        <p:cTn id="38" dur="500" fill="hold"/>
-                                        <p:tgtEl>
-                                          <p:spTgt spid="4">
-                                            <p:graphicEl>
-                                              <a:dgm id="{735AC0E7-B5FE-4D94-8F7E-E66C00A926C1}"/>
-                                            </p:graphicEl>
-                                          </p:spTgt>
-                                        </p:tgtEl>
-                                        <p:attrNameLst>
-                                          <p:attrName>ppt_y</p:attrName>
-                                        </p:attrNameLst>
-                                      </p:cBhvr>
-                                      <p:tavLst>
-                                        <p:tav tm="0">
-                                          <p:val>
-                                            <p:strVal val="1+#ppt_h/2"/>
-                                          </p:val>
-                                        </p:tav>
-                                        <p:tav tm="100000">
-                                          <p:val>
-                                            <p:strVal val="#ppt_y"/>
-                                          </p:val>
-                                        </p:tav>
-                                      </p:tavLst>
-                                    </p:anim>
-                                  </p:childTnLst>
-                                </p:cTn>
-                              </p:par>
-                            </p:childTnLst>
-                          </p:cTn>
-                        </p:par>
-                      </p:childTnLst>
-                    </p:cTn>
-                  </p:par>
-                  <p:par>
-                    <p:cTn id="39" fill="hold">
-                      <p:stCondLst>
-                        <p:cond delay="indefinite"/>
-                      </p:stCondLst>
-                      <p:childTnLst>
-                        <p:par>
-                          <p:cTn id="40" fill="hold">
-                            <p:stCondLst>
-                              <p:cond delay="0"/>
-                            </p:stCondLst>
-                            <p:childTnLst>
-                              <p:par>
-                                <p:cTn id="41" presetID="2" presetClass="entr" presetSubtype="4" fill="hold" nodeType="clickEffect">
-                                  <p:stCondLst>
-                                    <p:cond delay="0"/>
-                                  </p:stCondLst>
-                                  <p:childTnLst>
-                                    <p:set>
-                                      <p:cBhvr>
-                                        <p:cTn id="42" dur="1" fill="hold">
-                                          <p:stCondLst>
-                                            <p:cond delay="0"/>
-                                          </p:stCondLst>
-                                        </p:cTn>
-                                        <p:tgtEl>
-                                          <p:spTgt spid="3">
-                                            <p:txEl>
-                                              <p:pRg st="0" end="0"/>
-                                            </p:txEl>
-                                          </p:spTgt>
-                                        </p:tgtEl>
-                                        <p:attrNameLst>
-                                          <p:attrName>style.visibility</p:attrName>
-                                        </p:attrNameLst>
-                                      </p:cBhvr>
-                                      <p:to>
-                                        <p:strVal val="visible"/>
-                                      </p:to>
-                                    </p:set>
-                                    <p:anim calcmode="lin" valueType="num">
-                                      <p:cBhvr additive="base">
-                                        <p:cTn id="43" dur="500" fill="hold"/>
-                                        <p:tgtEl>
-                                          <p:spTgt spid="3">
-                                            <p:txEl>
-                                              <p:pRg st="0" end="0"/>
-                                            </p:txEl>
-                                          </p:spTgt>
-                                        </p:tgtEl>
-                                        <p:attrNameLst>
-                                          <p:attrName>ppt_x</p:attrName>
-                                        </p:attrNameLst>
-                                      </p:cBhvr>
-                                      <p:tavLst>
-                                        <p:tav tm="0">
-                                          <p:val>
-                                            <p:strVal val="#ppt_x"/>
-                                          </p:val>
-                                        </p:tav>
-                                        <p:tav tm="100000">
-                                          <p:val>
-                                            <p:strVal val="#ppt_x"/>
-                                          </p:val>
-                                        </p:tav>
-                                      </p:tavLst>
-                                    </p:anim>
-                                    <p:anim calcmode="lin" valueType="num">
-                                      <p:cBhvr additive="base">
-                                        <p:cTn id="44" dur="500" fill="hold"/>
-                                        <p:tgtEl>
-                                          <p:spTgt spid="3">
-                                            <p:txEl>
-                                              <p:pRg st="0" end="0"/>
-                                            </p:txEl>
-                                          </p:spTgt>
-                                        </p:tgtEl>
-                                        <p:attrNameLst>
-                                          <p:attrName>ppt_y</p:attrName>
-                                        </p:attrNameLst>
-                                      </p:cBhvr>
-                                      <p:tavLst>
-                                        <p:tav tm="0">
-                                          <p:val>
-                                            <p:strVal val="1+#ppt_h/2"/>
-                                          </p:val>
-                                        </p:tav>
-                                        <p:tav tm="100000">
-                                          <p:val>
-                                            <p:strVal val="#ppt_y"/>
-                                          </p:val>
-                                        </p:tav>
-                                      </p:tavLst>
-                                    </p:anim>
-                                  </p:childTnLst>
-                                </p:cTn>
-                              </p:par>
-                            </p:childTnLst>
-                          </p:cTn>
-                        </p:par>
-                      </p:childTnLst>
-                    </p:cTn>
-                  </p:par>
-                </p:childTnLst>
-              </p:cTn>
-              <p:prevCondLst>
-                <p:cond evt="onPrev" delay="0">
-                  <p:tgtEl>
-                    <p:sldTgt/>
-                  </p:tgtEl>
-                </p:cond>
-              </p:prevCondLst>
-              <p:nextCondLst>
-                <p:cond evt="onNext" delay="0">
-                  <p:tgtEl>
-                    <p:sldTgt/>
-                  </p:tgtEl>
-                </p:cond>
-              </p:nextCondLst>
-            </p:seq>
-          </p:childTnLst>
-        </p:cTn>
-      </p:par>
-    </p:tnLst>
-    <p:bldLst>
-      <p:bldGraphic spid="4" grpId="0">
-        <p:bldSub>
-          <a:bldDgm bld="one"/>
-        </p:bldSub>
-      </p:bldGraphic>
-    </p:bldLst>
   </p:timing>
 </p:sld>
 </file>
@@ -37814,6 +38686,12 @@
 </file>
 
 <file path=customXml/item1.xml><?xml version="1.0" encoding="utf-8"?>
+<p:properties xmlns:p="http://schemas.microsoft.com/office/2006/metadata/properties" xmlns:xsi="http://www.w3.org/2001/XMLSchema-instance" xmlns:pc="http://schemas.microsoft.com/office/infopath/2007/PartnerControls">
+  <documentManagement/>
+</p:properties>
+</file>
+
+<file path=customXml/item2.xml><?xml version="1.0" encoding="utf-8"?>
 <ct:contentTypeSchema xmlns:ct="http://schemas.microsoft.com/office/2006/metadata/contentType" xmlns:ma="http://schemas.microsoft.com/office/2006/metadata/properties/metaAttributes" ct:_="" ma:_="" ma:contentTypeName="Unknown Document Type" ma:contentTypeID="0x010104" ma:contentTypeVersion="0" ma:contentTypeDescription="" ma:contentTypeScope="" ma:versionID="bab956b1f44ef9d173162e10f4b27789">
   <xsd:schema xmlns:xsd="http://www.w3.org/2001/XMLSchema" xmlns:xs="http://www.w3.org/2001/XMLSchema" xmlns:p="http://schemas.microsoft.com/office/2006/metadata/properties" targetNamespace="http://schemas.microsoft.com/office/2006/metadata/properties" ma:root="true" ma:fieldsID="16eaa9825d2fedb5a83ac41ebe86c43c">
     <xsd:element name="properties">
@@ -37927,7 +38805,7 @@
 </ct:contentTypeSchema>
 </file>
 
-<file path=customXml/item2.xml><?xml version="1.0" encoding="utf-8"?>
+<file path=customXml/item3.xml><?xml version="1.0" encoding="utf-8"?>
 <?mso-contentType ?>
 <FormTemplates xmlns="http://schemas.microsoft.com/sharepoint/v3/contenttype/forms">
   <Display>DocumentLibraryForm</Display>
@@ -37936,20 +38814,35 @@
 </FormTemplates>
 </file>
 
-<file path=customXml/item3.xml><?xml version="1.0" encoding="utf-8"?>
-<p:properties xmlns:p="http://schemas.microsoft.com/office/2006/metadata/properties" xmlns:xsi="http://www.w3.org/2001/XMLSchema-instance" xmlns:pc="http://schemas.microsoft.com/office/infopath/2007/PartnerControls">
-  <documentManagement/>
-</p:properties>
-</file>
-
 <file path=customXml/itemProps1.xml><?xml version="1.0" encoding="utf-8"?>
-<ds:datastoreItem xmlns:ds="http://schemas.openxmlformats.org/officeDocument/2006/customXml" ds:itemID="{E35A399E-18BF-4875-8D4E-DA9184385F73}"/>
+<ds:datastoreItem xmlns:ds="http://schemas.openxmlformats.org/officeDocument/2006/customXml" ds:itemID="{950606EF-C2F5-4A84-B508-46D66454D321}">
+  <ds:schemaRefs>
+    <ds:schemaRef ds:uri="http://schemas.microsoft.com/office/2006/metadata/properties"/>
+    <ds:schemaRef ds:uri="http://schemas.microsoft.com/office/infopath/2007/PartnerControls"/>
+  </ds:schemaRefs>
+</ds:datastoreItem>
 </file>
 
 <file path=customXml/itemProps2.xml><?xml version="1.0" encoding="utf-8"?>
-<ds:datastoreItem xmlns:ds="http://schemas.openxmlformats.org/officeDocument/2006/customXml" ds:itemID="{55542C50-77E4-49B1-93D6-6D5A8014C6CE}"/>
+<ds:datastoreItem xmlns:ds="http://schemas.openxmlformats.org/officeDocument/2006/customXml" ds:itemID="{E35A399E-18BF-4875-8D4E-DA9184385F73}">
+  <ds:schemaRefs>
+    <ds:schemaRef ds:uri="http://schemas.microsoft.com/office/2006/metadata/contentType"/>
+    <ds:schemaRef ds:uri="http://schemas.microsoft.com/office/2006/metadata/properties/metaAttributes"/>
+    <ds:schemaRef ds:uri="http://www.w3.org/2001/XMLSchema"/>
+    <ds:schemaRef ds:uri="http://schemas.microsoft.com/office/2006/metadata/properties"/>
+    <ds:schemaRef ds:uri="http://schemas.openxmlformats.org/package/2006/metadata/core-properties"/>
+    <ds:schemaRef ds:uri="http://purl.org/dc/elements/1.1/"/>
+    <ds:schemaRef ds:uri="http://purl.org/dc/terms/"/>
+    <ds:schemaRef ds:uri="http://schemas.microsoft.com/internal/obd"/>
+    <ds:schemaRef ds:uri="http://schemas.microsoft.com/office/infopath/2007/PartnerControls"/>
+  </ds:schemaRefs>
+</ds:datastoreItem>
 </file>
 
 <file path=customXml/itemProps3.xml><?xml version="1.0" encoding="utf-8"?>
-<ds:datastoreItem xmlns:ds="http://schemas.openxmlformats.org/officeDocument/2006/customXml" ds:itemID="{950606EF-C2F5-4A84-B508-46D66454D321}"/>
+<ds:datastoreItem xmlns:ds="http://schemas.openxmlformats.org/officeDocument/2006/customXml" ds:itemID="{55542C50-77E4-49B1-93D6-6D5A8014C6CE}">
+  <ds:schemaRefs>
+    <ds:schemaRef ds:uri="http://schemas.microsoft.com/sharepoint/v3/contenttype/forms"/>
+  </ds:schemaRefs>
+</ds:datastoreItem>
 </file>